--- a/Aplikasi Catalog Board Game.pptx
+++ b/Aplikasi Catalog Board Game.pptx
@@ -4365,13 +4365,38 @@
           </a:bodyPr>
           <a:lstStyle/>
           <a:p>
-            <a:r>
-              <a:rPr lang="en-US" dirty="0" err="1"/>
-              <a:t>Aplikasi</a:t>
-            </a:r>
+            <a:pPr algn="ctr"/>
             <a:r>
               <a:rPr lang="en-US" dirty="0"/>
-              <a:t> Catalog Board Game</a:t>
+              <a:t>A</a:t>
+            </a:r>
+            <a:r>
+              <a:rPr lang="id-ID" dirty="0"/>
+              <a:t>PLIKASI </a:t>
+            </a:r>
+            <a:r>
+              <a:rPr lang="en-US" dirty="0"/>
+              <a:t>C</a:t>
+            </a:r>
+            <a:r>
+              <a:rPr lang="id-ID" dirty="0"/>
+              <a:t>ATALOG</a:t>
+            </a:r>
+            <a:r>
+              <a:rPr lang="en-US" dirty="0"/>
+              <a:t> B</a:t>
+            </a:r>
+            <a:r>
+              <a:rPr lang="id-ID" dirty="0"/>
+              <a:t>OARD</a:t>
+            </a:r>
+            <a:r>
+              <a:rPr lang="en-US" dirty="0"/>
+              <a:t> G</a:t>
+            </a:r>
+            <a:r>
+              <a:rPr lang="id-ID" dirty="0"/>
+              <a:t>AME</a:t>
             </a:r>
             <a:endParaRPr lang="en-ID" dirty="0"/>
           </a:p>
@@ -4609,7 +4634,7 @@
           <a:p>
             <a:r>
               <a:rPr lang="id-ID" dirty="0"/>
-              <a:t>Wireframe Admin</a:t>
+              <a:t>WIREFRAME : Admin</a:t>
             </a:r>
             <a:endParaRPr lang="en-ID" dirty="0"/>
           </a:p>
@@ -4700,7 +4725,7 @@
         <p:spPr>
           <a:xfrm>
             <a:off x="438538" y="0"/>
-            <a:ext cx="10077061" cy="909493"/>
+            <a:ext cx="10077061" cy="789709"/>
           </a:xfrm>
         </p:spPr>
         <p:txBody>
@@ -4709,7 +4734,7 @@
           <a:p>
             <a:r>
               <a:rPr lang="id-ID" dirty="0"/>
-              <a:t>Wireframe Client</a:t>
+              <a:t>WIREFRAME : Client</a:t>
             </a:r>
             <a:endParaRPr lang="en-ID" dirty="0"/>
           </a:p>
@@ -4743,8 +4768,8 @@
         </p:blipFill>
         <p:spPr>
           <a:xfrm>
-            <a:off x="0" y="909493"/>
-            <a:ext cx="12191999" cy="5948507"/>
+            <a:off x="0" y="789709"/>
+            <a:ext cx="12191999" cy="6068291"/>
           </a:xfrm>
           <a:prstGeom prst="rect">
             <a:avLst/>
@@ -4799,8 +4824,8 @@
         </p:nvSpPr>
         <p:spPr>
           <a:xfrm>
-            <a:off x="727788" y="286604"/>
-            <a:ext cx="10427892" cy="861062"/>
+            <a:off x="1059991" y="940028"/>
+            <a:ext cx="10566743" cy="861062"/>
           </a:xfrm>
         </p:spPr>
         <p:txBody>
@@ -4809,9 +4834,12 @@
           <a:p>
             <a:r>
               <a:rPr lang="en-US" dirty="0"/>
-              <a:t>Mockup</a:t>
-            </a:r>
-            <a:endParaRPr lang="id-ID" dirty="0"/>
+              <a:t>M</a:t>
+            </a:r>
+            <a:r>
+              <a:rPr lang="id-ID" dirty="0"/>
+              <a:t>OCKUP</a:t>
+            </a:r>
           </a:p>
         </p:txBody>
       </p:sp>
@@ -4845,8 +4873,8 @@
         </p:blipFill>
         <p:spPr>
           <a:xfrm>
-            <a:off x="838200" y="1690688"/>
-            <a:ext cx="2009546" cy="4351338"/>
+            <a:off x="1059991" y="1801090"/>
+            <a:ext cx="2009546" cy="4502728"/>
           </a:xfrm>
         </p:spPr>
       </p:pic>
@@ -4878,8 +4906,8 @@
         </p:blipFill>
         <p:spPr>
           <a:xfrm>
-            <a:off x="2914429" y="1690688"/>
-            <a:ext cx="2009546" cy="4351338"/>
+            <a:off x="3102532" y="1801090"/>
+            <a:ext cx="2009546" cy="4502728"/>
           </a:xfrm>
           <a:prstGeom prst="rect">
             <a:avLst/>
@@ -4914,8 +4942,8 @@
         </p:blipFill>
         <p:spPr>
           <a:xfrm>
-            <a:off x="4990658" y="1690688"/>
-            <a:ext cx="2009547" cy="4351338"/>
+            <a:off x="5145073" y="1801090"/>
+            <a:ext cx="2009547" cy="4502728"/>
           </a:xfrm>
           <a:prstGeom prst="rect">
             <a:avLst/>
@@ -4950,8 +4978,8 @@
         </p:blipFill>
         <p:spPr>
           <a:xfrm>
-            <a:off x="7140200" y="1690688"/>
-            <a:ext cx="2009546" cy="4351338"/>
+            <a:off x="7171118" y="1801090"/>
+            <a:ext cx="2009546" cy="4502728"/>
           </a:xfrm>
           <a:prstGeom prst="rect">
             <a:avLst/>
@@ -4986,8 +5014,8 @@
         </p:blipFill>
         <p:spPr>
           <a:xfrm>
-            <a:off x="9277571" y="1690688"/>
-            <a:ext cx="2009547" cy="4351338"/>
+            <a:off x="9213659" y="1801090"/>
+            <a:ext cx="2009547" cy="4502728"/>
           </a:xfrm>
           <a:prstGeom prst="rect">
             <a:avLst/>
@@ -5024,31 +5052,6 @@
           <a:chExt cx="0" cy="0"/>
         </a:xfrm>
       </p:grpSpPr>
-      <p:sp>
-        <p:nvSpPr>
-          <p:cNvPr id="2" name="Title 1">
-            <a:extLst>
-              <a:ext uri="{FF2B5EF4-FFF2-40B4-BE49-F238E27FC236}">
-                <a16:creationId xmlns:a16="http://schemas.microsoft.com/office/drawing/2014/main" id="{CD1559FC-B825-4B23-AC04-201E22B52DD0}"/>
-              </a:ext>
-            </a:extLst>
-          </p:cNvPr>
-          <p:cNvSpPr>
-            <a:spLocks noGrp="1"/>
-          </p:cNvSpPr>
-          <p:nvPr>
-            <p:ph type="title"/>
-          </p:nvPr>
-        </p:nvSpPr>
-        <p:spPr/>
-        <p:txBody>
-          <a:bodyPr/>
-          <a:lstStyle/>
-          <a:p>
-            <a:endParaRPr lang="id-ID"/>
-          </a:p>
-        </p:txBody>
-      </p:sp>
       <p:pic>
         <p:nvPicPr>
           <p:cNvPr id="5" name="Content Placeholder 4">
@@ -5079,8 +5082,8 @@
         </p:blipFill>
         <p:spPr>
           <a:xfrm>
-            <a:off x="1229441" y="1690688"/>
-            <a:ext cx="2009546" cy="4351338"/>
+            <a:off x="1868635" y="1862050"/>
+            <a:ext cx="2009546" cy="4483329"/>
           </a:xfrm>
         </p:spPr>
       </p:pic>
@@ -5112,8 +5115,8 @@
         </p:blipFill>
         <p:spPr>
           <a:xfrm>
-            <a:off x="8313819" y="1690688"/>
-            <a:ext cx="2009547" cy="4351338"/>
+            <a:off x="8209683" y="1862050"/>
+            <a:ext cx="2009547" cy="4483331"/>
           </a:xfrm>
           <a:prstGeom prst="rect">
             <a:avLst/>
@@ -5148,8 +5151,8 @@
         </p:blipFill>
         <p:spPr>
           <a:xfrm>
-            <a:off x="3620897" y="1690688"/>
-            <a:ext cx="2009547" cy="4351338"/>
+            <a:off x="3982317" y="1862050"/>
+            <a:ext cx="2009547" cy="4483330"/>
           </a:xfrm>
           <a:prstGeom prst="rect">
             <a:avLst/>
@@ -5184,8 +5187,8 @@
         </p:blipFill>
         <p:spPr>
           <a:xfrm>
-            <a:off x="6096000" y="1690688"/>
-            <a:ext cx="2009547" cy="4351338"/>
+            <a:off x="6096000" y="1862050"/>
+            <a:ext cx="2009547" cy="4483330"/>
           </a:xfrm>
           <a:prstGeom prst="rect">
             <a:avLst/>
@@ -5238,14 +5241,19 @@
             <p:ph type="title"/>
           </p:nvPr>
         </p:nvSpPr>
-        <p:spPr/>
+        <p:spPr>
+          <a:xfrm>
+            <a:off x="1097280" y="286603"/>
+            <a:ext cx="10058400" cy="1472924"/>
+          </a:xfrm>
+        </p:spPr>
         <p:txBody>
           <a:bodyPr/>
           <a:lstStyle/>
           <a:p>
             <a:r>
               <a:rPr lang="id-ID" dirty="0"/>
-              <a:t>Terima Kasih</a:t>
+              <a:t>TERIMA KASIH</a:t>
             </a:r>
             <a:endParaRPr lang="en-ID" dirty="0"/>
           </a:p>
@@ -5299,8 +5307,8 @@
         </p:nvSpPr>
         <p:spPr>
           <a:xfrm>
-            <a:off x="1097280" y="121299"/>
-            <a:ext cx="10058400" cy="1129003"/>
+            <a:off x="1080653" y="966426"/>
+            <a:ext cx="10058400" cy="765393"/>
           </a:xfrm>
         </p:spPr>
         <p:txBody>
@@ -5335,8 +5343,8 @@
         </p:nvSpPr>
         <p:spPr>
           <a:xfrm>
-            <a:off x="838200" y="1250302"/>
-            <a:ext cx="10515600" cy="5122789"/>
+            <a:off x="761999" y="1731819"/>
+            <a:ext cx="10695709" cy="4641272"/>
           </a:xfrm>
         </p:spPr>
         <p:txBody>
@@ -6740,7 +6748,7 @@
               </a:rPr>
               <a:t>Sobari</a:t>
             </a:r>
-            <a:endParaRPr lang="en-US" sz="1900" dirty="0">
+            <a:endParaRPr lang="id-ID" sz="1900" dirty="0">
               <a:effectLst/>
               <a:latin typeface="Calibri (Body)"/>
               <a:ea typeface="DengXian" panose="02010600030101010101" pitchFamily="2" charset="-122"/>
@@ -6752,30 +6760,30 @@
               <a:buNone/>
             </a:pPr>
             <a:r>
+              <a:rPr lang="id-ID" sz="1900" dirty="0">
+                <a:latin typeface="Calibri (Body)"/>
+                <a:ea typeface="DengXian" panose="02010600030101010101" pitchFamily="2" charset="-122"/>
+                <a:cs typeface="Times New Roman" panose="02020603050405020304" pitchFamily="18" charset="0"/>
+              </a:rPr>
+              <a:t>					  </a:t>
+            </a:r>
+            <a:r>
+              <a:rPr lang="en-US" sz="1900" dirty="0" err="1">
+                <a:effectLst/>
+                <a:latin typeface="Calibri (Body)"/>
+                <a:ea typeface="DengXian" panose="02010600030101010101" pitchFamily="2" charset="-122"/>
+                <a:cs typeface="Times New Roman" panose="02020603050405020304" pitchFamily="18" charset="0"/>
+              </a:rPr>
+              <a:t>Angga</a:t>
+            </a:r>
+            <a:r>
               <a:rPr lang="en-US" sz="1900" dirty="0">
                 <a:effectLst/>
                 <a:latin typeface="Calibri (Body)"/>
                 <a:ea typeface="DengXian" panose="02010600030101010101" pitchFamily="2" charset="-122"/>
                 <a:cs typeface="Times New Roman" panose="02020603050405020304" pitchFamily="18" charset="0"/>
               </a:rPr>
-              <a:t>				</a:t>
-            </a:r>
-            <a:r>
-              <a:rPr lang="en-US" sz="1900" dirty="0">
-                <a:latin typeface="Calibri (Body)"/>
-                <a:ea typeface="DengXian" panose="02010600030101010101" pitchFamily="2" charset="-122"/>
-                <a:cs typeface="Times New Roman" panose="02020603050405020304" pitchFamily="18" charset="0"/>
-              </a:rPr>
-              <a:t> 	  </a:t>
-            </a:r>
-            <a:r>
-              <a:rPr lang="en-US" sz="1900" dirty="0">
-                <a:effectLst/>
-                <a:latin typeface="Calibri (Body)"/>
-                <a:ea typeface="DengXian" panose="02010600030101010101" pitchFamily="2" charset="-122"/>
-                <a:cs typeface="Times New Roman" panose="02020603050405020304" pitchFamily="18" charset="0"/>
-              </a:rPr>
-              <a:t>Angga Raga Pala</a:t>
+              <a:t> Raga Pala</a:t>
             </a:r>
             <a:endParaRPr lang="id-ID" sz="1900" dirty="0">
               <a:effectLst/>
@@ -6832,16 +6840,24 @@
             <p:ph type="title"/>
           </p:nvPr>
         </p:nvSpPr>
-        <p:spPr/>
+        <p:spPr>
+          <a:xfrm>
+            <a:off x="1191490" y="942108"/>
+            <a:ext cx="9964189" cy="775855"/>
+          </a:xfrm>
+        </p:spPr>
         <p:txBody>
           <a:bodyPr/>
           <a:lstStyle/>
           <a:p>
             <a:r>
               <a:rPr lang="en-US" dirty="0"/>
-              <a:t>Logo</a:t>
-            </a:r>
-            <a:endParaRPr lang="id-ID" dirty="0"/>
+              <a:t>L</a:t>
+            </a:r>
+            <a:r>
+              <a:rPr lang="id-ID" dirty="0"/>
+              <a:t>OGO</a:t>
+            </a:r>
           </a:p>
         </p:txBody>
       </p:sp>
@@ -6928,8 +6944,8 @@
         </p:nvSpPr>
         <p:spPr>
           <a:xfrm>
-            <a:off x="838200" y="111967"/>
-            <a:ext cx="10515600" cy="1175657"/>
+            <a:off x="1191490" y="678872"/>
+            <a:ext cx="10162309" cy="1052946"/>
           </a:xfrm>
         </p:spPr>
         <p:txBody>
@@ -6938,7 +6954,7 @@
           <a:p>
             <a:r>
               <a:rPr lang="en-US" b="1" dirty="0"/>
-              <a:t>  PROJECT SCOPE STATEMENT</a:t>
+              <a:t>PROJECT SCOPE STATEMENT</a:t>
             </a:r>
             <a:endParaRPr lang="en-ID" dirty="0"/>
           </a:p>
@@ -6962,13 +6978,13 @@
         </p:nvSpPr>
         <p:spPr>
           <a:xfrm>
-            <a:off x="1097280" y="1483567"/>
-            <a:ext cx="10058400" cy="4385527"/>
+            <a:off x="734291" y="1731818"/>
+            <a:ext cx="10619509" cy="4572000"/>
           </a:xfrm>
         </p:spPr>
         <p:txBody>
           <a:bodyPr>
-            <a:normAutofit fontScale="92500" lnSpcReduction="10000"/>
+            <a:normAutofit/>
           </a:bodyPr>
           <a:lstStyle/>
           <a:p>
@@ -7587,7 +7603,7 @@
             <a:endParaRPr lang="en-ID" b="1" dirty="0"/>
           </a:p>
           <a:p>
-            <a:pPr lvl="1"/>
+            <a:pPr lvl="3"/>
             <a:r>
               <a:rPr lang="en-US" dirty="0"/>
               <a:t>Login admin dan login user</a:t>
@@ -7595,7 +7611,7 @@
             <a:endParaRPr lang="en-ID" dirty="0"/>
           </a:p>
           <a:p>
-            <a:pPr lvl="1"/>
+            <a:pPr lvl="3"/>
             <a:r>
               <a:rPr lang="en-US" dirty="0"/>
               <a:t>Daftar user</a:t>
@@ -7603,7 +7619,7 @@
             <a:endParaRPr lang="en-ID" dirty="0"/>
           </a:p>
           <a:p>
-            <a:pPr lvl="1"/>
+            <a:pPr lvl="3"/>
             <a:r>
               <a:rPr lang="en-US" dirty="0" err="1"/>
               <a:t>Katalog</a:t>
@@ -7615,7 +7631,7 @@
             <a:endParaRPr lang="en-ID" dirty="0"/>
           </a:p>
           <a:p>
-            <a:pPr lvl="1"/>
+            <a:pPr lvl="3"/>
             <a:r>
               <a:rPr lang="en-US" dirty="0" err="1"/>
               <a:t>Kategori</a:t>
@@ -7627,7 +7643,7 @@
             <a:endParaRPr lang="en-ID" dirty="0"/>
           </a:p>
           <a:p>
-            <a:pPr lvl="1"/>
+            <a:pPr lvl="3"/>
             <a:r>
               <a:rPr lang="en-US" dirty="0" err="1"/>
               <a:t>Membuat</a:t>
@@ -7639,7 +7655,7 @@
             <a:endParaRPr lang="en-ID" dirty="0"/>
           </a:p>
           <a:p>
-            <a:pPr lvl="1"/>
+            <a:pPr lvl="3"/>
             <a:r>
               <a:rPr lang="en-US" dirty="0" err="1"/>
               <a:t>Menambah</a:t>
@@ -7651,7 +7667,7 @@
             <a:endParaRPr lang="en-ID" dirty="0"/>
           </a:p>
           <a:p>
-            <a:pPr lvl="1"/>
+            <a:pPr lvl="3"/>
             <a:r>
               <a:rPr lang="en-US" dirty="0" err="1"/>
               <a:t>Mengganti</a:t>
@@ -7663,7 +7679,7 @@
             <a:endParaRPr lang="en-ID" dirty="0"/>
           </a:p>
           <a:p>
-            <a:pPr lvl="1"/>
+            <a:pPr lvl="3"/>
             <a:r>
               <a:rPr lang="en-US" dirty="0" err="1"/>
               <a:t>Mengexport</a:t>
@@ -7724,8 +7740,8 @@
         </p:nvSpPr>
         <p:spPr>
           <a:xfrm>
-            <a:off x="1097280" y="65315"/>
-            <a:ext cx="10058400" cy="1119673"/>
+            <a:off x="1246570" y="942109"/>
+            <a:ext cx="9909110" cy="831273"/>
           </a:xfrm>
         </p:spPr>
         <p:txBody>
@@ -7734,7 +7750,27 @@
           <a:p>
             <a:r>
               <a:rPr lang="en-US" dirty="0"/>
-              <a:t>Work Breakdown Structure</a:t>
+              <a:t>W</a:t>
+            </a:r>
+            <a:r>
+              <a:rPr lang="id-ID" dirty="0"/>
+              <a:t>ORK</a:t>
+            </a:r>
+            <a:r>
+              <a:rPr lang="en-US" dirty="0"/>
+              <a:t> B</a:t>
+            </a:r>
+            <a:r>
+              <a:rPr lang="id-ID" dirty="0"/>
+              <a:t>REAKDOWN</a:t>
+            </a:r>
+            <a:r>
+              <a:rPr lang="en-US" dirty="0"/>
+              <a:t> S</a:t>
+            </a:r>
+            <a:r>
+              <a:rPr lang="id-ID" dirty="0"/>
+              <a:t>TRUCTURE</a:t>
             </a:r>
             <a:endParaRPr lang="en-ID" dirty="0"/>
           </a:p>
@@ -7770,8 +7806,8 @@
         </p:blipFill>
         <p:spPr>
           <a:xfrm>
-            <a:off x="1246571" y="1782147"/>
-            <a:ext cx="9909109" cy="4506685"/>
+            <a:off x="1246571" y="1773382"/>
+            <a:ext cx="9909109" cy="4515450"/>
           </a:xfrm>
           <a:solidFill>
             <a:schemeClr val="tx1">
@@ -7850,8 +7886,8 @@
         </p:nvSpPr>
         <p:spPr>
           <a:xfrm>
-            <a:off x="1097280" y="286603"/>
-            <a:ext cx="10058400" cy="1047675"/>
+            <a:off x="1233054" y="955963"/>
+            <a:ext cx="9922625" cy="803563"/>
           </a:xfrm>
         </p:spPr>
         <p:txBody>
@@ -7860,7 +7896,19 @@
           <a:p>
             <a:r>
               <a:rPr lang="en-US" b="1" dirty="0"/>
-              <a:t>Gantt Chart</a:t>
+              <a:t>G</a:t>
+            </a:r>
+            <a:r>
+              <a:rPr lang="id-ID" b="1" dirty="0"/>
+              <a:t>ANTT</a:t>
+            </a:r>
+            <a:r>
+              <a:rPr lang="en-US" b="1" dirty="0"/>
+              <a:t> C</a:t>
+            </a:r>
+            <a:r>
+              <a:rPr lang="id-ID" b="1" dirty="0"/>
+              <a:t>HART</a:t>
             </a:r>
             <a:endParaRPr lang="en-ID" dirty="0"/>
           </a:p>
@@ -7896,8 +7944,8 @@
         </p:blipFill>
         <p:spPr>
           <a:xfrm>
-            <a:off x="1219199" y="1737359"/>
-            <a:ext cx="9878292" cy="4551473"/>
+            <a:off x="1233055" y="1759527"/>
+            <a:ext cx="9922625" cy="4529305"/>
           </a:xfrm>
         </p:spPr>
       </p:pic>
@@ -7949,8 +7997,8 @@
         </p:nvSpPr>
         <p:spPr>
           <a:xfrm>
-            <a:off x="1097280" y="286604"/>
-            <a:ext cx="10058400" cy="1066336"/>
+            <a:off x="1205344" y="945472"/>
+            <a:ext cx="9950336" cy="827343"/>
           </a:xfrm>
         </p:spPr>
         <p:txBody>
@@ -7958,10 +8006,13 @@
           <a:lstStyle/>
           <a:p>
             <a:r>
-              <a:rPr lang="en-US" dirty="0" err="1"/>
-              <a:t>Penugasan</a:t>
-            </a:r>
-            <a:endParaRPr lang="id-ID" dirty="0"/>
+              <a:rPr lang="en-US" dirty="0"/>
+              <a:t>P</a:t>
+            </a:r>
+            <a:r>
+              <a:rPr lang="id-ID" dirty="0"/>
+              <a:t>ENUGASAN</a:t>
+            </a:r>
           </a:p>
         </p:txBody>
       </p:sp>
@@ -7981,14 +8032,14 @@
             <p:ph idx="1"/>
             <p:extLst>
               <p:ext uri="{D42A27DB-BD31-4B8C-83A1-F6EECF244321}">
-                <p14:modId xmlns:p14="http://schemas.microsoft.com/office/powerpoint/2010/main" val="1421906850"/>
+                <p14:modId xmlns:p14="http://schemas.microsoft.com/office/powerpoint/2010/main" val="4004429812"/>
               </p:ext>
             </p:extLst>
           </p:nvPr>
         </p:nvGraphicFramePr>
         <p:xfrm>
-          <a:off x="1240971" y="1772816"/>
-          <a:ext cx="9914709" cy="4139711"/>
+          <a:off x="1205345" y="1772816"/>
+          <a:ext cx="9950335" cy="4139711"/>
         </p:xfrm>
         <a:graphic>
           <a:graphicData uri="http://schemas.openxmlformats.org/drawingml/2006/table">
@@ -7997,21 +8048,21 @@
                 <a:tableStyleId>{5C22544A-7EE6-4342-B048-85BDC9FD1C3A}</a:tableStyleId>
               </a:tblPr>
               <a:tblGrid>
-                <a:gridCol w="1925186">
+                <a:gridCol w="1932104">
                   <a:extLst>
                     <a:ext uri="{9D8B030D-6E8A-4147-A177-3AD203B41FA5}">
                       <a16:colId xmlns:a16="http://schemas.microsoft.com/office/drawing/2014/main" val="4004728017"/>
                     </a:ext>
                   </a:extLst>
                 </a:gridCol>
-                <a:gridCol w="3946632">
+                <a:gridCol w="3960813">
                   <a:extLst>
                     <a:ext uri="{9D8B030D-6E8A-4147-A177-3AD203B41FA5}">
                       <a16:colId xmlns:a16="http://schemas.microsoft.com/office/drawing/2014/main" val="2842062422"/>
                     </a:ext>
                   </a:extLst>
                 </a:gridCol>
-                <a:gridCol w="4042891">
+                <a:gridCol w="4057418">
                   <a:extLst>
                     <a:ext uri="{9D8B030D-6E8A-4147-A177-3AD203B41FA5}">
                       <a16:colId xmlns:a16="http://schemas.microsoft.com/office/drawing/2014/main" val="3847026060"/>
@@ -8152,10 +8203,26 @@
                         </a:spcAft>
                       </a:pPr>
                       <a:r>
-                        <a:rPr lang="en-US" sz="1600"/>
-                        <a:t>Maheswara Athallah Wijanarko</a:t>
+                        <a:rPr lang="en-US" sz="1600" dirty="0" err="1"/>
+                        <a:t>Maheswara</a:t>
                       </a:r>
-                      <a:endParaRPr lang="id-ID" sz="1600"/>
+                      <a:r>
+                        <a:rPr lang="en-US" sz="1600" dirty="0"/>
+                        <a:t> </a:t>
+                      </a:r>
+                      <a:r>
+                        <a:rPr lang="en-US" sz="1600" dirty="0" err="1"/>
+                        <a:t>Athallah</a:t>
+                      </a:r>
+                      <a:r>
+                        <a:rPr lang="en-US" sz="1600" dirty="0"/>
+                        <a:t> </a:t>
+                      </a:r>
+                      <a:r>
+                        <a:rPr lang="en-US" sz="1600" dirty="0" err="1"/>
+                        <a:t>Wijanarko</a:t>
+                      </a:r>
+                      <a:endParaRPr lang="id-ID" sz="1600" dirty="0"/>
                     </a:p>
                   </a:txBody>
                   <a:tcPr marL="68580" marR="68580" marT="0" marB="0"/>
@@ -8775,8 +8842,8 @@
         </p:nvSpPr>
         <p:spPr>
           <a:xfrm>
-            <a:off x="1097280" y="286603"/>
-            <a:ext cx="10058400" cy="870393"/>
+            <a:off x="1212696" y="900545"/>
+            <a:ext cx="9942984" cy="847407"/>
           </a:xfrm>
         </p:spPr>
         <p:txBody>
@@ -8785,19 +8852,7 @@
           <a:p>
             <a:r>
               <a:rPr lang="id-ID" dirty="0"/>
-              <a:t>Project </a:t>
-            </a:r>
-            <a:r>
-              <a:rPr lang="id-ID" dirty="0" err="1"/>
-              <a:t>Management</a:t>
-            </a:r>
-            <a:r>
-              <a:rPr lang="id-ID" dirty="0"/>
-              <a:t> </a:t>
-            </a:r>
-            <a:r>
-              <a:rPr lang="id-ID" dirty="0" err="1"/>
-              <a:t>Tools</a:t>
+              <a:t>PROJECT MANAGEMENT TOOLS</a:t>
             </a:r>
             <a:r>
               <a:rPr lang="en-US" dirty="0"/>
@@ -8829,8 +8884,8 @@
         </p:nvSpPr>
         <p:spPr>
           <a:xfrm>
-            <a:off x="1184988" y="1221479"/>
-            <a:ext cx="10168812" cy="635313"/>
+            <a:off x="1212697" y="1747952"/>
+            <a:ext cx="9942983" cy="635313"/>
           </a:xfrm>
         </p:spPr>
         <p:txBody>
@@ -9162,8 +9217,8 @@
         </p:blipFill>
         <p:spPr>
           <a:xfrm>
-            <a:off x="1097281" y="2043405"/>
-            <a:ext cx="10183430" cy="4170784"/>
+            <a:off x="1212697" y="2285999"/>
+            <a:ext cx="9942983" cy="3928189"/>
           </a:xfrm>
           <a:prstGeom prst="rect">
             <a:avLst/>
@@ -9218,8 +9273,8 @@
         </p:nvSpPr>
         <p:spPr>
           <a:xfrm>
-            <a:off x="1097280" y="286604"/>
-            <a:ext cx="10058400" cy="823740"/>
+            <a:off x="1219200" y="886691"/>
+            <a:ext cx="9936479" cy="864227"/>
           </a:xfrm>
         </p:spPr>
         <p:txBody>
@@ -9230,7 +9285,15 @@
           <a:p>
             <a:r>
               <a:rPr lang="en-US" dirty="0"/>
-              <a:t>Diagram : Draw.io</a:t>
+              <a:t>D</a:t>
+            </a:r>
+            <a:r>
+              <a:rPr lang="id-ID" dirty="0"/>
+              <a:t>IAGRAM</a:t>
+            </a:r>
+            <a:r>
+              <a:rPr lang="en-US" dirty="0"/>
+              <a:t> : Draw.io</a:t>
             </a:r>
             <a:endParaRPr lang="id-ID" dirty="0"/>
           </a:p>
@@ -9254,13 +9317,13 @@
         </p:nvSpPr>
         <p:spPr>
           <a:xfrm>
-            <a:off x="1166326" y="1404555"/>
-            <a:ext cx="10187473" cy="823740"/>
+            <a:off x="1127760" y="1750918"/>
+            <a:ext cx="9936479" cy="354972"/>
           </a:xfrm>
         </p:spPr>
         <p:txBody>
           <a:bodyPr>
-            <a:normAutofit/>
+            <a:normAutofit lnSpcReduction="10000"/>
           </a:bodyPr>
           <a:lstStyle/>
           <a:p>
@@ -9505,8 +9568,8 @@
         </p:blipFill>
         <p:spPr>
           <a:xfrm>
-            <a:off x="1166326" y="1892393"/>
-            <a:ext cx="9989354" cy="4309554"/>
+            <a:off x="1219199" y="2105890"/>
+            <a:ext cx="9936479" cy="4197926"/>
           </a:xfrm>
           <a:prstGeom prst="rect">
             <a:avLst/>

--- a/Aplikasi Catalog Board Game.pptx
+++ b/Aplikasi Catalog Board Game.pptx
@@ -4539,15 +4539,15 @@
             </a:r>
             <a:r>
               <a:rPr lang="en-US" b="1" dirty="0"/>
-              <a:t> Nur H.		</a:t>
+              <a:t> Nur H</a:t>
             </a:r>
             <a:r>
               <a:rPr lang="id-ID" b="1" dirty="0"/>
-              <a:t>	</a:t>
+              <a:t>ASANI</a:t>
             </a:r>
             <a:r>
               <a:rPr lang="en-US" b="1" dirty="0"/>
-              <a:t>(A11.2018.11489)</a:t>
+              <a:t>		(A11.2018.11489)</a:t>
             </a:r>
             <a:endParaRPr lang="en-ID" dirty="0"/>
           </a:p>

--- a/Aplikasi Catalog Board Game.pptx
+++ b/Aplikasi Catalog Board Game.pptx
@@ -4420,7 +4420,7 @@
         </p:nvSpPr>
         <p:spPr>
           <a:xfrm>
-            <a:off x="1524000" y="2978727"/>
+            <a:off x="1524000" y="2881747"/>
             <a:ext cx="9144000" cy="3103418"/>
           </a:xfrm>
         </p:spPr>
@@ -4824,8 +4824,8 @@
         </p:nvSpPr>
         <p:spPr>
           <a:xfrm>
-            <a:off x="1059991" y="940028"/>
-            <a:ext cx="10566743" cy="861062"/>
+            <a:off x="1191491" y="940028"/>
+            <a:ext cx="10435243" cy="861062"/>
           </a:xfrm>
         </p:spPr>
         <p:txBody>
@@ -5243,8 +5243,8 @@
         </p:nvSpPr>
         <p:spPr>
           <a:xfrm>
-            <a:off x="1097280" y="286603"/>
-            <a:ext cx="10058400" cy="1472924"/>
+            <a:off x="1191490" y="831273"/>
+            <a:ext cx="9964189" cy="928254"/>
           </a:xfrm>
         </p:spPr>
         <p:txBody>
@@ -5307,8 +5307,8 @@
         </p:nvSpPr>
         <p:spPr>
           <a:xfrm>
-            <a:off x="1080653" y="966426"/>
-            <a:ext cx="10058400" cy="765393"/>
+            <a:off x="1205345" y="966426"/>
+            <a:ext cx="9933708" cy="765393"/>
           </a:xfrm>
         </p:spPr>
         <p:txBody>

--- a/Aplikasi Catalog Board Game.pptx
+++ b/Aplikasi Catalog Board Game.pptx
@@ -1,24 +1,25 @@
 
 <file path=ppt/presentation.xml><?xml version="1.0" encoding="utf-8"?>
-<p:presentation xmlns:a="http://schemas.openxmlformats.org/drawingml/2006/main" xmlns:r="http://schemas.openxmlformats.org/officeDocument/2006/relationships" xmlns:p="http://schemas.openxmlformats.org/presentationml/2006/main" saveSubsetFonts="1">
+<p:presentation xmlns:a="http://schemas.openxmlformats.org/drawingml/2006/main" xmlns:r="http://schemas.openxmlformats.org/officeDocument/2006/relationships" xmlns:p="http://schemas.openxmlformats.org/presentationml/2006/main">
   <p:sldMasterIdLst>
-    <p:sldMasterId id="2147483750" r:id="rId1"/>
+    <p:sldMasterId id="2147483648" r:id="rId1"/>
   </p:sldMasterIdLst>
   <p:sldIdLst>
-    <p:sldId id="256" r:id="rId2"/>
-    <p:sldId id="257" r:id="rId3"/>
-    <p:sldId id="269" r:id="rId4"/>
-    <p:sldId id="258" r:id="rId5"/>
-    <p:sldId id="259" r:id="rId6"/>
-    <p:sldId id="260" r:id="rId7"/>
-    <p:sldId id="270" r:id="rId8"/>
-    <p:sldId id="261" r:id="rId9"/>
-    <p:sldId id="266" r:id="rId10"/>
-    <p:sldId id="262" r:id="rId11"/>
-    <p:sldId id="268" r:id="rId12"/>
-    <p:sldId id="264" r:id="rId13"/>
-    <p:sldId id="265" r:id="rId14"/>
-    <p:sldId id="263" r:id="rId15"/>
+    <p:sldId id="256" r:id="rId3"/>
+    <p:sldId id="257" r:id="rId4"/>
+    <p:sldId id="269" r:id="rId5"/>
+    <p:sldId id="258" r:id="rId6"/>
+    <p:sldId id="259" r:id="rId7"/>
+    <p:sldId id="260" r:id="rId8"/>
+    <p:sldId id="270" r:id="rId9"/>
+    <p:sldId id="261" r:id="rId10"/>
+    <p:sldId id="266" r:id="rId11"/>
+    <p:sldId id="262" r:id="rId12"/>
+    <p:sldId id="268" r:id="rId13"/>
+    <p:sldId id="264" r:id="rId14"/>
+    <p:sldId id="281" r:id="rId15"/>
+    <p:sldId id="265" r:id="rId16"/>
+    <p:sldId id="263" r:id="rId17"/>
   </p:sldIdLst>
   <p:sldSz cx="12192000" cy="6858000"/>
   <p:notesSz cx="6858000" cy="9144000"/>
@@ -133,515 +134,20 @@
             <p14:sldId id="266"/>
             <p14:sldId id="262"/>
             <p14:sldId id="268"/>
-            <p14:sldId id="264"/>
+            <p14:sldId id="281"/>
             <p14:sldId id="265"/>
             <p14:sldId id="263"/>
+            <p14:sldId id="264"/>
           </p14:sldIdLst>
         </p14:section>
       </p14:sectionLst>
-    </p:ext>
-    <p:ext uri="{EFAFB233-063F-42B5-8137-9DF3F51BA10A}">
-      <p15:sldGuideLst xmlns:p15="http://schemas.microsoft.com/office/powerpoint/2012/main"/>
     </p:ext>
   </p:extLst>
 </p:presentation>
 </file>
 
-<file path=ppt/changesInfos/changesInfo1.xml><?xml version="1.0" encoding="utf-8"?>
-<pc:chgInfo xmlns:a="http://schemas.openxmlformats.org/drawingml/2006/main" xmlns:r="http://schemas.openxmlformats.org/officeDocument/2006/relationships" xmlns:ac="http://schemas.microsoft.com/office/drawing/2013/main/command" xmlns:pc="http://schemas.microsoft.com/office/powerpoint/2013/main/command">
-  <pc:docChgLst>
-    <pc:chgData name="alful falakh" userId="48e217df925ce595" providerId="LiveId" clId="{9AD53882-7CF3-4857-ADDC-F1BAE670FA97}"/>
-    <pc:docChg chg="undo custSel addSld delSld modSld sldOrd addSection delSection modSection">
-      <pc:chgData name="alful falakh" userId="48e217df925ce595" providerId="LiveId" clId="{9AD53882-7CF3-4857-ADDC-F1BAE670FA97}" dt="2021-04-21T20:52:52.429" v="585" actId="20577"/>
-      <pc:docMkLst>
-        <pc:docMk/>
-      </pc:docMkLst>
-      <pc:sldChg chg="modSp mod">
-        <pc:chgData name="alful falakh" userId="48e217df925ce595" providerId="LiveId" clId="{9AD53882-7CF3-4857-ADDC-F1BAE670FA97}" dt="2021-04-21T14:49:20.356" v="550" actId="20577"/>
-        <pc:sldMkLst>
-          <pc:docMk/>
-          <pc:sldMk cId="389360711" sldId="257"/>
-        </pc:sldMkLst>
-        <pc:spChg chg="mod">
-          <ac:chgData name="alful falakh" userId="48e217df925ce595" providerId="LiveId" clId="{9AD53882-7CF3-4857-ADDC-F1BAE670FA97}" dt="2021-04-21T14:49:20.356" v="550" actId="20577"/>
-          <ac:spMkLst>
-            <pc:docMk/>
-            <pc:sldMk cId="389360711" sldId="257"/>
-            <ac:spMk id="3" creationId="{664902A1-062D-4E4C-8AD0-8D6926812962}"/>
-          </ac:spMkLst>
-        </pc:spChg>
-      </pc:sldChg>
-      <pc:sldChg chg="modSp mod">
-        <pc:chgData name="alful falakh" userId="48e217df925ce595" providerId="LiveId" clId="{9AD53882-7CF3-4857-ADDC-F1BAE670FA97}" dt="2021-04-21T20:52:52.429" v="585" actId="20577"/>
-        <pc:sldMkLst>
-          <pc:docMk/>
-          <pc:sldMk cId="1273568111" sldId="258"/>
-        </pc:sldMkLst>
-        <pc:spChg chg="mod">
-          <ac:chgData name="alful falakh" userId="48e217df925ce595" providerId="LiveId" clId="{9AD53882-7CF3-4857-ADDC-F1BAE670FA97}" dt="2021-04-21T20:52:52.429" v="585" actId="20577"/>
-          <ac:spMkLst>
-            <pc:docMk/>
-            <pc:sldMk cId="1273568111" sldId="258"/>
-            <ac:spMk id="3" creationId="{999B197F-9F03-4B54-A879-B1F438A0F281}"/>
-          </ac:spMkLst>
-        </pc:spChg>
-      </pc:sldChg>
-      <pc:sldChg chg="modSp mod">
-        <pc:chgData name="alful falakh" userId="48e217df925ce595" providerId="LiveId" clId="{9AD53882-7CF3-4857-ADDC-F1BAE670FA97}" dt="2021-04-20T11:53:58.639" v="286" actId="14100"/>
-        <pc:sldMkLst>
-          <pc:docMk/>
-          <pc:sldMk cId="1419492776" sldId="261"/>
-        </pc:sldMkLst>
-        <pc:spChg chg="mod">
-          <ac:chgData name="alful falakh" userId="48e217df925ce595" providerId="LiveId" clId="{9AD53882-7CF3-4857-ADDC-F1BAE670FA97}" dt="2021-04-20T11:53:49.820" v="283" actId="20577"/>
-          <ac:spMkLst>
-            <pc:docMk/>
-            <pc:sldMk cId="1419492776" sldId="261"/>
-            <ac:spMk id="2" creationId="{602C162F-EDD6-4BF2-8339-3EAA34E06F29}"/>
-          </ac:spMkLst>
-        </pc:spChg>
-        <pc:spChg chg="mod">
-          <ac:chgData name="alful falakh" userId="48e217df925ce595" providerId="LiveId" clId="{9AD53882-7CF3-4857-ADDC-F1BAE670FA97}" dt="2021-04-20T11:53:54.971" v="285" actId="27636"/>
-          <ac:spMkLst>
-            <pc:docMk/>
-            <pc:sldMk cId="1419492776" sldId="261"/>
-            <ac:spMk id="3" creationId="{5147FEA4-B9C0-4C15-9856-2831442A1BE6}"/>
-          </ac:spMkLst>
-        </pc:spChg>
-        <pc:picChg chg="mod">
-          <ac:chgData name="alful falakh" userId="48e217df925ce595" providerId="LiveId" clId="{9AD53882-7CF3-4857-ADDC-F1BAE670FA97}" dt="2021-04-20T11:53:58.639" v="286" actId="14100"/>
-          <ac:picMkLst>
-            <pc:docMk/>
-            <pc:sldMk cId="1419492776" sldId="261"/>
-            <ac:picMk id="4" creationId="{E2A289EB-4469-4327-B32B-22B3CC10107A}"/>
-          </ac:picMkLst>
-        </pc:picChg>
-      </pc:sldChg>
-      <pc:sldChg chg="addSp delSp modSp new mod">
-        <pc:chgData name="alful falakh" userId="48e217df925ce595" providerId="LiveId" clId="{9AD53882-7CF3-4857-ADDC-F1BAE670FA97}" dt="2021-04-20T11:46:07.427" v="41" actId="1076"/>
-        <pc:sldMkLst>
-          <pc:docMk/>
-          <pc:sldMk cId="3609264760" sldId="264"/>
-        </pc:sldMkLst>
-        <pc:spChg chg="mod">
-          <ac:chgData name="alful falakh" userId="48e217df925ce595" providerId="LiveId" clId="{9AD53882-7CF3-4857-ADDC-F1BAE670FA97}" dt="2021-04-20T11:44:00.079" v="12" actId="20577"/>
-          <ac:spMkLst>
-            <pc:docMk/>
-            <pc:sldMk cId="3609264760" sldId="264"/>
-            <ac:spMk id="2" creationId="{43AF29C9-6D38-4335-B613-361E3C1E8854}"/>
-          </ac:spMkLst>
-        </pc:spChg>
-        <pc:spChg chg="add del">
-          <ac:chgData name="alful falakh" userId="48e217df925ce595" providerId="LiveId" clId="{9AD53882-7CF3-4857-ADDC-F1BAE670FA97}" dt="2021-04-20T11:44:18.043" v="15" actId="931"/>
-          <ac:spMkLst>
-            <pc:docMk/>
-            <pc:sldMk cId="3609264760" sldId="264"/>
-            <ac:spMk id="3" creationId="{2BB99A3B-A603-4438-9F71-D07EE1E68FB3}"/>
-          </ac:spMkLst>
-        </pc:spChg>
-        <pc:picChg chg="add del mod">
-          <ac:chgData name="alful falakh" userId="48e217df925ce595" providerId="LiveId" clId="{9AD53882-7CF3-4857-ADDC-F1BAE670FA97}" dt="2021-04-20T11:44:14.422" v="14" actId="931"/>
-          <ac:picMkLst>
-            <pc:docMk/>
-            <pc:sldMk cId="3609264760" sldId="264"/>
-            <ac:picMk id="5" creationId="{5745D898-589E-4069-BDFE-C2770CC494B5}"/>
-          </ac:picMkLst>
-        </pc:picChg>
-        <pc:picChg chg="add del mod">
-          <ac:chgData name="alful falakh" userId="48e217df925ce595" providerId="LiveId" clId="{9AD53882-7CF3-4857-ADDC-F1BAE670FA97}" dt="2021-04-20T11:44:14.422" v="14" actId="931"/>
-          <ac:picMkLst>
-            <pc:docMk/>
-            <pc:sldMk cId="3609264760" sldId="264"/>
-            <ac:picMk id="7" creationId="{7ABDD0BF-3891-4ED1-B622-21718A127C8A}"/>
-          </ac:picMkLst>
-        </pc:picChg>
-        <pc:picChg chg="add del mod">
-          <ac:chgData name="alful falakh" userId="48e217df925ce595" providerId="LiveId" clId="{9AD53882-7CF3-4857-ADDC-F1BAE670FA97}" dt="2021-04-20T11:44:14.422" v="14" actId="931"/>
-          <ac:picMkLst>
-            <pc:docMk/>
-            <pc:sldMk cId="3609264760" sldId="264"/>
-            <ac:picMk id="9" creationId="{20243314-87D3-496E-B8C9-4C6B5FB99CA6}"/>
-          </ac:picMkLst>
-        </pc:picChg>
-        <pc:picChg chg="add del mod">
-          <ac:chgData name="alful falakh" userId="48e217df925ce595" providerId="LiveId" clId="{9AD53882-7CF3-4857-ADDC-F1BAE670FA97}" dt="2021-04-20T11:44:14.422" v="14" actId="931"/>
-          <ac:picMkLst>
-            <pc:docMk/>
-            <pc:sldMk cId="3609264760" sldId="264"/>
-            <ac:picMk id="11" creationId="{1D592DF0-393E-4F88-ADAF-E4ECB7F8BAD5}"/>
-          </ac:picMkLst>
-        </pc:picChg>
-        <pc:picChg chg="add del mod">
-          <ac:chgData name="alful falakh" userId="48e217df925ce595" providerId="LiveId" clId="{9AD53882-7CF3-4857-ADDC-F1BAE670FA97}" dt="2021-04-20T11:44:14.422" v="14" actId="931"/>
-          <ac:picMkLst>
-            <pc:docMk/>
-            <pc:sldMk cId="3609264760" sldId="264"/>
-            <ac:picMk id="13" creationId="{1D06769A-1A32-4423-8382-9172CA9590C9}"/>
-          </ac:picMkLst>
-        </pc:picChg>
-        <pc:picChg chg="add del mod">
-          <ac:chgData name="alful falakh" userId="48e217df925ce595" providerId="LiveId" clId="{9AD53882-7CF3-4857-ADDC-F1BAE670FA97}" dt="2021-04-20T11:44:14.422" v="14" actId="931"/>
-          <ac:picMkLst>
-            <pc:docMk/>
-            <pc:sldMk cId="3609264760" sldId="264"/>
-            <ac:picMk id="15" creationId="{8217939F-BCD1-4113-AA9C-DDB832A0BF0D}"/>
-          </ac:picMkLst>
-        </pc:picChg>
-        <pc:picChg chg="add del mod">
-          <ac:chgData name="alful falakh" userId="48e217df925ce595" providerId="LiveId" clId="{9AD53882-7CF3-4857-ADDC-F1BAE670FA97}" dt="2021-04-20T11:44:14.422" v="14" actId="931"/>
-          <ac:picMkLst>
-            <pc:docMk/>
-            <pc:sldMk cId="3609264760" sldId="264"/>
-            <ac:picMk id="17" creationId="{FCC7F918-8ED8-4081-A4A0-3F1835A99FA7}"/>
-          </ac:picMkLst>
-        </pc:picChg>
-        <pc:picChg chg="add del mod">
-          <ac:chgData name="alful falakh" userId="48e217df925ce595" providerId="LiveId" clId="{9AD53882-7CF3-4857-ADDC-F1BAE670FA97}" dt="2021-04-20T11:44:14.422" v="14" actId="931"/>
-          <ac:picMkLst>
-            <pc:docMk/>
-            <pc:sldMk cId="3609264760" sldId="264"/>
-            <ac:picMk id="19" creationId="{55453479-C3CE-4AAC-A90F-49E1EC7BB611}"/>
-          </ac:picMkLst>
-        </pc:picChg>
-        <pc:picChg chg="add del mod">
-          <ac:chgData name="alful falakh" userId="48e217df925ce595" providerId="LiveId" clId="{9AD53882-7CF3-4857-ADDC-F1BAE670FA97}" dt="2021-04-20T11:44:14.422" v="14" actId="931"/>
-          <ac:picMkLst>
-            <pc:docMk/>
-            <pc:sldMk cId="3609264760" sldId="264"/>
-            <ac:picMk id="21" creationId="{3E521E0F-E5A1-4D3B-9474-F137F8A34118}"/>
-          </ac:picMkLst>
-        </pc:picChg>
-        <pc:picChg chg="add mod">
-          <ac:chgData name="alful falakh" userId="48e217df925ce595" providerId="LiveId" clId="{9AD53882-7CF3-4857-ADDC-F1BAE670FA97}" dt="2021-04-20T11:44:24.188" v="16" actId="1076"/>
-          <ac:picMkLst>
-            <pc:docMk/>
-            <pc:sldMk cId="3609264760" sldId="264"/>
-            <ac:picMk id="23" creationId="{82980EE3-FB68-4590-826E-91518A197E28}"/>
-          </ac:picMkLst>
-        </pc:picChg>
-        <pc:picChg chg="add del mod">
-          <ac:chgData name="alful falakh" userId="48e217df925ce595" providerId="LiveId" clId="{9AD53882-7CF3-4857-ADDC-F1BAE670FA97}" dt="2021-04-20T11:44:57.057" v="22" actId="478"/>
-          <ac:picMkLst>
-            <pc:docMk/>
-            <pc:sldMk cId="3609264760" sldId="264"/>
-            <ac:picMk id="25" creationId="{26B7291C-6CFB-4C2B-AE16-61C343593651}"/>
-          </ac:picMkLst>
-        </pc:picChg>
-        <pc:picChg chg="add del mod">
-          <ac:chgData name="alful falakh" userId="48e217df925ce595" providerId="LiveId" clId="{9AD53882-7CF3-4857-ADDC-F1BAE670FA97}" dt="2021-04-20T11:44:57.057" v="22" actId="478"/>
-          <ac:picMkLst>
-            <pc:docMk/>
-            <pc:sldMk cId="3609264760" sldId="264"/>
-            <ac:picMk id="27" creationId="{21E77918-21F3-4B47-BC45-5AD61F2D3C5E}"/>
-          </ac:picMkLst>
-        </pc:picChg>
-        <pc:picChg chg="add del mod">
-          <ac:chgData name="alful falakh" userId="48e217df925ce595" providerId="LiveId" clId="{9AD53882-7CF3-4857-ADDC-F1BAE670FA97}" dt="2021-04-20T11:44:57.057" v="22" actId="478"/>
-          <ac:picMkLst>
-            <pc:docMk/>
-            <pc:sldMk cId="3609264760" sldId="264"/>
-            <ac:picMk id="29" creationId="{5784CAAF-BA92-4797-9551-B612E5348430}"/>
-          </ac:picMkLst>
-        </pc:picChg>
-        <pc:picChg chg="add mod">
-          <ac:chgData name="alful falakh" userId="48e217df925ce595" providerId="LiveId" clId="{9AD53882-7CF3-4857-ADDC-F1BAE670FA97}" dt="2021-04-20T11:45:09.467" v="26" actId="14100"/>
-          <ac:picMkLst>
-            <pc:docMk/>
-            <pc:sldMk cId="3609264760" sldId="264"/>
-            <ac:picMk id="31" creationId="{F1054855-360A-4054-AAE7-69419DC779D4}"/>
-          </ac:picMkLst>
-        </pc:picChg>
-        <pc:picChg chg="add del mod">
-          <ac:chgData name="alful falakh" userId="48e217df925ce595" providerId="LiveId" clId="{9AD53882-7CF3-4857-ADDC-F1BAE670FA97}" dt="2021-04-20T11:45:18.987" v="29" actId="478"/>
-          <ac:picMkLst>
-            <pc:docMk/>
-            <pc:sldMk cId="3609264760" sldId="264"/>
-            <ac:picMk id="33" creationId="{A84CD21D-1375-4137-8E39-416D95D278D0}"/>
-          </ac:picMkLst>
-        </pc:picChg>
-        <pc:picChg chg="add mod">
-          <ac:chgData name="alful falakh" userId="48e217df925ce595" providerId="LiveId" clId="{9AD53882-7CF3-4857-ADDC-F1BAE670FA97}" dt="2021-04-20T11:45:34.297" v="33" actId="14100"/>
-          <ac:picMkLst>
-            <pc:docMk/>
-            <pc:sldMk cId="3609264760" sldId="264"/>
-            <ac:picMk id="35" creationId="{49B0AF85-5DE0-4432-8BA0-1E23129088D6}"/>
-          </ac:picMkLst>
-        </pc:picChg>
-        <pc:picChg chg="add mod">
-          <ac:chgData name="alful falakh" userId="48e217df925ce595" providerId="LiveId" clId="{9AD53882-7CF3-4857-ADDC-F1BAE670FA97}" dt="2021-04-20T11:45:51.149" v="37" actId="14100"/>
-          <ac:picMkLst>
-            <pc:docMk/>
-            <pc:sldMk cId="3609264760" sldId="264"/>
-            <ac:picMk id="37" creationId="{D9B7DC25-F3CF-4B9D-8E31-485320119F08}"/>
-          </ac:picMkLst>
-        </pc:picChg>
-        <pc:picChg chg="add mod">
-          <ac:chgData name="alful falakh" userId="48e217df925ce595" providerId="LiveId" clId="{9AD53882-7CF3-4857-ADDC-F1BAE670FA97}" dt="2021-04-20T11:46:07.427" v="41" actId="1076"/>
-          <ac:picMkLst>
-            <pc:docMk/>
-            <pc:sldMk cId="3609264760" sldId="264"/>
-            <ac:picMk id="39" creationId="{AE45290E-D5B1-4EC8-B131-4590BA5C7B56}"/>
-          </ac:picMkLst>
-        </pc:picChg>
-      </pc:sldChg>
-      <pc:sldChg chg="addSp delSp modSp new mod">
-        <pc:chgData name="alful falakh" userId="48e217df925ce595" providerId="LiveId" clId="{9AD53882-7CF3-4857-ADDC-F1BAE670FA97}" dt="2021-04-20T11:47:32.197" v="64" actId="1076"/>
-        <pc:sldMkLst>
-          <pc:docMk/>
-          <pc:sldMk cId="2633335912" sldId="265"/>
-        </pc:sldMkLst>
-        <pc:spChg chg="del">
-          <ac:chgData name="alful falakh" userId="48e217df925ce595" providerId="LiveId" clId="{9AD53882-7CF3-4857-ADDC-F1BAE670FA97}" dt="2021-04-20T11:46:22.460" v="43" actId="931"/>
-          <ac:spMkLst>
-            <pc:docMk/>
-            <pc:sldMk cId="2633335912" sldId="265"/>
-            <ac:spMk id="3" creationId="{64A6EAF8-4DEC-4184-B2FB-F9DE2C4DDC73}"/>
-          </ac:spMkLst>
-        </pc:spChg>
-        <pc:picChg chg="add mod">
-          <ac:chgData name="alful falakh" userId="48e217df925ce595" providerId="LiveId" clId="{9AD53882-7CF3-4857-ADDC-F1BAE670FA97}" dt="2021-04-20T11:46:26.979" v="44" actId="1076"/>
-          <ac:picMkLst>
-            <pc:docMk/>
-            <pc:sldMk cId="2633335912" sldId="265"/>
-            <ac:picMk id="5" creationId="{5E0AF748-6EB8-4A8F-BCFD-96EA4275BDA8}"/>
-          </ac:picMkLst>
-        </pc:picChg>
-        <pc:picChg chg="add mod">
-          <ac:chgData name="alful falakh" userId="48e217df925ce595" providerId="LiveId" clId="{9AD53882-7CF3-4857-ADDC-F1BAE670FA97}" dt="2021-04-20T11:47:32.197" v="64" actId="1076"/>
-          <ac:picMkLst>
-            <pc:docMk/>
-            <pc:sldMk cId="2633335912" sldId="265"/>
-            <ac:picMk id="7" creationId="{B4B78322-761E-4FC1-9A18-AE63B9A2FC04}"/>
-          </ac:picMkLst>
-        </pc:picChg>
-        <pc:picChg chg="add mod">
-          <ac:chgData name="alful falakh" userId="48e217df925ce595" providerId="LiveId" clId="{9AD53882-7CF3-4857-ADDC-F1BAE670FA97}" dt="2021-04-20T11:47:12.577" v="58" actId="1076"/>
-          <ac:picMkLst>
-            <pc:docMk/>
-            <pc:sldMk cId="2633335912" sldId="265"/>
-            <ac:picMk id="9" creationId="{45FAA6D1-A6CB-4BB6-8914-E95B3F3A143D}"/>
-          </ac:picMkLst>
-        </pc:picChg>
-        <pc:picChg chg="add mod">
-          <ac:chgData name="alful falakh" userId="48e217df925ce595" providerId="LiveId" clId="{9AD53882-7CF3-4857-ADDC-F1BAE670FA97}" dt="2021-04-20T11:47:28.562" v="63" actId="14100"/>
-          <ac:picMkLst>
-            <pc:docMk/>
-            <pc:sldMk cId="2633335912" sldId="265"/>
-            <ac:picMk id="11" creationId="{6B5AE630-0070-4F5D-9116-2B65116C98B4}"/>
-          </ac:picMkLst>
-        </pc:picChg>
-      </pc:sldChg>
-      <pc:sldChg chg="addSp delSp modSp new mod chgLayout">
-        <pc:chgData name="alful falakh" userId="48e217df925ce595" providerId="LiveId" clId="{9AD53882-7CF3-4857-ADDC-F1BAE670FA97}" dt="2021-04-20T11:57:46.901" v="339" actId="1076"/>
-        <pc:sldMkLst>
-          <pc:docMk/>
-          <pc:sldMk cId="1778832632" sldId="266"/>
-        </pc:sldMkLst>
-        <pc:spChg chg="mod ord">
-          <ac:chgData name="alful falakh" userId="48e217df925ce595" providerId="LiveId" clId="{9AD53882-7CF3-4857-ADDC-F1BAE670FA97}" dt="2021-04-20T11:57:12.957" v="331" actId="700"/>
-          <ac:spMkLst>
-            <pc:docMk/>
-            <pc:sldMk cId="1778832632" sldId="266"/>
-            <ac:spMk id="2" creationId="{455292C5-3699-4130-80A6-E328D765CBC4}"/>
-          </ac:spMkLst>
-        </pc:spChg>
-        <pc:spChg chg="add del">
-          <ac:chgData name="alful falakh" userId="48e217df925ce595" providerId="LiveId" clId="{9AD53882-7CF3-4857-ADDC-F1BAE670FA97}" dt="2021-04-20T11:56:03.603" v="327" actId="931"/>
-          <ac:spMkLst>
-            <pc:docMk/>
-            <pc:sldMk cId="1778832632" sldId="266"/>
-            <ac:spMk id="3" creationId="{1712A26D-AE7B-4766-A2EF-9D79D7DC470D}"/>
-          </ac:spMkLst>
-        </pc:spChg>
-        <pc:spChg chg="add del mod">
-          <ac:chgData name="alful falakh" userId="48e217df925ce595" providerId="LiveId" clId="{9AD53882-7CF3-4857-ADDC-F1BAE670FA97}" dt="2021-04-20T11:57:07.407" v="330" actId="6264"/>
-          <ac:spMkLst>
-            <pc:docMk/>
-            <pc:sldMk cId="1778832632" sldId="266"/>
-            <ac:spMk id="3" creationId="{23025F82-1767-45B6-BB6C-8A7D524DF665}"/>
-          </ac:spMkLst>
-        </pc:spChg>
-        <pc:spChg chg="add del mod">
-          <ac:chgData name="alful falakh" userId="48e217df925ce595" providerId="LiveId" clId="{9AD53882-7CF3-4857-ADDC-F1BAE670FA97}" dt="2021-04-20T11:57:07.407" v="330" actId="6264"/>
-          <ac:spMkLst>
-            <pc:docMk/>
-            <pc:sldMk cId="1778832632" sldId="266"/>
-            <ac:spMk id="4" creationId="{2A0FFAB0-0EA8-4E87-BC9C-8006032BD508}"/>
-          </ac:spMkLst>
-        </pc:spChg>
-        <pc:spChg chg="add mod">
-          <ac:chgData name="alful falakh" userId="48e217df925ce595" providerId="LiveId" clId="{9AD53882-7CF3-4857-ADDC-F1BAE670FA97}" dt="2021-04-20T11:57:22.004" v="335" actId="14100"/>
-          <ac:spMkLst>
-            <pc:docMk/>
-            <pc:sldMk cId="1778832632" sldId="266"/>
-            <ac:spMk id="6" creationId="{DC4E54E9-C4DE-4CD7-99EB-F29C49456BB6}"/>
-          </ac:spMkLst>
-        </pc:spChg>
-        <pc:picChg chg="add del mod">
-          <ac:chgData name="alful falakh" userId="48e217df925ce595" providerId="LiveId" clId="{9AD53882-7CF3-4857-ADDC-F1BAE670FA97}" dt="2021-04-20T11:55:45.158" v="326" actId="931"/>
-          <ac:picMkLst>
-            <pc:docMk/>
-            <pc:sldMk cId="1778832632" sldId="266"/>
-            <ac:picMk id="5" creationId="{43A33A50-1A5F-4977-80B0-BDEAED1B7ACC}"/>
-          </ac:picMkLst>
-        </pc:picChg>
-        <pc:picChg chg="add del mod ord">
-          <ac:chgData name="alful falakh" userId="48e217df925ce595" providerId="LiveId" clId="{9AD53882-7CF3-4857-ADDC-F1BAE670FA97}" dt="2021-04-20T11:57:14.929" v="332" actId="478"/>
-          <ac:picMkLst>
-            <pc:docMk/>
-            <pc:sldMk cId="1778832632" sldId="266"/>
-            <ac:picMk id="7" creationId="{8FC6D6F5-0337-4D22-B79C-30D3CEB6EBA4}"/>
-          </ac:picMkLst>
-        </pc:picChg>
-        <pc:picChg chg="add mod">
-          <ac:chgData name="alful falakh" userId="48e217df925ce595" providerId="LiveId" clId="{9AD53882-7CF3-4857-ADDC-F1BAE670FA97}" dt="2021-04-20T11:57:46.901" v="339" actId="1076"/>
-          <ac:picMkLst>
-            <pc:docMk/>
-            <pc:sldMk cId="1778832632" sldId="266"/>
-            <ac:picMk id="9" creationId="{3B3CB111-0C89-484F-B7A3-EAA78B0A5929}"/>
-          </ac:picMkLst>
-        </pc:picChg>
-      </pc:sldChg>
-      <pc:sldChg chg="addSp delSp modSp new del mod ord">
-        <pc:chgData name="alful falakh" userId="48e217df925ce595" providerId="LiveId" clId="{9AD53882-7CF3-4857-ADDC-F1BAE670FA97}" dt="2021-04-21T12:38:18.518" v="360" actId="2696"/>
-        <pc:sldMkLst>
-          <pc:docMk/>
-          <pc:sldMk cId="514511977" sldId="267"/>
-        </pc:sldMkLst>
-        <pc:spChg chg="mod">
-          <ac:chgData name="alful falakh" userId="48e217df925ce595" providerId="LiveId" clId="{9AD53882-7CF3-4857-ADDC-F1BAE670FA97}" dt="2021-04-20T12:41:25.035" v="344" actId="20577"/>
-          <ac:spMkLst>
-            <pc:docMk/>
-            <pc:sldMk cId="514511977" sldId="267"/>
-            <ac:spMk id="2" creationId="{9AC91289-DECB-43A4-BCC0-B96DE4B78BAF}"/>
-          </ac:spMkLst>
-        </pc:spChg>
-        <pc:spChg chg="del">
-          <ac:chgData name="alful falakh" userId="48e217df925ce595" providerId="LiveId" clId="{9AD53882-7CF3-4857-ADDC-F1BAE670FA97}" dt="2021-04-20T12:41:30.580" v="345" actId="931"/>
-          <ac:spMkLst>
-            <pc:docMk/>
-            <pc:sldMk cId="514511977" sldId="267"/>
-            <ac:spMk id="3" creationId="{3EB0EB68-99AE-426C-8B86-ED1EB72E4BA6}"/>
-          </ac:spMkLst>
-        </pc:spChg>
-        <pc:spChg chg="add del mod">
-          <ac:chgData name="alful falakh" userId="48e217df925ce595" providerId="LiveId" clId="{9AD53882-7CF3-4857-ADDC-F1BAE670FA97}" dt="2021-04-21T12:38:16.047" v="359" actId="478"/>
-          <ac:spMkLst>
-            <pc:docMk/>
-            <pc:sldMk cId="514511977" sldId="267"/>
-            <ac:spMk id="4" creationId="{492A62C2-9CBD-453E-9C2C-87F5A019F8DA}"/>
-          </ac:spMkLst>
-        </pc:spChg>
-        <pc:spChg chg="add del mod">
-          <ac:chgData name="alful falakh" userId="48e217df925ce595" providerId="LiveId" clId="{9AD53882-7CF3-4857-ADDC-F1BAE670FA97}" dt="2021-04-20T12:42:41.854" v="350" actId="931"/>
-          <ac:spMkLst>
-            <pc:docMk/>
-            <pc:sldMk cId="514511977" sldId="267"/>
-            <ac:spMk id="7" creationId="{9D5569D3-8C2C-4F1A-87CF-09806F75A957}"/>
-          </ac:spMkLst>
-        </pc:spChg>
-        <pc:spChg chg="add del mod">
-          <ac:chgData name="alful falakh" userId="48e217df925ce595" providerId="LiveId" clId="{9AD53882-7CF3-4857-ADDC-F1BAE670FA97}" dt="2021-04-20T12:42:51.949" v="352" actId="931"/>
-          <ac:spMkLst>
-            <pc:docMk/>
-            <pc:sldMk cId="514511977" sldId="267"/>
-            <ac:spMk id="11" creationId="{C0E9C218-B637-488B-8A0A-21EDF58E338D}"/>
-          </ac:spMkLst>
-        </pc:spChg>
-        <pc:picChg chg="add del mod">
-          <ac:chgData name="alful falakh" userId="48e217df925ce595" providerId="LiveId" clId="{9AD53882-7CF3-4857-ADDC-F1BAE670FA97}" dt="2021-04-20T12:42:39.207" v="349" actId="478"/>
-          <ac:picMkLst>
-            <pc:docMk/>
-            <pc:sldMk cId="514511977" sldId="267"/>
-            <ac:picMk id="5" creationId="{3203B0D9-2146-4199-8D3D-7DAE59A5C067}"/>
-          </ac:picMkLst>
-        </pc:picChg>
-        <pc:picChg chg="add del mod">
-          <ac:chgData name="alful falakh" userId="48e217df925ce595" providerId="LiveId" clId="{9AD53882-7CF3-4857-ADDC-F1BAE670FA97}" dt="2021-04-20T12:42:44.556" v="351" actId="478"/>
-          <ac:picMkLst>
-            <pc:docMk/>
-            <pc:sldMk cId="514511977" sldId="267"/>
-            <ac:picMk id="9" creationId="{638F52B8-A397-4ECD-8372-0D6DA9FDAB04}"/>
-          </ac:picMkLst>
-        </pc:picChg>
-        <pc:picChg chg="add del mod">
-          <ac:chgData name="alful falakh" userId="48e217df925ce595" providerId="LiveId" clId="{9AD53882-7CF3-4857-ADDC-F1BAE670FA97}" dt="2021-04-21T12:38:16.047" v="359" actId="478"/>
-          <ac:picMkLst>
-            <pc:docMk/>
-            <pc:sldMk cId="514511977" sldId="267"/>
-            <ac:picMk id="13" creationId="{99998C77-9CA2-4CC2-AF57-BEBC572358CC}"/>
-          </ac:picMkLst>
-        </pc:picChg>
-      </pc:sldChg>
-      <pc:sldChg chg="addSp delSp modSp new mod">
-        <pc:chgData name="alful falakh" userId="48e217df925ce595" providerId="LiveId" clId="{9AD53882-7CF3-4857-ADDC-F1BAE670FA97}" dt="2021-04-21T12:43:25.704" v="370" actId="1076"/>
-        <pc:sldMkLst>
-          <pc:docMk/>
-          <pc:sldMk cId="2053741834" sldId="269"/>
-        </pc:sldMkLst>
-        <pc:spChg chg="mod">
-          <ac:chgData name="alful falakh" userId="48e217df925ce595" providerId="LiveId" clId="{9AD53882-7CF3-4857-ADDC-F1BAE670FA97}" dt="2021-04-21T12:42:56.860" v="365" actId="20577"/>
-          <ac:spMkLst>
-            <pc:docMk/>
-            <pc:sldMk cId="2053741834" sldId="269"/>
-            <ac:spMk id="2" creationId="{CCC57881-7A77-4FC5-9E87-10C8A30331A6}"/>
-          </ac:spMkLst>
-        </pc:spChg>
-        <pc:spChg chg="del">
-          <ac:chgData name="alful falakh" userId="48e217df925ce595" providerId="LiveId" clId="{9AD53882-7CF3-4857-ADDC-F1BAE670FA97}" dt="2021-04-21T12:43:10.305" v="366" actId="931"/>
-          <ac:spMkLst>
-            <pc:docMk/>
-            <pc:sldMk cId="2053741834" sldId="269"/>
-            <ac:spMk id="3" creationId="{D570F26C-38F7-4C52-9900-0256CFDF4AA1}"/>
-          </ac:spMkLst>
-        </pc:spChg>
-        <pc:picChg chg="add mod">
-          <ac:chgData name="alful falakh" userId="48e217df925ce595" providerId="LiveId" clId="{9AD53882-7CF3-4857-ADDC-F1BAE670FA97}" dt="2021-04-21T12:43:25.704" v="370" actId="1076"/>
-          <ac:picMkLst>
-            <pc:docMk/>
-            <pc:sldMk cId="2053741834" sldId="269"/>
-            <ac:picMk id="5" creationId="{549E2F7B-976E-4388-840F-7F567CC3CFF0}"/>
-          </ac:picMkLst>
-        </pc:picChg>
-      </pc:sldChg>
-      <pc:sldChg chg="addSp delSp modSp new mod">
-        <pc:chgData name="alful falakh" userId="48e217df925ce595" providerId="LiveId" clId="{9AD53882-7CF3-4857-ADDC-F1BAE670FA97}" dt="2021-04-21T20:04:45.067" v="583" actId="20577"/>
-        <pc:sldMkLst>
-          <pc:docMk/>
-          <pc:sldMk cId="3161248528" sldId="270"/>
-        </pc:sldMkLst>
-        <pc:spChg chg="mod">
-          <ac:chgData name="alful falakh" userId="48e217df925ce595" providerId="LiveId" clId="{9AD53882-7CF3-4857-ADDC-F1BAE670FA97}" dt="2021-04-21T14:47:03.237" v="382" actId="20577"/>
-          <ac:spMkLst>
-            <pc:docMk/>
-            <pc:sldMk cId="3161248528" sldId="270"/>
-            <ac:spMk id="2" creationId="{433C8EC2-879F-4D02-9B02-527EB9EDE492}"/>
-          </ac:spMkLst>
-        </pc:spChg>
-        <pc:spChg chg="del">
-          <ac:chgData name="alful falakh" userId="48e217df925ce595" providerId="LiveId" clId="{9AD53882-7CF3-4857-ADDC-F1BAE670FA97}" dt="2021-04-21T14:47:05.393" v="383"/>
-          <ac:spMkLst>
-            <pc:docMk/>
-            <pc:sldMk cId="3161248528" sldId="270"/>
-            <ac:spMk id="3" creationId="{D0CC731C-DB52-4AD1-9D92-A6B0482D2520}"/>
-          </ac:spMkLst>
-        </pc:spChg>
-        <pc:graphicFrameChg chg="add mod modGraphic">
-          <ac:chgData name="alful falakh" userId="48e217df925ce595" providerId="LiveId" clId="{9AD53882-7CF3-4857-ADDC-F1BAE670FA97}" dt="2021-04-21T20:04:45.067" v="583" actId="20577"/>
-          <ac:graphicFrameMkLst>
-            <pc:docMk/>
-            <pc:sldMk cId="3161248528" sldId="270"/>
-            <ac:graphicFrameMk id="4" creationId="{3BA313E0-E7E0-4DA6-AEA1-6B51B1BFFC7C}"/>
-          </ac:graphicFrameMkLst>
-        </pc:graphicFrameChg>
-      </pc:sldChg>
-    </pc:docChg>
-  </pc:docChgLst>
-</pc:chgInfo>
-</file>
-
 <file path=ppt/slideLayouts/slideLayout1.xml><?xml version="1.0" encoding="utf-8"?>
-<p:sldLayout xmlns:a="http://schemas.openxmlformats.org/drawingml/2006/main" xmlns:r="http://schemas.openxmlformats.org/officeDocument/2006/relationships" xmlns:p="http://schemas.openxmlformats.org/presentationml/2006/main" showMasterSp="0" type="title" preserve="1">
+<p:sldLayout xmlns:a="http://schemas.openxmlformats.org/drawingml/2006/main" xmlns:r="http://schemas.openxmlformats.org/officeDocument/2006/relationships" xmlns:p="http://schemas.openxmlformats.org/presentationml/2006/main" type="title" preserve="1" showMasterSp="0">
   <p:cSld name="Title Slide">
     <p:spTree>
       <p:nvGrpSpPr>
@@ -866,7 +372,6 @@
           <a:p>
             <a:fld id="{8F3A6B12-AECD-4200-AD56-B1EAEE23C800}" type="datetimeFigureOut">
               <a:rPr lang="en-ID" smtClean="0"/>
-              <a:t>22/04/2021</a:t>
             </a:fld>
             <a:endParaRPr lang="en-ID"/>
           </a:p>
@@ -908,7 +413,6 @@
           <a:p>
             <a:fld id="{0F8E723F-C053-47B0-8C6E-64A4070AD2D3}" type="slidenum">
               <a:rPr lang="en-ID" smtClean="0"/>
-              <a:t>‹#›</a:t>
             </a:fld>
             <a:endParaRPr lang="en-ID"/>
           </a:p>
@@ -953,11 +457,6 @@
         </p:style>
       </p:cxnSp>
     </p:spTree>
-    <p:extLst>
-      <p:ext uri="{BB962C8B-B14F-4D97-AF65-F5344CB8AC3E}">
-        <p14:creationId xmlns:p14="http://schemas.microsoft.com/office/powerpoint/2010/main" val="4112997285"/>
-      </p:ext>
-    </p:extLst>
   </p:cSld>
   <p:clrMapOvr>
     <a:masterClrMapping/>
@@ -1025,6 +524,7 @@
               <a:rPr lang="en-US"/>
               <a:t>Click to edit Master text styles</a:t>
             </a:r>
+            <a:endParaRPr lang="en-US"/>
           </a:p>
           <a:p>
             <a:pPr lvl="1"/>
@@ -1032,6 +532,7 @@
               <a:rPr lang="en-US"/>
               <a:t>Second level</a:t>
             </a:r>
+            <a:endParaRPr lang="en-US"/>
           </a:p>
           <a:p>
             <a:pPr lvl="2"/>
@@ -1039,6 +540,7 @@
               <a:rPr lang="en-US"/>
               <a:t>Third level</a:t>
             </a:r>
+            <a:endParaRPr lang="en-US"/>
           </a:p>
           <a:p>
             <a:pPr lvl="3"/>
@@ -1046,6 +548,7 @@
               <a:rPr lang="en-US"/>
               <a:t>Fourth level</a:t>
             </a:r>
+            <a:endParaRPr lang="en-US"/>
           </a:p>
           <a:p>
             <a:pPr lvl="4"/>
@@ -1074,7 +577,6 @@
           <a:p>
             <a:fld id="{8F3A6B12-AECD-4200-AD56-B1EAEE23C800}" type="datetimeFigureOut">
               <a:rPr lang="en-ID" smtClean="0"/>
-              <a:t>22/04/2021</a:t>
             </a:fld>
             <a:endParaRPr lang="en-ID"/>
           </a:p>
@@ -1116,18 +618,12 @@
           <a:p>
             <a:fld id="{0F8E723F-C053-47B0-8C6E-64A4070AD2D3}" type="slidenum">
               <a:rPr lang="en-ID" smtClean="0"/>
-              <a:t>‹#›</a:t>
             </a:fld>
             <a:endParaRPr lang="en-ID"/>
           </a:p>
         </p:txBody>
       </p:sp>
     </p:spTree>
-    <p:extLst>
-      <p:ext uri="{BB962C8B-B14F-4D97-AF65-F5344CB8AC3E}">
-        <p14:creationId xmlns:p14="http://schemas.microsoft.com/office/powerpoint/2010/main" val="2456589222"/>
-      </p:ext>
-    </p:extLst>
   </p:cSld>
   <p:clrMapOvr>
     <a:masterClrMapping/>
@@ -1136,7 +632,7 @@
 </file>
 
 <file path=ppt/slideLayouts/slideLayout11.xml><?xml version="1.0" encoding="utf-8"?>
-<p:sldLayout xmlns:a="http://schemas.openxmlformats.org/drawingml/2006/main" xmlns:r="http://schemas.openxmlformats.org/officeDocument/2006/relationships" xmlns:p="http://schemas.openxmlformats.org/presentationml/2006/main" showMasterSp="0" type="vertTitleAndTx" preserve="1">
+<p:sldLayout xmlns:a="http://schemas.openxmlformats.org/drawingml/2006/main" xmlns:r="http://schemas.openxmlformats.org/officeDocument/2006/relationships" xmlns:p="http://schemas.openxmlformats.org/presentationml/2006/main" type="vertTitleAndTx" preserve="1" showMasterSp="0">
   <p:cSld name="Vertical Title and Text">
     <p:spTree>
       <p:nvGrpSpPr>
@@ -1281,6 +777,7 @@
               <a:rPr lang="en-US"/>
               <a:t>Click to edit Master text styles</a:t>
             </a:r>
+            <a:endParaRPr lang="en-US"/>
           </a:p>
           <a:p>
             <a:pPr lvl="1"/>
@@ -1288,6 +785,7 @@
               <a:rPr lang="en-US"/>
               <a:t>Second level</a:t>
             </a:r>
+            <a:endParaRPr lang="en-US"/>
           </a:p>
           <a:p>
             <a:pPr lvl="2"/>
@@ -1295,6 +793,7 @@
               <a:rPr lang="en-US"/>
               <a:t>Third level</a:t>
             </a:r>
+            <a:endParaRPr lang="en-US"/>
           </a:p>
           <a:p>
             <a:pPr lvl="3"/>
@@ -1302,6 +801,7 @@
               <a:rPr lang="en-US"/>
               <a:t>Fourth level</a:t>
             </a:r>
+            <a:endParaRPr lang="en-US"/>
           </a:p>
           <a:p>
             <a:pPr lvl="4"/>
@@ -1330,7 +830,6 @@
           <a:p>
             <a:fld id="{8F3A6B12-AECD-4200-AD56-B1EAEE23C800}" type="datetimeFigureOut">
               <a:rPr lang="en-ID" smtClean="0"/>
-              <a:t>22/04/2021</a:t>
             </a:fld>
             <a:endParaRPr lang="en-ID"/>
           </a:p>
@@ -1372,18 +871,12 @@
           <a:p>
             <a:fld id="{0F8E723F-C053-47B0-8C6E-64A4070AD2D3}" type="slidenum">
               <a:rPr lang="en-ID" smtClean="0"/>
-              <a:t>‹#›</a:t>
             </a:fld>
             <a:endParaRPr lang="en-ID"/>
           </a:p>
         </p:txBody>
       </p:sp>
     </p:spTree>
-    <p:extLst>
-      <p:ext uri="{BB962C8B-B14F-4D97-AF65-F5344CB8AC3E}">
-        <p14:creationId xmlns:p14="http://schemas.microsoft.com/office/powerpoint/2010/main" val="3323071173"/>
-      </p:ext>
-    </p:extLst>
   </p:cSld>
   <p:clrMapOvr>
     <a:masterClrMapping/>
@@ -1455,6 +948,7 @@
               <a:rPr lang="en-US"/>
               <a:t>Click to edit Master text styles</a:t>
             </a:r>
+            <a:endParaRPr lang="en-US"/>
           </a:p>
           <a:p>
             <a:pPr lvl="1"/>
@@ -1462,6 +956,7 @@
               <a:rPr lang="en-US"/>
               <a:t>Second level</a:t>
             </a:r>
+            <a:endParaRPr lang="en-US"/>
           </a:p>
           <a:p>
             <a:pPr lvl="2"/>
@@ -1469,6 +964,7 @@
               <a:rPr lang="en-US"/>
               <a:t>Third level</a:t>
             </a:r>
+            <a:endParaRPr lang="en-US"/>
           </a:p>
           <a:p>
             <a:pPr lvl="3"/>
@@ -1476,6 +972,7 @@
               <a:rPr lang="en-US"/>
               <a:t>Fourth level</a:t>
             </a:r>
+            <a:endParaRPr lang="en-US"/>
           </a:p>
           <a:p>
             <a:pPr lvl="4"/>
@@ -1504,7 +1001,6 @@
           <a:p>
             <a:fld id="{8F3A6B12-AECD-4200-AD56-B1EAEE23C800}" type="datetimeFigureOut">
               <a:rPr lang="en-ID" smtClean="0"/>
-              <a:t>22/04/2021</a:t>
             </a:fld>
             <a:endParaRPr lang="en-ID"/>
           </a:p>
@@ -1546,18 +1042,12 @@
           <a:p>
             <a:fld id="{0F8E723F-C053-47B0-8C6E-64A4070AD2D3}" type="slidenum">
               <a:rPr lang="en-ID" smtClean="0"/>
-              <a:t>‹#›</a:t>
             </a:fld>
             <a:endParaRPr lang="en-ID"/>
           </a:p>
         </p:txBody>
       </p:sp>
     </p:spTree>
-    <p:extLst>
-      <p:ext uri="{BB962C8B-B14F-4D97-AF65-F5344CB8AC3E}">
-        <p14:creationId xmlns:p14="http://schemas.microsoft.com/office/powerpoint/2010/main" val="421337119"/>
-      </p:ext>
-    </p:extLst>
   </p:cSld>
   <p:clrMapOvr>
     <a:masterClrMapping/>
@@ -1566,7 +1056,7 @@
 </file>
 
 <file path=ppt/slideLayouts/slideLayout3.xml><?xml version="1.0" encoding="utf-8"?>
-<p:sldLayout xmlns:a="http://schemas.openxmlformats.org/drawingml/2006/main" xmlns:r="http://schemas.openxmlformats.org/officeDocument/2006/relationships" xmlns:p="http://schemas.openxmlformats.org/presentationml/2006/main" showMasterSp="0" type="secHead" preserve="1">
+<p:sldLayout xmlns:a="http://schemas.openxmlformats.org/drawingml/2006/main" xmlns:r="http://schemas.openxmlformats.org/officeDocument/2006/relationships" xmlns:p="http://schemas.openxmlformats.org/presentationml/2006/main" type="secHead" preserve="1" showMasterSp="0">
   <p:cSld name="Section Header">
     <p:bg>
       <p:bgPr>
@@ -1827,6 +1317,7 @@
               <a:rPr lang="en-US"/>
               <a:t>Click to edit Master text styles</a:t>
             </a:r>
+            <a:endParaRPr lang="en-US"/>
           </a:p>
         </p:txBody>
       </p:sp>
@@ -1847,7 +1338,6 @@
           <a:p>
             <a:fld id="{8F3A6B12-AECD-4200-AD56-B1EAEE23C800}" type="datetimeFigureOut">
               <a:rPr lang="en-ID" smtClean="0"/>
-              <a:t>22/04/2021</a:t>
             </a:fld>
             <a:endParaRPr lang="en-ID"/>
           </a:p>
@@ -1889,7 +1379,6 @@
           <a:p>
             <a:fld id="{0F8E723F-C053-47B0-8C6E-64A4070AD2D3}" type="slidenum">
               <a:rPr lang="en-ID" smtClean="0"/>
-              <a:t>‹#›</a:t>
             </a:fld>
             <a:endParaRPr lang="en-ID"/>
           </a:p>
@@ -1934,11 +1423,6 @@
         </p:style>
       </p:cxnSp>
     </p:spTree>
-    <p:extLst>
-      <p:ext uri="{BB962C8B-B14F-4D97-AF65-F5344CB8AC3E}">
-        <p14:creationId xmlns:p14="http://schemas.microsoft.com/office/powerpoint/2010/main" val="2344991587"/>
-      </p:ext>
-    </p:extLst>
   </p:cSld>
   <p:clrMapOvr>
     <a:masterClrMapping/>
@@ -2016,6 +1500,7 @@
               <a:rPr lang="en-US"/>
               <a:t>Click to edit Master text styles</a:t>
             </a:r>
+            <a:endParaRPr lang="en-US"/>
           </a:p>
           <a:p>
             <a:pPr lvl="1"/>
@@ -2023,6 +1508,7 @@
               <a:rPr lang="en-US"/>
               <a:t>Second level</a:t>
             </a:r>
+            <a:endParaRPr lang="en-US"/>
           </a:p>
           <a:p>
             <a:pPr lvl="2"/>
@@ -2030,6 +1516,7 @@
               <a:rPr lang="en-US"/>
               <a:t>Third level</a:t>
             </a:r>
+            <a:endParaRPr lang="en-US"/>
           </a:p>
           <a:p>
             <a:pPr lvl="3"/>
@@ -2037,6 +1524,7 @@
               <a:rPr lang="en-US"/>
               <a:t>Fourth level</a:t>
             </a:r>
+            <a:endParaRPr lang="en-US"/>
           </a:p>
           <a:p>
             <a:pPr lvl="4"/>
@@ -2073,6 +1561,7 @@
               <a:rPr lang="en-US"/>
               <a:t>Click to edit Master text styles</a:t>
             </a:r>
+            <a:endParaRPr lang="en-US"/>
           </a:p>
           <a:p>
             <a:pPr lvl="1"/>
@@ -2080,6 +1569,7 @@
               <a:rPr lang="en-US"/>
               <a:t>Second level</a:t>
             </a:r>
+            <a:endParaRPr lang="en-US"/>
           </a:p>
           <a:p>
             <a:pPr lvl="2"/>
@@ -2087,6 +1577,7 @@
               <a:rPr lang="en-US"/>
               <a:t>Third level</a:t>
             </a:r>
+            <a:endParaRPr lang="en-US"/>
           </a:p>
           <a:p>
             <a:pPr lvl="3"/>
@@ -2094,6 +1585,7 @@
               <a:rPr lang="en-US"/>
               <a:t>Fourth level</a:t>
             </a:r>
+            <a:endParaRPr lang="en-US"/>
           </a:p>
           <a:p>
             <a:pPr lvl="4"/>
@@ -2122,7 +1614,6 @@
           <a:p>
             <a:fld id="{8F3A6B12-AECD-4200-AD56-B1EAEE23C800}" type="datetimeFigureOut">
               <a:rPr lang="en-ID" smtClean="0"/>
-              <a:t>22/04/2021</a:t>
             </a:fld>
             <a:endParaRPr lang="en-ID"/>
           </a:p>
@@ -2164,18 +1655,12 @@
           <a:p>
             <a:fld id="{0F8E723F-C053-47B0-8C6E-64A4070AD2D3}" type="slidenum">
               <a:rPr lang="en-ID" smtClean="0"/>
-              <a:t>‹#›</a:t>
             </a:fld>
             <a:endParaRPr lang="en-ID"/>
           </a:p>
         </p:txBody>
       </p:sp>
     </p:spTree>
-    <p:extLst>
-      <p:ext uri="{BB962C8B-B14F-4D97-AF65-F5344CB8AC3E}">
-        <p14:creationId xmlns:p14="http://schemas.microsoft.com/office/powerpoint/2010/main" val="3354555353"/>
-      </p:ext>
-    </p:extLst>
   </p:cSld>
   <p:clrMapOvr>
     <a:masterClrMapping/>
@@ -2296,6 +1781,7 @@
               <a:rPr lang="en-US"/>
               <a:t>Click to edit Master text styles</a:t>
             </a:r>
+            <a:endParaRPr lang="en-US"/>
           </a:p>
         </p:txBody>
       </p:sp>
@@ -2324,6 +1810,7 @@
               <a:rPr lang="en-US"/>
               <a:t>Click to edit Master text styles</a:t>
             </a:r>
+            <a:endParaRPr lang="en-US"/>
           </a:p>
           <a:p>
             <a:pPr lvl="1"/>
@@ -2331,6 +1818,7 @@
               <a:rPr lang="en-US"/>
               <a:t>Second level</a:t>
             </a:r>
+            <a:endParaRPr lang="en-US"/>
           </a:p>
           <a:p>
             <a:pPr lvl="2"/>
@@ -2338,6 +1826,7 @@
               <a:rPr lang="en-US"/>
               <a:t>Third level</a:t>
             </a:r>
+            <a:endParaRPr lang="en-US"/>
           </a:p>
           <a:p>
             <a:pPr lvl="3"/>
@@ -2345,6 +1834,7 @@
               <a:rPr lang="en-US"/>
               <a:t>Fourth level</a:t>
             </a:r>
+            <a:endParaRPr lang="en-US"/>
           </a:p>
           <a:p>
             <a:pPr lvl="4"/>
@@ -2424,6 +1914,7 @@
               <a:rPr lang="en-US"/>
               <a:t>Click to edit Master text styles</a:t>
             </a:r>
+            <a:endParaRPr lang="en-US"/>
           </a:p>
         </p:txBody>
       </p:sp>
@@ -2452,6 +1943,7 @@
               <a:rPr lang="en-US"/>
               <a:t>Click to edit Master text styles</a:t>
             </a:r>
+            <a:endParaRPr lang="en-US"/>
           </a:p>
           <a:p>
             <a:pPr lvl="1"/>
@@ -2459,6 +1951,7 @@
               <a:rPr lang="en-US"/>
               <a:t>Second level</a:t>
             </a:r>
+            <a:endParaRPr lang="en-US"/>
           </a:p>
           <a:p>
             <a:pPr lvl="2"/>
@@ -2466,6 +1959,7 @@
               <a:rPr lang="en-US"/>
               <a:t>Third level</a:t>
             </a:r>
+            <a:endParaRPr lang="en-US"/>
           </a:p>
           <a:p>
             <a:pPr lvl="3"/>
@@ -2473,6 +1967,7 @@
               <a:rPr lang="en-US"/>
               <a:t>Fourth level</a:t>
             </a:r>
+            <a:endParaRPr lang="en-US"/>
           </a:p>
           <a:p>
             <a:pPr lvl="4"/>
@@ -2501,7 +1996,6 @@
           <a:p>
             <a:fld id="{8F3A6B12-AECD-4200-AD56-B1EAEE23C800}" type="datetimeFigureOut">
               <a:rPr lang="en-ID" smtClean="0"/>
-              <a:t>22/04/2021</a:t>
             </a:fld>
             <a:endParaRPr lang="en-ID"/>
           </a:p>
@@ -2543,18 +2037,12 @@
           <a:p>
             <a:fld id="{0F8E723F-C053-47B0-8C6E-64A4070AD2D3}" type="slidenum">
               <a:rPr lang="en-ID" smtClean="0"/>
-              <a:t>‹#›</a:t>
             </a:fld>
             <a:endParaRPr lang="en-ID"/>
           </a:p>
         </p:txBody>
       </p:sp>
     </p:spTree>
-    <p:extLst>
-      <p:ext uri="{BB962C8B-B14F-4D97-AF65-F5344CB8AC3E}">
-        <p14:creationId xmlns:p14="http://schemas.microsoft.com/office/powerpoint/2010/main" val="589758539"/>
-      </p:ext>
-    </p:extLst>
   </p:cSld>
   <p:clrMapOvr>
     <a:masterClrMapping/>
@@ -2619,7 +2107,6 @@
           <a:p>
             <a:fld id="{8F3A6B12-AECD-4200-AD56-B1EAEE23C800}" type="datetimeFigureOut">
               <a:rPr lang="en-ID" smtClean="0"/>
-              <a:t>22/04/2021</a:t>
             </a:fld>
             <a:endParaRPr lang="en-ID"/>
           </a:p>
@@ -2661,18 +2148,12 @@
           <a:p>
             <a:fld id="{0F8E723F-C053-47B0-8C6E-64A4070AD2D3}" type="slidenum">
               <a:rPr lang="en-ID" smtClean="0"/>
-              <a:t>‹#›</a:t>
             </a:fld>
             <a:endParaRPr lang="en-ID"/>
           </a:p>
         </p:txBody>
       </p:sp>
     </p:spTree>
-    <p:extLst>
-      <p:ext uri="{BB962C8B-B14F-4D97-AF65-F5344CB8AC3E}">
-        <p14:creationId xmlns:p14="http://schemas.microsoft.com/office/powerpoint/2010/main" val="3752751735"/>
-      </p:ext>
-    </p:extLst>
   </p:cSld>
   <p:clrMapOvr>
     <a:masterClrMapping/>
@@ -2681,7 +2162,7 @@
 </file>
 
 <file path=ppt/slideLayouts/slideLayout7.xml><?xml version="1.0" encoding="utf-8"?>
-<p:sldLayout xmlns:a="http://schemas.openxmlformats.org/drawingml/2006/main" xmlns:r="http://schemas.openxmlformats.org/officeDocument/2006/relationships" xmlns:p="http://schemas.openxmlformats.org/presentationml/2006/main" showMasterSp="0" type="blank" preserve="1">
+<p:sldLayout xmlns:a="http://schemas.openxmlformats.org/drawingml/2006/main" xmlns:r="http://schemas.openxmlformats.org/officeDocument/2006/relationships" xmlns:p="http://schemas.openxmlformats.org/presentationml/2006/main" type="blank" preserve="1" showMasterSp="0">
   <p:cSld name="Blank">
     <p:spTree>
       <p:nvGrpSpPr>
@@ -2790,7 +2271,6 @@
           <a:p>
             <a:fld id="{8F3A6B12-AECD-4200-AD56-B1EAEE23C800}" type="datetimeFigureOut">
               <a:rPr lang="en-ID" smtClean="0"/>
-              <a:t>22/04/2021</a:t>
             </a:fld>
             <a:endParaRPr lang="en-ID"/>
           </a:p>
@@ -2840,18 +2320,12 @@
           <a:p>
             <a:fld id="{0F8E723F-C053-47B0-8C6E-64A4070AD2D3}" type="slidenum">
               <a:rPr lang="en-ID" smtClean="0"/>
-              <a:t>‹#›</a:t>
             </a:fld>
             <a:endParaRPr lang="en-ID"/>
           </a:p>
         </p:txBody>
       </p:sp>
     </p:spTree>
-    <p:extLst>
-      <p:ext uri="{BB962C8B-B14F-4D97-AF65-F5344CB8AC3E}">
-        <p14:creationId xmlns:p14="http://schemas.microsoft.com/office/powerpoint/2010/main" val="3197709825"/>
-      </p:ext>
-    </p:extLst>
   </p:cSld>
   <p:clrMapOvr>
     <a:masterClrMapping/>
@@ -2860,7 +2334,7 @@
 </file>
 
 <file path=ppt/slideLayouts/slideLayout8.xml><?xml version="1.0" encoding="utf-8"?>
-<p:sldLayout xmlns:a="http://schemas.openxmlformats.org/drawingml/2006/main" xmlns:r="http://schemas.openxmlformats.org/officeDocument/2006/relationships" xmlns:p="http://schemas.openxmlformats.org/presentationml/2006/main" showMasterSp="0" type="objTx" preserve="1">
+<p:sldLayout xmlns:a="http://schemas.openxmlformats.org/drawingml/2006/main" xmlns:r="http://schemas.openxmlformats.org/officeDocument/2006/relationships" xmlns:p="http://schemas.openxmlformats.org/presentationml/2006/main" type="objTx" preserve="1" showMasterSp="0">
   <p:cSld name="Content with Caption">
     <p:spTree>
       <p:nvGrpSpPr>
@@ -3015,6 +2489,7 @@
               <a:rPr lang="en-US"/>
               <a:t>Click to edit Master text styles</a:t>
             </a:r>
+            <a:endParaRPr lang="en-US"/>
           </a:p>
           <a:p>
             <a:pPr lvl="1"/>
@@ -3022,6 +2497,7 @@
               <a:rPr lang="en-US"/>
               <a:t>Second level</a:t>
             </a:r>
+            <a:endParaRPr lang="en-US"/>
           </a:p>
           <a:p>
             <a:pPr lvl="2"/>
@@ -3029,6 +2505,7 @@
               <a:rPr lang="en-US"/>
               <a:t>Third level</a:t>
             </a:r>
+            <a:endParaRPr lang="en-US"/>
           </a:p>
           <a:p>
             <a:pPr lvl="3"/>
@@ -3036,6 +2513,7 @@
               <a:rPr lang="en-US"/>
               <a:t>Fourth level</a:t>
             </a:r>
+            <a:endParaRPr lang="en-US"/>
           </a:p>
           <a:p>
             <a:pPr lvl="4"/>
@@ -3115,6 +2593,7 @@
               <a:rPr lang="en-US"/>
               <a:t>Click to edit Master text styles</a:t>
             </a:r>
+            <a:endParaRPr lang="en-US"/>
           </a:p>
         </p:txBody>
       </p:sp>
@@ -3144,7 +2623,6 @@
           <a:p>
             <a:fld id="{8F3A6B12-AECD-4200-AD56-B1EAEE23C800}" type="datetimeFigureOut">
               <a:rPr lang="en-ID" smtClean="0"/>
-              <a:t>22/04/2021</a:t>
             </a:fld>
             <a:endParaRPr lang="en-ID"/>
           </a:p>
@@ -3207,18 +2685,12 @@
           <a:p>
             <a:fld id="{0F8E723F-C053-47B0-8C6E-64A4070AD2D3}" type="slidenum">
               <a:rPr lang="en-ID" smtClean="0"/>
-              <a:t>‹#›</a:t>
             </a:fld>
             <a:endParaRPr lang="en-ID"/>
           </a:p>
         </p:txBody>
       </p:sp>
     </p:spTree>
-    <p:extLst>
-      <p:ext uri="{BB962C8B-B14F-4D97-AF65-F5344CB8AC3E}">
-        <p14:creationId xmlns:p14="http://schemas.microsoft.com/office/powerpoint/2010/main" val="1945148589"/>
-      </p:ext>
-    </p:extLst>
   </p:cSld>
   <p:clrMapOvr>
     <a:masterClrMapping/>
@@ -3227,7 +2699,7 @@
 </file>
 
 <file path=ppt/slideLayouts/slideLayout9.xml><?xml version="1.0" encoding="utf-8"?>
-<p:sldLayout xmlns:a="http://schemas.openxmlformats.org/drawingml/2006/main" xmlns:r="http://schemas.openxmlformats.org/officeDocument/2006/relationships" xmlns:p="http://schemas.openxmlformats.org/presentationml/2006/main" showMasterSp="0" type="picTx" preserve="1">
+<p:sldLayout xmlns:a="http://schemas.openxmlformats.org/drawingml/2006/main" xmlns:r="http://schemas.openxmlformats.org/officeDocument/2006/relationships" xmlns:p="http://schemas.openxmlformats.org/presentationml/2006/main" type="picTx" preserve="1" showMasterSp="0">
   <p:cSld name="Picture with Caption">
     <p:spTree>
       <p:nvGrpSpPr>
@@ -3506,6 +2978,7 @@
               <a:rPr lang="en-US"/>
               <a:t>Click to edit Master text styles</a:t>
             </a:r>
+            <a:endParaRPr lang="en-US"/>
           </a:p>
         </p:txBody>
       </p:sp>
@@ -3526,7 +2999,6 @@
           <a:p>
             <a:fld id="{8F3A6B12-AECD-4200-AD56-B1EAEE23C800}" type="datetimeFigureOut">
               <a:rPr lang="en-ID" smtClean="0"/>
-              <a:t>22/04/2021</a:t>
             </a:fld>
             <a:endParaRPr lang="en-ID"/>
           </a:p>
@@ -3568,18 +3040,12 @@
           <a:p>
             <a:fld id="{0F8E723F-C053-47B0-8C6E-64A4070AD2D3}" type="slidenum">
               <a:rPr lang="en-ID" smtClean="0"/>
-              <a:t>‹#›</a:t>
             </a:fld>
             <a:endParaRPr lang="en-ID"/>
           </a:p>
         </p:txBody>
       </p:sp>
     </p:spTree>
-    <p:extLst>
-      <p:ext uri="{BB962C8B-B14F-4D97-AF65-F5344CB8AC3E}">
-        <p14:creationId xmlns:p14="http://schemas.microsoft.com/office/powerpoint/2010/main" val="1150853948"/>
-      </p:ext>
-    </p:extLst>
   </p:cSld>
   <p:clrMapOvr>
     <a:masterClrMapping/>
@@ -3748,6 +3214,7 @@
               <a:rPr lang="en-US"/>
               <a:t>Click to edit Master text styles</a:t>
             </a:r>
+            <a:endParaRPr lang="en-US"/>
           </a:p>
           <a:p>
             <a:pPr lvl="1"/>
@@ -3755,6 +3222,7 @@
               <a:rPr lang="en-US"/>
               <a:t>Second level</a:t>
             </a:r>
+            <a:endParaRPr lang="en-US"/>
           </a:p>
           <a:p>
             <a:pPr lvl="2"/>
@@ -3762,6 +3230,7 @@
               <a:rPr lang="en-US"/>
               <a:t>Third level</a:t>
             </a:r>
+            <a:endParaRPr lang="en-US"/>
           </a:p>
           <a:p>
             <a:pPr lvl="3"/>
@@ -3769,6 +3238,7 @@
               <a:rPr lang="en-US"/>
               <a:t>Fourth level</a:t>
             </a:r>
+            <a:endParaRPr lang="en-US"/>
           </a:p>
           <a:p>
             <a:pPr lvl="4"/>
@@ -3813,7 +3283,6 @@
           <a:p>
             <a:fld id="{8F3A6B12-AECD-4200-AD56-B1EAEE23C800}" type="datetimeFigureOut">
               <a:rPr lang="en-ID" smtClean="0"/>
-              <a:t>22/04/2021</a:t>
             </a:fld>
             <a:endParaRPr lang="en-ID"/>
           </a:p>
@@ -3887,7 +3356,6 @@
           <a:p>
             <a:fld id="{0F8E723F-C053-47B0-8C6E-64A4070AD2D3}" type="slidenum">
               <a:rPr lang="en-ID" smtClean="0"/>
-              <a:t>‹#›</a:t>
             </a:fld>
             <a:endParaRPr lang="en-ID"/>
           </a:p>
@@ -3932,25 +3400,20 @@
         </p:style>
       </p:cxnSp>
     </p:spTree>
-    <p:extLst>
-      <p:ext uri="{BB962C8B-B14F-4D97-AF65-F5344CB8AC3E}">
-        <p14:creationId xmlns:p14="http://schemas.microsoft.com/office/powerpoint/2010/main" val="2591948508"/>
-      </p:ext>
-    </p:extLst>
   </p:cSld>
   <p:clrMap bg1="lt1" tx1="dk1" bg2="lt2" tx2="dk2" accent1="accent1" accent2="accent2" accent3="accent3" accent4="accent4" accent5="accent5" accent6="accent6" hlink="hlink" folHlink="folHlink"/>
   <p:sldLayoutIdLst>
-    <p:sldLayoutId id="2147483751" r:id="rId1"/>
-    <p:sldLayoutId id="2147483752" r:id="rId2"/>
-    <p:sldLayoutId id="2147483753" r:id="rId3"/>
-    <p:sldLayoutId id="2147483754" r:id="rId4"/>
-    <p:sldLayoutId id="2147483755" r:id="rId5"/>
-    <p:sldLayoutId id="2147483756" r:id="rId6"/>
-    <p:sldLayoutId id="2147483757" r:id="rId7"/>
-    <p:sldLayoutId id="2147483758" r:id="rId8"/>
-    <p:sldLayoutId id="2147483759" r:id="rId9"/>
-    <p:sldLayoutId id="2147483760" r:id="rId10"/>
-    <p:sldLayoutId id="2147483761" r:id="rId11"/>
+    <p:sldLayoutId id="2147483649" r:id="rId1"/>
+    <p:sldLayoutId id="2147483650" r:id="rId2"/>
+    <p:sldLayoutId id="2147483651" r:id="rId3"/>
+    <p:sldLayoutId id="2147483652" r:id="rId4"/>
+    <p:sldLayoutId id="2147483653" r:id="rId5"/>
+    <p:sldLayoutId id="2147483654" r:id="rId6"/>
+    <p:sldLayoutId id="2147483655" r:id="rId7"/>
+    <p:sldLayoutId id="2147483656" r:id="rId8"/>
+    <p:sldLayoutId id="2147483657" r:id="rId9"/>
+    <p:sldLayoutId id="2147483658" r:id="rId10"/>
+    <p:sldLayoutId id="2147483659" r:id="rId11"/>
   </p:sldLayoutIdLst>
   <p:txStyles>
     <p:titleStyle>
@@ -4004,7 +3467,7 @@
           <a:cs typeface="+mn-cs"/>
         </a:defRPr>
       </a:lvl1pPr>
-      <a:lvl2pPr marL="384048" indent="-182880" algn="l" defTabSz="914400" rtl="0" eaLnBrk="1" latinLnBrk="0" hangingPunct="1">
+      <a:lvl2pPr marL="384175" indent="-182880" algn="l" defTabSz="914400" rtl="0" eaLnBrk="1" latinLnBrk="0" hangingPunct="1">
         <a:lnSpc>
           <a:spcPct val="90000"/>
         </a:lnSpc>
@@ -4017,7 +3480,7 @@
         <a:buClr>
           <a:schemeClr val="accent1"/>
         </a:buClr>
-        <a:buFont typeface="Calibri" pitchFamily="34" charset="0"/>
+        <a:buFont typeface="Calibri" panose="020F0502020204030204" pitchFamily="34" charset="0"/>
         <a:buChar char="◦"/>
         <a:defRPr sz="1800" kern="1200">
           <a:solidFill>
@@ -4031,7 +3494,7 @@
           <a:cs typeface="+mn-cs"/>
         </a:defRPr>
       </a:lvl2pPr>
-      <a:lvl3pPr marL="566928" indent="-182880" algn="l" defTabSz="914400" rtl="0" eaLnBrk="1" latinLnBrk="0" hangingPunct="1">
+      <a:lvl3pPr marL="567055" indent="-182880" algn="l" defTabSz="914400" rtl="0" eaLnBrk="1" latinLnBrk="0" hangingPunct="1">
         <a:lnSpc>
           <a:spcPct val="90000"/>
         </a:lnSpc>
@@ -4044,7 +3507,7 @@
         <a:buClr>
           <a:schemeClr val="accent1"/>
         </a:buClr>
-        <a:buFont typeface="Calibri" pitchFamily="34" charset="0"/>
+        <a:buFont typeface="Calibri" panose="020F0502020204030204" pitchFamily="34" charset="0"/>
         <a:buChar char="◦"/>
         <a:defRPr sz="1400" kern="1200">
           <a:solidFill>
@@ -4058,7 +3521,7 @@
           <a:cs typeface="+mn-cs"/>
         </a:defRPr>
       </a:lvl3pPr>
-      <a:lvl4pPr marL="749808" indent="-182880" algn="l" defTabSz="914400" rtl="0" eaLnBrk="1" latinLnBrk="0" hangingPunct="1">
+      <a:lvl4pPr marL="749935" indent="-182880" algn="l" defTabSz="914400" rtl="0" eaLnBrk="1" latinLnBrk="0" hangingPunct="1">
         <a:lnSpc>
           <a:spcPct val="90000"/>
         </a:lnSpc>
@@ -4071,7 +3534,7 @@
         <a:buClr>
           <a:schemeClr val="accent1"/>
         </a:buClr>
-        <a:buFont typeface="Calibri" pitchFamily="34" charset="0"/>
+        <a:buFont typeface="Calibri" panose="020F0502020204030204" pitchFamily="34" charset="0"/>
         <a:buChar char="◦"/>
         <a:defRPr sz="1400" kern="1200">
           <a:solidFill>
@@ -4085,7 +3548,7 @@
           <a:cs typeface="+mn-cs"/>
         </a:defRPr>
       </a:lvl4pPr>
-      <a:lvl5pPr marL="932688" indent="-182880" algn="l" defTabSz="914400" rtl="0" eaLnBrk="1" latinLnBrk="0" hangingPunct="1">
+      <a:lvl5pPr marL="932815" indent="-182880" algn="l" defTabSz="914400" rtl="0" eaLnBrk="1" latinLnBrk="0" hangingPunct="1">
         <a:lnSpc>
           <a:spcPct val="90000"/>
         </a:lnSpc>
@@ -4098,7 +3561,7 @@
         <a:buClr>
           <a:schemeClr val="accent1"/>
         </a:buClr>
-        <a:buFont typeface="Calibri" pitchFamily="34" charset="0"/>
+        <a:buFont typeface="Calibri" panose="020F0502020204030204" pitchFamily="34" charset="0"/>
         <a:buChar char="◦"/>
         <a:defRPr sz="1400" kern="1200">
           <a:solidFill>
@@ -4112,7 +3575,7 @@
           <a:cs typeface="+mn-cs"/>
         </a:defRPr>
       </a:lvl5pPr>
-      <a:lvl6pPr marL="1100000" indent="-228600" algn="l" defTabSz="914400" rtl="0" eaLnBrk="1" latinLnBrk="0" hangingPunct="1">
+      <a:lvl6pPr marL="1099820" indent="-228600" algn="l" defTabSz="914400" rtl="0" eaLnBrk="1" latinLnBrk="0" hangingPunct="1">
         <a:lnSpc>
           <a:spcPct val="90000"/>
         </a:lnSpc>
@@ -4125,7 +3588,7 @@
         <a:buClr>
           <a:schemeClr val="accent1"/>
         </a:buClr>
-        <a:buFont typeface="Calibri" pitchFamily="34" charset="0"/>
+        <a:buFont typeface="Calibri" panose="020F0502020204030204" pitchFamily="34" charset="0"/>
         <a:buChar char="◦"/>
         <a:defRPr sz="1400" kern="1200">
           <a:solidFill>
@@ -4139,7 +3602,7 @@
           <a:cs typeface="+mn-cs"/>
         </a:defRPr>
       </a:lvl6pPr>
-      <a:lvl7pPr marL="1300000" indent="-228600" algn="l" defTabSz="914400" rtl="0" eaLnBrk="1" latinLnBrk="0" hangingPunct="1">
+      <a:lvl7pPr marL="1299845" indent="-228600" algn="l" defTabSz="914400" rtl="0" eaLnBrk="1" latinLnBrk="0" hangingPunct="1">
         <a:lnSpc>
           <a:spcPct val="90000"/>
         </a:lnSpc>
@@ -4152,7 +3615,7 @@
         <a:buClr>
           <a:schemeClr val="accent1"/>
         </a:buClr>
-        <a:buFont typeface="Calibri" pitchFamily="34" charset="0"/>
+        <a:buFont typeface="Calibri" panose="020F0502020204030204" pitchFamily="34" charset="0"/>
         <a:buChar char="◦"/>
         <a:defRPr sz="1400" kern="1200">
           <a:solidFill>
@@ -4166,7 +3629,7 @@
           <a:cs typeface="+mn-cs"/>
         </a:defRPr>
       </a:lvl7pPr>
-      <a:lvl8pPr marL="1500000" indent="-228600" algn="l" defTabSz="914400" rtl="0" eaLnBrk="1" latinLnBrk="0" hangingPunct="1">
+      <a:lvl8pPr marL="1499870" indent="-228600" algn="l" defTabSz="914400" rtl="0" eaLnBrk="1" latinLnBrk="0" hangingPunct="1">
         <a:lnSpc>
           <a:spcPct val="90000"/>
         </a:lnSpc>
@@ -4179,7 +3642,7 @@
         <a:buClr>
           <a:schemeClr val="accent1"/>
         </a:buClr>
-        <a:buFont typeface="Calibri" pitchFamily="34" charset="0"/>
+        <a:buFont typeface="Calibri" panose="020F0502020204030204" pitchFamily="34" charset="0"/>
         <a:buChar char="◦"/>
         <a:defRPr sz="1400" kern="1200">
           <a:solidFill>
@@ -4193,7 +3656,7 @@
           <a:cs typeface="+mn-cs"/>
         </a:defRPr>
       </a:lvl8pPr>
-      <a:lvl9pPr marL="1700000" indent="-228600" algn="l" defTabSz="914400" rtl="0" eaLnBrk="1" latinLnBrk="0" hangingPunct="1">
+      <a:lvl9pPr marL="1699895" indent="-228600" algn="l" defTabSz="914400" rtl="0" eaLnBrk="1" latinLnBrk="0" hangingPunct="1">
         <a:lnSpc>
           <a:spcPct val="90000"/>
         </a:lnSpc>
@@ -4206,7 +3669,7 @@
         <a:buClr>
           <a:schemeClr val="accent1"/>
         </a:buClr>
-        <a:buFont typeface="Calibri" pitchFamily="34" charset="0"/>
+        <a:buFont typeface="Calibri" panose="020F0502020204030204" pitchFamily="34" charset="0"/>
         <a:buChar char="◦"/>
         <a:defRPr sz="1400" kern="1200">
           <a:solidFill>
@@ -4339,13 +3802,7 @@
       </p:grpSpPr>
       <p:sp>
         <p:nvSpPr>
-          <p:cNvPr id="2" name="Title 1">
-            <a:extLst>
-              <a:ext uri="{FF2B5EF4-FFF2-40B4-BE49-F238E27FC236}">
-                <a16:creationId xmlns:a16="http://schemas.microsoft.com/office/drawing/2014/main" id="{F6365F43-17BF-4839-81FA-9D40CE698D29}"/>
-              </a:ext>
-            </a:extLst>
-          </p:cNvPr>
+          <p:cNvPr id="2" name="Title 1"/>
           <p:cNvSpPr>
             <a:spLocks noGrp="1"/>
           </p:cNvSpPr>
@@ -4404,13 +3861,7 @@
       </p:sp>
       <p:sp>
         <p:nvSpPr>
-          <p:cNvPr id="3" name="Subtitle 2">
-            <a:extLst>
-              <a:ext uri="{FF2B5EF4-FFF2-40B4-BE49-F238E27FC236}">
-                <a16:creationId xmlns:a16="http://schemas.microsoft.com/office/drawing/2014/main" id="{6FE0FB1C-C2F3-49BF-A4C0-AD20A48D1592}"/>
-              </a:ext>
-            </a:extLst>
-          </p:cNvPr>
+          <p:cNvPr id="3" name="Subtitle 2"/>
           <p:cNvSpPr>
             <a:spLocks noGrp="1"/>
           </p:cNvSpPr>
@@ -4442,6 +3893,7 @@
               <a:rPr lang="id-ID" dirty="0"/>
               <a:t> :</a:t>
             </a:r>
+            <a:endParaRPr lang="id-ID" dirty="0"/>
           </a:p>
           <a:p>
             <a:pPr lvl="0"/>
@@ -4577,11 +4029,6 @@
         </p:txBody>
       </p:sp>
     </p:spTree>
-    <p:extLst>
-      <p:ext uri="{BB962C8B-B14F-4D97-AF65-F5344CB8AC3E}">
-        <p14:creationId xmlns:p14="http://schemas.microsoft.com/office/powerpoint/2010/main" val="3395111298"/>
-      </p:ext>
-    </p:extLst>
   </p:cSld>
   <p:clrMapOvr>
     <a:masterClrMapping/>
@@ -4608,13 +4055,7 @@
       </p:grpSpPr>
       <p:sp>
         <p:nvSpPr>
-          <p:cNvPr id="2" name="Title 1">
-            <a:extLst>
-              <a:ext uri="{FF2B5EF4-FFF2-40B4-BE49-F238E27FC236}">
-                <a16:creationId xmlns:a16="http://schemas.microsoft.com/office/drawing/2014/main" id="{0E8755E2-1B2C-4A56-AE48-B76DD6D13845}"/>
-              </a:ext>
-            </a:extLst>
-          </p:cNvPr>
+          <p:cNvPr id="2" name="Title 1"/>
           <p:cNvSpPr>
             <a:spLocks noGrp="1"/>
           </p:cNvSpPr>
@@ -4642,20 +4083,14 @@
       </p:sp>
       <p:pic>
         <p:nvPicPr>
-          <p:cNvPr id="4" name="Picture 3">
-            <a:extLst>
-              <a:ext uri="{FF2B5EF4-FFF2-40B4-BE49-F238E27FC236}">
-                <a16:creationId xmlns:a16="http://schemas.microsoft.com/office/drawing/2014/main" id="{109BDD53-8C62-4367-B686-629CF127F7A0}"/>
-              </a:ext>
-            </a:extLst>
-          </p:cNvPr>
+          <p:cNvPr id="4" name="Picture 3"/>
           <p:cNvPicPr>
             <a:picLocks noChangeAspect="1"/>
           </p:cNvPicPr>
           <p:nvPr/>
         </p:nvPicPr>
         <p:blipFill>
-          <a:blip r:embed="rId2">
+          <a:blip r:embed="rId1">
             <a:extLst>
               <a:ext uri="{28A0092B-C50C-407E-A947-70E740481C1C}">
                 <a14:useLocalDpi xmlns:a14="http://schemas.microsoft.com/office/drawing/2010/main" val="0"/>
@@ -4677,11 +4112,6 @@
         </p:spPr>
       </p:pic>
     </p:spTree>
-    <p:extLst>
-      <p:ext uri="{BB962C8B-B14F-4D97-AF65-F5344CB8AC3E}">
-        <p14:creationId xmlns:p14="http://schemas.microsoft.com/office/powerpoint/2010/main" val="1017706826"/>
-      </p:ext>
-    </p:extLst>
   </p:cSld>
   <p:clrMapOvr>
     <a:masterClrMapping/>
@@ -4708,13 +4138,7 @@
       </p:grpSpPr>
       <p:sp>
         <p:nvSpPr>
-          <p:cNvPr id="2" name="Title 1">
-            <a:extLst>
-              <a:ext uri="{FF2B5EF4-FFF2-40B4-BE49-F238E27FC236}">
-                <a16:creationId xmlns:a16="http://schemas.microsoft.com/office/drawing/2014/main" id="{2224CC44-A963-4A1E-A1C7-3ABB1A8E1F77}"/>
-              </a:ext>
-            </a:extLst>
-          </p:cNvPr>
+          <p:cNvPr id="2" name="Title 1"/>
           <p:cNvSpPr>
             <a:spLocks noGrp="1"/>
           </p:cNvSpPr>
@@ -4742,20 +4166,14 @@
       </p:sp>
       <p:pic>
         <p:nvPicPr>
-          <p:cNvPr id="5" name="Picture 4">
-            <a:extLst>
-              <a:ext uri="{FF2B5EF4-FFF2-40B4-BE49-F238E27FC236}">
-                <a16:creationId xmlns:a16="http://schemas.microsoft.com/office/drawing/2014/main" id="{5019BAA8-A96A-4ACD-B560-7494801BEFCA}"/>
-              </a:ext>
-            </a:extLst>
-          </p:cNvPr>
+          <p:cNvPr id="5" name="Picture 4"/>
           <p:cNvPicPr>
             <a:picLocks noChangeAspect="1"/>
           </p:cNvPicPr>
           <p:nvPr/>
         </p:nvPicPr>
         <p:blipFill>
-          <a:blip r:embed="rId2">
+          <a:blip r:embed="rId1">
             <a:extLst>
               <a:ext uri="{28A0092B-C50C-407E-A947-70E740481C1C}">
                 <a14:useLocalDpi xmlns:a14="http://schemas.microsoft.com/office/drawing/2010/main" val="0"/>
@@ -4777,11 +4195,6 @@
         </p:spPr>
       </p:pic>
     </p:spTree>
-    <p:extLst>
-      <p:ext uri="{BB962C8B-B14F-4D97-AF65-F5344CB8AC3E}">
-        <p14:creationId xmlns:p14="http://schemas.microsoft.com/office/powerpoint/2010/main" val="2838398589"/>
-      </p:ext>
-    </p:extLst>
   </p:cSld>
   <p:clrMapOvr>
     <a:masterClrMapping/>
@@ -4808,13 +4221,7 @@
       </p:grpSpPr>
       <p:sp>
         <p:nvSpPr>
-          <p:cNvPr id="2" name="Title 1">
-            <a:extLst>
-              <a:ext uri="{FF2B5EF4-FFF2-40B4-BE49-F238E27FC236}">
-                <a16:creationId xmlns:a16="http://schemas.microsoft.com/office/drawing/2014/main" id="{43AF29C9-6D38-4335-B613-361E3C1E8854}"/>
-              </a:ext>
-            </a:extLst>
-          </p:cNvPr>
+          <p:cNvPr id="2" name="Title 1"/>
           <p:cNvSpPr>
             <a:spLocks noGrp="1"/>
           </p:cNvSpPr>
@@ -4840,18 +4247,13 @@
               <a:rPr lang="id-ID" dirty="0"/>
               <a:t>OCKUP</a:t>
             </a:r>
+            <a:endParaRPr lang="id-ID" dirty="0"/>
           </a:p>
         </p:txBody>
       </p:sp>
       <p:pic>
         <p:nvPicPr>
-          <p:cNvPr id="23" name="Content Placeholder 22">
-            <a:extLst>
-              <a:ext uri="{FF2B5EF4-FFF2-40B4-BE49-F238E27FC236}">
-                <a16:creationId xmlns:a16="http://schemas.microsoft.com/office/drawing/2014/main" id="{82980EE3-FB68-4590-826E-91518A197E28}"/>
-              </a:ext>
-            </a:extLst>
-          </p:cNvPr>
+          <p:cNvPr id="23" name="Content Placeholder 22"/>
           <p:cNvPicPr>
             <a:picLocks noGrp="1" noChangeAspect="1"/>
           </p:cNvPicPr>
@@ -4860,7 +4262,7 @@
           </p:nvPr>
         </p:nvPicPr>
         <p:blipFill>
-          <a:blip r:embed="rId2">
+          <a:blip r:embed="rId1">
             <a:extLst>
               <a:ext uri="{28A0092B-C50C-407E-A947-70E740481C1C}">
                 <a14:useLocalDpi xmlns:a14="http://schemas.microsoft.com/office/drawing/2010/main" val="0"/>
@@ -4880,20 +4282,14 @@
       </p:pic>
       <p:pic>
         <p:nvPicPr>
-          <p:cNvPr id="31" name="Picture 30">
-            <a:extLst>
-              <a:ext uri="{FF2B5EF4-FFF2-40B4-BE49-F238E27FC236}">
-                <a16:creationId xmlns:a16="http://schemas.microsoft.com/office/drawing/2014/main" id="{F1054855-360A-4054-AAE7-69419DC779D4}"/>
-              </a:ext>
-            </a:extLst>
-          </p:cNvPr>
+          <p:cNvPr id="31" name="Picture 30"/>
           <p:cNvPicPr>
             <a:picLocks noChangeAspect="1"/>
           </p:cNvPicPr>
           <p:nvPr/>
         </p:nvPicPr>
         <p:blipFill>
-          <a:blip r:embed="rId3">
+          <a:blip r:embed="rId2">
             <a:extLst>
               <a:ext uri="{28A0092B-C50C-407E-A947-70E740481C1C}">
                 <a14:useLocalDpi xmlns:a14="http://schemas.microsoft.com/office/drawing/2010/main" val="0"/>
@@ -4916,20 +4312,14 @@
       </p:pic>
       <p:pic>
         <p:nvPicPr>
-          <p:cNvPr id="35" name="Picture 34">
-            <a:extLst>
-              <a:ext uri="{FF2B5EF4-FFF2-40B4-BE49-F238E27FC236}">
-                <a16:creationId xmlns:a16="http://schemas.microsoft.com/office/drawing/2014/main" id="{49B0AF85-5DE0-4432-8BA0-1E23129088D6}"/>
-              </a:ext>
-            </a:extLst>
-          </p:cNvPr>
+          <p:cNvPr id="35" name="Picture 34"/>
           <p:cNvPicPr>
             <a:picLocks noChangeAspect="1"/>
           </p:cNvPicPr>
           <p:nvPr/>
         </p:nvPicPr>
         <p:blipFill>
-          <a:blip r:embed="rId4">
+          <a:blip r:embed="rId3">
             <a:extLst>
               <a:ext uri="{28A0092B-C50C-407E-A947-70E740481C1C}">
                 <a14:useLocalDpi xmlns:a14="http://schemas.microsoft.com/office/drawing/2010/main" val="0"/>
@@ -4952,34 +4342,22 @@
       </p:pic>
       <p:pic>
         <p:nvPicPr>
-          <p:cNvPr id="37" name="Picture 36">
-            <a:extLst>
-              <a:ext uri="{FF2B5EF4-FFF2-40B4-BE49-F238E27FC236}">
-                <a16:creationId xmlns:a16="http://schemas.microsoft.com/office/drawing/2014/main" id="{D9B7DC25-F3CF-4B9D-8E31-485320119F08}"/>
-              </a:ext>
-            </a:extLst>
-          </p:cNvPr>
+          <p:cNvPr id="3" name="Picture 2" descr="Dashboard Admin"/>
           <p:cNvPicPr>
             <a:picLocks noChangeAspect="1"/>
           </p:cNvPicPr>
           <p:nvPr/>
         </p:nvPicPr>
         <p:blipFill>
-          <a:blip r:embed="rId5">
-            <a:extLst>
-              <a:ext uri="{28A0092B-C50C-407E-A947-70E740481C1C}">
-                <a14:useLocalDpi xmlns:a14="http://schemas.microsoft.com/office/drawing/2010/main" val="0"/>
-              </a:ext>
-            </a:extLst>
-          </a:blip>
+          <a:blip r:embed="rId4"/>
           <a:stretch>
             <a:fillRect/>
           </a:stretch>
         </p:blipFill>
         <p:spPr>
           <a:xfrm>
-            <a:off x="7171118" y="1801090"/>
-            <a:ext cx="2009546" cy="4502728"/>
+            <a:off x="7187565" y="1800860"/>
+            <a:ext cx="2077720" cy="4502150"/>
           </a:xfrm>
           <a:prstGeom prst="rect">
             <a:avLst/>
@@ -4988,34 +4366,22 @@
       </p:pic>
       <p:pic>
         <p:nvPicPr>
-          <p:cNvPr id="39" name="Picture 38">
-            <a:extLst>
-              <a:ext uri="{FF2B5EF4-FFF2-40B4-BE49-F238E27FC236}">
-                <a16:creationId xmlns:a16="http://schemas.microsoft.com/office/drawing/2014/main" id="{AE45290E-D5B1-4EC8-B131-4590BA5C7B56}"/>
-              </a:ext>
-            </a:extLst>
-          </p:cNvPr>
+          <p:cNvPr id="4" name="Picture 3" descr="Tambah Game"/>
           <p:cNvPicPr>
             <a:picLocks noChangeAspect="1"/>
           </p:cNvPicPr>
           <p:nvPr/>
         </p:nvPicPr>
         <p:blipFill>
-          <a:blip r:embed="rId6">
-            <a:extLst>
-              <a:ext uri="{28A0092B-C50C-407E-A947-70E740481C1C}">
-                <a14:useLocalDpi xmlns:a14="http://schemas.microsoft.com/office/drawing/2010/main" val="0"/>
-              </a:ext>
-            </a:extLst>
-          </a:blip>
+          <a:blip r:embed="rId5"/>
           <a:stretch>
             <a:fillRect/>
           </a:stretch>
         </p:blipFill>
         <p:spPr>
           <a:xfrm>
-            <a:off x="9213659" y="1801090"/>
-            <a:ext cx="2009547" cy="4502728"/>
+            <a:off x="9338945" y="1800860"/>
+            <a:ext cx="2079787" cy="4503600"/>
           </a:xfrm>
           <a:prstGeom prst="rect">
             <a:avLst/>
@@ -5023,11 +4389,6 @@
         </p:spPr>
       </p:pic>
     </p:spTree>
-    <p:extLst>
-      <p:ext uri="{BB962C8B-B14F-4D97-AF65-F5344CB8AC3E}">
-        <p14:creationId xmlns:p14="http://schemas.microsoft.com/office/powerpoint/2010/main" val="3609264760"/>
-      </p:ext>
-    </p:extLst>
   </p:cSld>
   <p:clrMapOvr>
     <a:masterClrMapping/>
@@ -5044,79 +4405,25 @@
         <p:cNvGrpSpPr/>
         <p:nvPr/>
       </p:nvGrpSpPr>
-      <p:grpSpPr>
-        <a:xfrm>
-          <a:off x="0" y="0"/>
-          <a:ext cx="0" cy="0"/>
-          <a:chOff x="0" y="0"/>
-          <a:chExt cx="0" cy="0"/>
-        </a:xfrm>
-      </p:grpSpPr>
+      <p:grpSpPr/>
       <p:pic>
         <p:nvPicPr>
-          <p:cNvPr id="5" name="Content Placeholder 4">
-            <a:extLst>
-              <a:ext uri="{FF2B5EF4-FFF2-40B4-BE49-F238E27FC236}">
-                <a16:creationId xmlns:a16="http://schemas.microsoft.com/office/drawing/2014/main" id="{5E0AF748-6EB8-4A8F-BCFD-96EA4275BDA8}"/>
-              </a:ext>
-            </a:extLst>
-          </p:cNvPr>
+          <p:cNvPr id="4" name="Picture 3" descr="Daftar Game"/>
           <p:cNvPicPr>
-            <a:picLocks noGrp="1" noChangeAspect="1"/>
+            <a:picLocks noChangeAspect="1"/>
           </p:cNvPicPr>
-          <p:nvPr>
-            <p:ph idx="1"/>
-          </p:nvPr>
+          <p:nvPr/>
         </p:nvPicPr>
         <p:blipFill>
-          <a:blip r:embed="rId2">
-            <a:extLst>
-              <a:ext uri="{28A0092B-C50C-407E-A947-70E740481C1C}">
-                <a14:useLocalDpi xmlns:a14="http://schemas.microsoft.com/office/drawing/2010/main" val="0"/>
-              </a:ext>
-            </a:extLst>
-          </a:blip>
+          <a:blip r:embed="rId1"/>
           <a:stretch>
             <a:fillRect/>
           </a:stretch>
         </p:blipFill>
         <p:spPr>
           <a:xfrm>
-            <a:off x="1868635" y="1862050"/>
-            <a:ext cx="2009546" cy="4483329"/>
-          </a:xfrm>
-        </p:spPr>
-      </p:pic>
-      <p:pic>
-        <p:nvPicPr>
-          <p:cNvPr id="7" name="Picture 6">
-            <a:extLst>
-              <a:ext uri="{FF2B5EF4-FFF2-40B4-BE49-F238E27FC236}">
-                <a16:creationId xmlns:a16="http://schemas.microsoft.com/office/drawing/2014/main" id="{B4B78322-761E-4FC1-9A18-AE63B9A2FC04}"/>
-              </a:ext>
-            </a:extLst>
-          </p:cNvPr>
-          <p:cNvPicPr>
-            <a:picLocks noChangeAspect="1"/>
-          </p:cNvPicPr>
-          <p:nvPr/>
-        </p:nvPicPr>
-        <p:blipFill>
-          <a:blip r:embed="rId3">
-            <a:extLst>
-              <a:ext uri="{28A0092B-C50C-407E-A947-70E740481C1C}">
-                <a14:useLocalDpi xmlns:a14="http://schemas.microsoft.com/office/drawing/2010/main" val="0"/>
-              </a:ext>
-            </a:extLst>
-          </a:blip>
-          <a:stretch>
-            <a:fillRect/>
-          </a:stretch>
-        </p:blipFill>
-        <p:spPr>
-          <a:xfrm>
-            <a:off x="8209683" y="1862050"/>
-            <a:ext cx="2009547" cy="4483331"/>
+            <a:off x="868045" y="1791335"/>
+            <a:ext cx="2079787" cy="4503600"/>
           </a:xfrm>
           <a:prstGeom prst="rect">
             <a:avLst/>
@@ -5125,34 +4432,22 @@
       </p:pic>
       <p:pic>
         <p:nvPicPr>
-          <p:cNvPr id="9" name="Picture 8">
-            <a:extLst>
-              <a:ext uri="{FF2B5EF4-FFF2-40B4-BE49-F238E27FC236}">
-                <a16:creationId xmlns:a16="http://schemas.microsoft.com/office/drawing/2014/main" id="{45FAA6D1-A6CB-4BB6-8914-E95B3F3A143D}"/>
-              </a:ext>
-            </a:extLst>
-          </p:cNvPr>
+          <p:cNvPr id="5" name="Picture 4" descr="Game Admin"/>
           <p:cNvPicPr>
             <a:picLocks noChangeAspect="1"/>
           </p:cNvPicPr>
           <p:nvPr/>
         </p:nvPicPr>
         <p:blipFill>
-          <a:blip r:embed="rId4">
-            <a:extLst>
-              <a:ext uri="{28A0092B-C50C-407E-A947-70E740481C1C}">
-                <a14:useLocalDpi xmlns:a14="http://schemas.microsoft.com/office/drawing/2010/main" val="0"/>
-              </a:ext>
-            </a:extLst>
-          </a:blip>
+          <a:blip r:embed="rId2"/>
           <a:stretch>
             <a:fillRect/>
           </a:stretch>
         </p:blipFill>
         <p:spPr>
           <a:xfrm>
-            <a:off x="3982317" y="1862050"/>
-            <a:ext cx="2009547" cy="4483330"/>
+            <a:off x="3029585" y="1791335"/>
+            <a:ext cx="2079787" cy="4503600"/>
           </a:xfrm>
           <a:prstGeom prst="rect">
             <a:avLst/>
@@ -5161,34 +4456,70 @@
       </p:pic>
       <p:pic>
         <p:nvPicPr>
-          <p:cNvPr id="11" name="Picture 10">
-            <a:extLst>
-              <a:ext uri="{FF2B5EF4-FFF2-40B4-BE49-F238E27FC236}">
-                <a16:creationId xmlns:a16="http://schemas.microsoft.com/office/drawing/2014/main" id="{6B5AE630-0070-4F5D-9116-2B65116C98B4}"/>
-              </a:ext>
-            </a:extLst>
-          </p:cNvPr>
+          <p:cNvPr id="6" name="Picture 5" descr="Leaderboard Admin"/>
           <p:cNvPicPr>
             <a:picLocks noChangeAspect="1"/>
           </p:cNvPicPr>
           <p:nvPr/>
         </p:nvPicPr>
         <p:blipFill>
-          <a:blip r:embed="rId5">
-            <a:extLst>
-              <a:ext uri="{28A0092B-C50C-407E-A947-70E740481C1C}">
-                <a14:useLocalDpi xmlns:a14="http://schemas.microsoft.com/office/drawing/2010/main" val="0"/>
-              </a:ext>
-            </a:extLst>
-          </a:blip>
+          <a:blip r:embed="rId3"/>
           <a:stretch>
             <a:fillRect/>
           </a:stretch>
         </p:blipFill>
         <p:spPr>
           <a:xfrm>
-            <a:off x="6096000" y="1862050"/>
-            <a:ext cx="2009547" cy="4483330"/>
+            <a:off x="5209540" y="1791335"/>
+            <a:ext cx="2079787" cy="4503600"/>
+          </a:xfrm>
+          <a:prstGeom prst="rect">
+            <a:avLst/>
+          </a:prstGeom>
+        </p:spPr>
+      </p:pic>
+      <p:pic>
+        <p:nvPicPr>
+          <p:cNvPr id="7" name="Picture 6" descr="Konfirmasi Histori"/>
+          <p:cNvPicPr>
+            <a:picLocks noChangeAspect="1"/>
+          </p:cNvPicPr>
+          <p:nvPr/>
+        </p:nvPicPr>
+        <p:blipFill>
+          <a:blip r:embed="rId4"/>
+          <a:stretch>
+            <a:fillRect/>
+          </a:stretch>
+        </p:blipFill>
+        <p:spPr>
+          <a:xfrm>
+            <a:off x="9544050" y="1791335"/>
+            <a:ext cx="2079787" cy="4503600"/>
+          </a:xfrm>
+          <a:prstGeom prst="rect">
+            <a:avLst/>
+          </a:prstGeom>
+        </p:spPr>
+      </p:pic>
+      <p:pic>
+        <p:nvPicPr>
+          <p:cNvPr id="8" name="Picture 7" descr="History Admin"/>
+          <p:cNvPicPr>
+            <a:picLocks noChangeAspect="1"/>
+          </p:cNvPicPr>
+          <p:nvPr/>
+        </p:nvPicPr>
+        <p:blipFill>
+          <a:blip r:embed="rId5"/>
+          <a:stretch>
+            <a:fillRect/>
+          </a:stretch>
+        </p:blipFill>
+        <p:spPr>
+          <a:xfrm>
+            <a:off x="7372350" y="1791335"/>
+            <a:ext cx="2079787" cy="4503600"/>
           </a:xfrm>
           <a:prstGeom prst="rect">
             <a:avLst/>
@@ -5196,11 +4527,6 @@
         </p:spPr>
       </p:pic>
     </p:spTree>
-    <p:extLst>
-      <p:ext uri="{BB962C8B-B14F-4D97-AF65-F5344CB8AC3E}">
-        <p14:creationId xmlns:p14="http://schemas.microsoft.com/office/powerpoint/2010/main" val="2633335912"/>
-      </p:ext>
-    </p:extLst>
   </p:cSld>
   <p:clrMapOvr>
     <a:masterClrMapping/>
@@ -5225,15 +4551,130 @@
           <a:chExt cx="0" cy="0"/>
         </a:xfrm>
       </p:grpSpPr>
-      <p:sp>
-        <p:nvSpPr>
-          <p:cNvPr id="2" name="Title 1">
-            <a:extLst>
-              <a:ext uri="{FF2B5EF4-FFF2-40B4-BE49-F238E27FC236}">
-                <a16:creationId xmlns:a16="http://schemas.microsoft.com/office/drawing/2014/main" id="{ADC5F6C1-9F73-44BC-8D6D-C90690CC2BEE}"/>
-              </a:ext>
-            </a:extLst>
-          </p:cNvPr>
+      <p:pic>
+        <p:nvPicPr>
+          <p:cNvPr id="3" name="Picture 2" descr="Dashboard User"/>
+          <p:cNvPicPr>
+            <a:picLocks noChangeAspect="1"/>
+          </p:cNvPicPr>
+          <p:nvPr/>
+        </p:nvPicPr>
+        <p:blipFill>
+          <a:blip r:embed="rId1"/>
+          <a:stretch>
+            <a:fillRect/>
+          </a:stretch>
+        </p:blipFill>
+        <p:spPr>
+          <a:xfrm>
+            <a:off x="1561465" y="1809750"/>
+            <a:ext cx="2079787" cy="4503600"/>
+          </a:xfrm>
+          <a:prstGeom prst="rect">
+            <a:avLst/>
+          </a:prstGeom>
+        </p:spPr>
+      </p:pic>
+      <p:pic>
+        <p:nvPicPr>
+          <p:cNvPr id="4" name="Picture 3" descr="Game"/>
+          <p:cNvPicPr>
+            <a:picLocks noChangeAspect="1"/>
+          </p:cNvPicPr>
+          <p:nvPr/>
+        </p:nvPicPr>
+        <p:blipFill>
+          <a:blip r:embed="rId2"/>
+          <a:stretch>
+            <a:fillRect/>
+          </a:stretch>
+        </p:blipFill>
+        <p:spPr>
+          <a:xfrm>
+            <a:off x="3841115" y="1809750"/>
+            <a:ext cx="2079787" cy="4503600"/>
+          </a:xfrm>
+          <a:prstGeom prst="rect">
+            <a:avLst/>
+          </a:prstGeom>
+        </p:spPr>
+      </p:pic>
+      <p:pic>
+        <p:nvPicPr>
+          <p:cNvPr id="6" name="Picture 5" descr="Leaderboard"/>
+          <p:cNvPicPr>
+            <a:picLocks noChangeAspect="1"/>
+          </p:cNvPicPr>
+          <p:nvPr/>
+        </p:nvPicPr>
+        <p:blipFill>
+          <a:blip r:embed="rId3"/>
+          <a:stretch>
+            <a:fillRect/>
+          </a:stretch>
+        </p:blipFill>
+        <p:spPr>
+          <a:xfrm>
+            <a:off x="6120765" y="1809750"/>
+            <a:ext cx="2079787" cy="4503600"/>
+          </a:xfrm>
+          <a:prstGeom prst="rect">
+            <a:avLst/>
+          </a:prstGeom>
+        </p:spPr>
+      </p:pic>
+      <p:pic>
+        <p:nvPicPr>
+          <p:cNvPr id="8" name="Picture 7" descr="History game"/>
+          <p:cNvPicPr>
+            <a:picLocks noChangeAspect="1"/>
+          </p:cNvPicPr>
+          <p:nvPr/>
+        </p:nvPicPr>
+        <p:blipFill>
+          <a:blip r:embed="rId4"/>
+          <a:stretch>
+            <a:fillRect/>
+          </a:stretch>
+        </p:blipFill>
+        <p:spPr>
+          <a:xfrm>
+            <a:off x="8409305" y="1809750"/>
+            <a:ext cx="2079787" cy="4503600"/>
+          </a:xfrm>
+          <a:prstGeom prst="rect">
+            <a:avLst/>
+          </a:prstGeom>
+        </p:spPr>
+      </p:pic>
+    </p:spTree>
+  </p:cSld>
+  <p:clrMapOvr>
+    <a:masterClrMapping/>
+  </p:clrMapOvr>
+</p:sld>
+</file>
+
+<file path=ppt/slides/slide15.xml><?xml version="1.0" encoding="utf-8"?>
+<p:sld xmlns:a="http://schemas.openxmlformats.org/drawingml/2006/main" xmlns:r="http://schemas.openxmlformats.org/officeDocument/2006/relationships" xmlns:p="http://schemas.openxmlformats.org/presentationml/2006/main">
+  <p:cSld>
+    <p:spTree>
+      <p:nvGrpSpPr>
+        <p:cNvPr id="1" name=""/>
+        <p:cNvGrpSpPr/>
+        <p:nvPr/>
+      </p:nvGrpSpPr>
+      <p:grpSpPr>
+        <a:xfrm>
+          <a:off x="0" y="0"/>
+          <a:ext cx="0" cy="0"/>
+          <a:chOff x="0" y="0"/>
+          <a:chExt cx="0" cy="0"/>
+        </a:xfrm>
+      </p:grpSpPr>
+      <p:sp>
+        <p:nvSpPr>
+          <p:cNvPr id="2" name="Title 1"/>
           <p:cNvSpPr>
             <a:spLocks noGrp="1"/>
           </p:cNvSpPr>
@@ -5260,11 +4701,6 @@
         </p:txBody>
       </p:sp>
     </p:spTree>
-    <p:extLst>
-      <p:ext uri="{BB962C8B-B14F-4D97-AF65-F5344CB8AC3E}">
-        <p14:creationId xmlns:p14="http://schemas.microsoft.com/office/powerpoint/2010/main" val="1322703857"/>
-      </p:ext>
-    </p:extLst>
   </p:cSld>
   <p:clrMapOvr>
     <a:masterClrMapping/>
@@ -5291,13 +4727,7 @@
       </p:grpSpPr>
       <p:sp>
         <p:nvSpPr>
-          <p:cNvPr id="2" name="Title 1">
-            <a:extLst>
-              <a:ext uri="{FF2B5EF4-FFF2-40B4-BE49-F238E27FC236}">
-                <a16:creationId xmlns:a16="http://schemas.microsoft.com/office/drawing/2014/main" id="{932CACB9-F7CB-404F-A476-6C45823C55EE}"/>
-              </a:ext>
-            </a:extLst>
-          </p:cNvPr>
+          <p:cNvPr id="2" name="Title 1"/>
           <p:cNvSpPr>
             <a:spLocks noGrp="1"/>
           </p:cNvSpPr>
@@ -5327,13 +4757,7 @@
       </p:sp>
       <p:sp>
         <p:nvSpPr>
-          <p:cNvPr id="3" name="Content Placeholder 2">
-            <a:extLst>
-              <a:ext uri="{FF2B5EF4-FFF2-40B4-BE49-F238E27FC236}">
-                <a16:creationId xmlns:a16="http://schemas.microsoft.com/office/drawing/2014/main" id="{664902A1-062D-4E4C-8AD0-8D6926812962}"/>
-              </a:ext>
-            </a:extLst>
-          </p:cNvPr>
+          <p:cNvPr id="3" name="Content Placeholder 2"/>
           <p:cNvSpPr>
             <a:spLocks noGrp="1"/>
           </p:cNvSpPr>
@@ -6503,6 +5927,9 @@
               </a:rPr>
               <a:t> 4</a:t>
             </a:r>
+            <a:endParaRPr lang="en-US" sz="1900" dirty="0">
+              <a:latin typeface="Calibri (Body)"/>
+            </a:endParaRPr>
           </a:p>
           <a:p>
             <a:pPr marL="457200" lvl="1" indent="0" algn="just">
@@ -6633,6 +6060,11 @@
               </a:rPr>
               <a:t> Analyst	: Muhammad Alful Falakh</a:t>
             </a:r>
+            <a:endParaRPr lang="en-US" sz="1900" dirty="0">
+              <a:latin typeface="Calibri (Body)"/>
+              <a:ea typeface="DengXian" panose="02010600030101010101" pitchFamily="2" charset="-122"/>
+              <a:cs typeface="Times New Roman" panose="02020603050405020304" pitchFamily="18" charset="0"/>
+            </a:endParaRPr>
           </a:p>
           <a:p>
             <a:pPr marL="457200" lvl="1" indent="0" algn="just">
@@ -6795,11 +6227,6 @@
         </p:txBody>
       </p:sp>
     </p:spTree>
-    <p:extLst>
-      <p:ext uri="{BB962C8B-B14F-4D97-AF65-F5344CB8AC3E}">
-        <p14:creationId xmlns:p14="http://schemas.microsoft.com/office/powerpoint/2010/main" val="389360711"/>
-      </p:ext>
-    </p:extLst>
   </p:cSld>
   <p:clrMapOvr>
     <a:masterClrMapping/>
@@ -6826,13 +6253,7 @@
       </p:grpSpPr>
       <p:sp>
         <p:nvSpPr>
-          <p:cNvPr id="2" name="Title 1">
-            <a:extLst>
-              <a:ext uri="{FF2B5EF4-FFF2-40B4-BE49-F238E27FC236}">
-                <a16:creationId xmlns:a16="http://schemas.microsoft.com/office/drawing/2014/main" id="{CCC57881-7A77-4FC5-9E87-10C8A30331A6}"/>
-              </a:ext>
-            </a:extLst>
-          </p:cNvPr>
+          <p:cNvPr id="2" name="Title 1"/>
           <p:cNvSpPr>
             <a:spLocks noGrp="1"/>
           </p:cNvSpPr>
@@ -6858,18 +6279,13 @@
               <a:rPr lang="id-ID" dirty="0"/>
               <a:t>OGO</a:t>
             </a:r>
+            <a:endParaRPr lang="id-ID" dirty="0"/>
           </a:p>
         </p:txBody>
       </p:sp>
       <p:pic>
         <p:nvPicPr>
-          <p:cNvPr id="5" name="Content Placeholder 4">
-            <a:extLst>
-              <a:ext uri="{FF2B5EF4-FFF2-40B4-BE49-F238E27FC236}">
-                <a16:creationId xmlns:a16="http://schemas.microsoft.com/office/drawing/2014/main" id="{549E2F7B-976E-4388-840F-7F567CC3CFF0}"/>
-              </a:ext>
-            </a:extLst>
-          </p:cNvPr>
+          <p:cNvPr id="5" name="Content Placeholder 4"/>
           <p:cNvPicPr>
             <a:picLocks noGrp="1" noChangeAspect="1"/>
           </p:cNvPicPr>
@@ -6878,7 +6294,7 @@
           </p:nvPr>
         </p:nvPicPr>
         <p:blipFill>
-          <a:blip r:embed="rId2">
+          <a:blip r:embed="rId1">
             <a:extLst>
               <a:ext uri="{28A0092B-C50C-407E-A947-70E740481C1C}">
                 <a14:useLocalDpi xmlns:a14="http://schemas.microsoft.com/office/drawing/2010/main" val="0"/>
@@ -6897,11 +6313,6 @@
         </p:spPr>
       </p:pic>
     </p:spTree>
-    <p:extLst>
-      <p:ext uri="{BB962C8B-B14F-4D97-AF65-F5344CB8AC3E}">
-        <p14:creationId xmlns:p14="http://schemas.microsoft.com/office/powerpoint/2010/main" val="2053741834"/>
-      </p:ext>
-    </p:extLst>
   </p:cSld>
   <p:clrMapOvr>
     <a:masterClrMapping/>
@@ -6928,13 +6339,7 @@
       </p:grpSpPr>
       <p:sp>
         <p:nvSpPr>
-          <p:cNvPr id="2" name="Title 1">
-            <a:extLst>
-              <a:ext uri="{FF2B5EF4-FFF2-40B4-BE49-F238E27FC236}">
-                <a16:creationId xmlns:a16="http://schemas.microsoft.com/office/drawing/2014/main" id="{22D05F4A-8803-496C-98FE-396E8C262790}"/>
-              </a:ext>
-            </a:extLst>
-          </p:cNvPr>
+          <p:cNvPr id="2" name="Title 1"/>
           <p:cNvSpPr>
             <a:spLocks noGrp="1"/>
           </p:cNvSpPr>
@@ -6962,13 +6367,7 @@
       </p:sp>
       <p:sp>
         <p:nvSpPr>
-          <p:cNvPr id="3" name="Content Placeholder 2">
-            <a:extLst>
-              <a:ext uri="{FF2B5EF4-FFF2-40B4-BE49-F238E27FC236}">
-                <a16:creationId xmlns:a16="http://schemas.microsoft.com/office/drawing/2014/main" id="{999B197F-9F03-4B54-A879-B1F438A0F281}"/>
-              </a:ext>
-            </a:extLst>
-          </p:cNvPr>
+          <p:cNvPr id="3" name="Content Placeholder 2"/>
           <p:cNvSpPr>
             <a:spLocks noGrp="1"/>
           </p:cNvSpPr>
@@ -7693,11 +7092,6 @@
         </p:txBody>
       </p:sp>
     </p:spTree>
-    <p:extLst>
-      <p:ext uri="{BB962C8B-B14F-4D97-AF65-F5344CB8AC3E}">
-        <p14:creationId xmlns:p14="http://schemas.microsoft.com/office/powerpoint/2010/main" val="1273568111"/>
-      </p:ext>
-    </p:extLst>
   </p:cSld>
   <p:clrMapOvr>
     <a:masterClrMapping/>
@@ -7724,13 +7118,7 @@
       </p:grpSpPr>
       <p:sp>
         <p:nvSpPr>
-          <p:cNvPr id="2" name="Title 1">
-            <a:extLst>
-              <a:ext uri="{FF2B5EF4-FFF2-40B4-BE49-F238E27FC236}">
-                <a16:creationId xmlns:a16="http://schemas.microsoft.com/office/drawing/2014/main" id="{EBFBC61D-34FE-44F3-8A25-5E5B2638F249}"/>
-              </a:ext>
-            </a:extLst>
-          </p:cNvPr>
+          <p:cNvPr id="2" name="Title 1"/>
           <p:cNvSpPr>
             <a:spLocks noGrp="1"/>
           </p:cNvSpPr>
@@ -7778,13 +7166,7 @@
       </p:sp>
       <p:pic>
         <p:nvPicPr>
-          <p:cNvPr id="29" name="Content Placeholder 28">
-            <a:extLst>
-              <a:ext uri="{FF2B5EF4-FFF2-40B4-BE49-F238E27FC236}">
-                <a16:creationId xmlns:a16="http://schemas.microsoft.com/office/drawing/2014/main" id="{FEDAF3F4-3EB5-4B0D-910B-4F3909E7BD1E}"/>
-              </a:ext>
-            </a:extLst>
-          </p:cNvPr>
+          <p:cNvPr id="29" name="Content Placeholder 28"/>
           <p:cNvPicPr>
             <a:picLocks noGrp="1" noChangeAspect="1"/>
           </p:cNvPicPr>
@@ -7793,7 +7175,7 @@
           </p:nvPr>
         </p:nvPicPr>
         <p:blipFill>
-          <a:blip r:embed="rId2">
+          <a:blip r:embed="rId1">
             <a:extLst>
               <a:ext uri="{28A0092B-C50C-407E-A947-70E740481C1C}">
                 <a14:useLocalDpi xmlns:a14="http://schemas.microsoft.com/office/drawing/2010/main" val="0"/>
@@ -7839,11 +7221,6 @@
         </p:style>
       </p:pic>
     </p:spTree>
-    <p:extLst>
-      <p:ext uri="{BB962C8B-B14F-4D97-AF65-F5344CB8AC3E}">
-        <p14:creationId xmlns:p14="http://schemas.microsoft.com/office/powerpoint/2010/main" val="1447738250"/>
-      </p:ext>
-    </p:extLst>
   </p:cSld>
   <p:clrMapOvr>
     <a:masterClrMapping/>
@@ -7870,13 +7247,7 @@
       </p:grpSpPr>
       <p:sp>
         <p:nvSpPr>
-          <p:cNvPr id="2" name="Title 1">
-            <a:extLst>
-              <a:ext uri="{FF2B5EF4-FFF2-40B4-BE49-F238E27FC236}">
-                <a16:creationId xmlns:a16="http://schemas.microsoft.com/office/drawing/2014/main" id="{0339D75E-8F97-4AC3-9378-EF73ECFED220}"/>
-              </a:ext>
-            </a:extLst>
-          </p:cNvPr>
+          <p:cNvPr id="2" name="Title 1"/>
           <p:cNvSpPr>
             <a:spLocks noGrp="1"/>
           </p:cNvSpPr>
@@ -7916,13 +7287,7 @@
       </p:sp>
       <p:pic>
         <p:nvPicPr>
-          <p:cNvPr id="5" name="Content Placeholder 4">
-            <a:extLst>
-              <a:ext uri="{FF2B5EF4-FFF2-40B4-BE49-F238E27FC236}">
-                <a16:creationId xmlns:a16="http://schemas.microsoft.com/office/drawing/2014/main" id="{567006A6-D088-46AD-BC7D-01C3297CE5F1}"/>
-              </a:ext>
-            </a:extLst>
-          </p:cNvPr>
+          <p:cNvPr id="5" name="Content Placeholder 4"/>
           <p:cNvPicPr>
             <a:picLocks noGrp="1" noChangeAspect="1"/>
           </p:cNvPicPr>
@@ -7931,7 +7296,7 @@
           </p:nvPr>
         </p:nvPicPr>
         <p:blipFill>
-          <a:blip r:embed="rId2">
+          <a:blip r:embed="rId1">
             <a:extLst>
               <a:ext uri="{28A0092B-C50C-407E-A947-70E740481C1C}">
                 <a14:useLocalDpi xmlns:a14="http://schemas.microsoft.com/office/drawing/2010/main" val="0"/>
@@ -7950,11 +7315,6 @@
         </p:spPr>
       </p:pic>
     </p:spTree>
-    <p:extLst>
-      <p:ext uri="{BB962C8B-B14F-4D97-AF65-F5344CB8AC3E}">
-        <p14:creationId xmlns:p14="http://schemas.microsoft.com/office/powerpoint/2010/main" val="540108133"/>
-      </p:ext>
-    </p:extLst>
   </p:cSld>
   <p:clrMapOvr>
     <a:masterClrMapping/>
@@ -7981,13 +7341,7 @@
       </p:grpSpPr>
       <p:sp>
         <p:nvSpPr>
-          <p:cNvPr id="2" name="Title 1">
-            <a:extLst>
-              <a:ext uri="{FF2B5EF4-FFF2-40B4-BE49-F238E27FC236}">
-                <a16:creationId xmlns:a16="http://schemas.microsoft.com/office/drawing/2014/main" id="{433C8EC2-879F-4D02-9B02-527EB9EDE492}"/>
-              </a:ext>
-            </a:extLst>
-          </p:cNvPr>
+          <p:cNvPr id="2" name="Title 1"/>
           <p:cNvSpPr>
             <a:spLocks noGrp="1"/>
           </p:cNvSpPr>
@@ -8013,28 +7367,18 @@
               <a:rPr lang="id-ID" dirty="0"/>
               <a:t>ENUGASAN</a:t>
             </a:r>
+            <a:endParaRPr lang="id-ID" dirty="0"/>
           </a:p>
         </p:txBody>
       </p:sp>
       <p:graphicFrame>
         <p:nvGraphicFramePr>
-          <p:cNvPr id="4" name="Content Placeholder 3">
-            <a:extLst>
-              <a:ext uri="{FF2B5EF4-FFF2-40B4-BE49-F238E27FC236}">
-                <a16:creationId xmlns:a16="http://schemas.microsoft.com/office/drawing/2014/main" id="{3BA313E0-E7E0-4DA6-AEA1-6B51B1BFFC7C}"/>
-              </a:ext>
-            </a:extLst>
-          </p:cNvPr>
+          <p:cNvPr id="4" name="Content Placeholder 3"/>
           <p:cNvGraphicFramePr>
             <a:graphicFrameLocks noGrp="1"/>
           </p:cNvGraphicFramePr>
           <p:nvPr>
             <p:ph idx="1"/>
-            <p:extLst>
-              <p:ext uri="{D42A27DB-BD31-4B8C-83A1-F6EECF244321}">
-                <p14:modId xmlns:p14="http://schemas.microsoft.com/office/powerpoint/2010/main" val="4004429812"/>
-              </p:ext>
-            </p:extLst>
           </p:nvPr>
         </p:nvGraphicFramePr>
         <p:xfrm>
@@ -8048,27 +7392,9 @@
                 <a:tableStyleId>{5C22544A-7EE6-4342-B048-85BDC9FD1C3A}</a:tableStyleId>
               </a:tblPr>
               <a:tblGrid>
-                <a:gridCol w="1932104">
-                  <a:extLst>
-                    <a:ext uri="{9D8B030D-6E8A-4147-A177-3AD203B41FA5}">
-                      <a16:colId xmlns:a16="http://schemas.microsoft.com/office/drawing/2014/main" val="4004728017"/>
-                    </a:ext>
-                  </a:extLst>
-                </a:gridCol>
-                <a:gridCol w="3960813">
-                  <a:extLst>
-                    <a:ext uri="{9D8B030D-6E8A-4147-A177-3AD203B41FA5}">
-                      <a16:colId xmlns:a16="http://schemas.microsoft.com/office/drawing/2014/main" val="2842062422"/>
-                    </a:ext>
-                  </a:extLst>
-                </a:gridCol>
-                <a:gridCol w="4057418">
-                  <a:extLst>
-                    <a:ext uri="{9D8B030D-6E8A-4147-A177-3AD203B41FA5}">
-                      <a16:colId xmlns:a16="http://schemas.microsoft.com/office/drawing/2014/main" val="3847026060"/>
-                    </a:ext>
-                  </a:extLst>
-                </a:gridCol>
+                <a:gridCol w="1932104"/>
+                <a:gridCol w="3960813"/>
+                <a:gridCol w="4057418"/>
               </a:tblGrid>
               <a:tr h="483250">
                 <a:tc>
@@ -8146,11 +7472,6 @@
                   </a:txBody>
                   <a:tcPr marL="68580" marR="68580" marT="0" marB="0" anchor="ctr"/>
                 </a:tc>
-                <a:extLst>
-                  <a:ext uri="{0D108BD9-81ED-4DB2-BD59-A6C34878D82A}">
-                    <a16:rowId xmlns:a16="http://schemas.microsoft.com/office/drawing/2014/main" val="1687295609"/>
-                  </a:ext>
-                </a:extLst>
               </a:tr>
               <a:tr h="728102">
                 <a:tc>
@@ -8274,11 +7595,6 @@
                   </a:txBody>
                   <a:tcPr marL="68580" marR="68580" marT="0" marB="0"/>
                 </a:tc>
-                <a:extLst>
-                  <a:ext uri="{0D108BD9-81ED-4DB2-BD59-A6C34878D82A}">
-                    <a16:rowId xmlns:a16="http://schemas.microsoft.com/office/drawing/2014/main" val="1476572539"/>
-                  </a:ext>
-                </a:extLst>
               </a:tr>
               <a:tr h="976119">
                 <a:tc>
@@ -8426,11 +7742,6 @@
                   </a:txBody>
                   <a:tcPr marL="68580" marR="68580" marT="0" marB="0"/>
                 </a:tc>
-                <a:extLst>
-                  <a:ext uri="{0D108BD9-81ED-4DB2-BD59-A6C34878D82A}">
-                    <a16:rowId xmlns:a16="http://schemas.microsoft.com/office/drawing/2014/main" val="1251215149"/>
-                  </a:ext>
-                </a:extLst>
               </a:tr>
               <a:tr h="480085">
                 <a:tc>
@@ -8510,11 +7821,6 @@
                   </a:txBody>
                   <a:tcPr marL="68580" marR="68580" marT="0" marB="0"/>
                 </a:tc>
-                <a:extLst>
-                  <a:ext uri="{0D108BD9-81ED-4DB2-BD59-A6C34878D82A}">
-                    <a16:rowId xmlns:a16="http://schemas.microsoft.com/office/drawing/2014/main" val="3953677502"/>
-                  </a:ext>
-                </a:extLst>
               </a:tr>
               <a:tr h="1472155">
                 <a:tc>
@@ -8784,22 +8090,12 @@
                   </a:txBody>
                   <a:tcPr marL="68580" marR="68580" marT="0" marB="0"/>
                 </a:tc>
-                <a:extLst>
-                  <a:ext uri="{0D108BD9-81ED-4DB2-BD59-A6C34878D82A}">
-                    <a16:rowId xmlns:a16="http://schemas.microsoft.com/office/drawing/2014/main" val="152176355"/>
-                  </a:ext>
-                </a:extLst>
               </a:tr>
             </a:tbl>
           </a:graphicData>
         </a:graphic>
       </p:graphicFrame>
     </p:spTree>
-    <p:extLst>
-      <p:ext uri="{BB962C8B-B14F-4D97-AF65-F5344CB8AC3E}">
-        <p14:creationId xmlns:p14="http://schemas.microsoft.com/office/powerpoint/2010/main" val="3161248528"/>
-      </p:ext>
-    </p:extLst>
   </p:cSld>
   <p:clrMapOvr>
     <a:masterClrMapping/>
@@ -8826,13 +8122,7 @@
       </p:grpSpPr>
       <p:sp>
         <p:nvSpPr>
-          <p:cNvPr id="2" name="Title 1">
-            <a:extLst>
-              <a:ext uri="{FF2B5EF4-FFF2-40B4-BE49-F238E27FC236}">
-                <a16:creationId xmlns:a16="http://schemas.microsoft.com/office/drawing/2014/main" id="{602C162F-EDD6-4BF2-8339-3EAA34E06F29}"/>
-              </a:ext>
-            </a:extLst>
-          </p:cNvPr>
+          <p:cNvPr id="2" name="Title 1"/>
           <p:cNvSpPr>
             <a:spLocks noGrp="1"/>
           </p:cNvSpPr>
@@ -8868,13 +8158,7 @@
       </p:sp>
       <p:sp>
         <p:nvSpPr>
-          <p:cNvPr id="3" name="Content Placeholder 2">
-            <a:extLst>
-              <a:ext uri="{FF2B5EF4-FFF2-40B4-BE49-F238E27FC236}">
-                <a16:creationId xmlns:a16="http://schemas.microsoft.com/office/drawing/2014/main" id="{5147FEA4-B9C0-4C15-9856-2831442A1BE6}"/>
-              </a:ext>
-            </a:extLst>
-          </p:cNvPr>
+          <p:cNvPr id="3" name="Content Placeholder 2"/>
           <p:cNvSpPr>
             <a:spLocks noGrp="1"/>
           </p:cNvSpPr>
@@ -9193,18 +8477,12 @@
       </p:sp>
       <p:pic>
         <p:nvPicPr>
-          <p:cNvPr id="4" name="Picture 3">
-            <a:extLst>
-              <a:ext uri="{FF2B5EF4-FFF2-40B4-BE49-F238E27FC236}">
-                <a16:creationId xmlns:a16="http://schemas.microsoft.com/office/drawing/2014/main" id="{E2A289EB-4469-4327-B32B-22B3CC10107A}"/>
-              </a:ext>
-            </a:extLst>
-          </p:cNvPr>
+          <p:cNvPr id="4" name="Picture 3"/>
           <p:cNvPicPr/>
           <p:nvPr/>
         </p:nvPicPr>
         <p:blipFill>
-          <a:blip r:embed="rId2" cstate="print">
+          <a:blip r:embed="rId1" cstate="print">
             <a:extLst>
               <a:ext uri="{28A0092B-C50C-407E-A947-70E740481C1C}">
                 <a14:useLocalDpi xmlns:a14="http://schemas.microsoft.com/office/drawing/2010/main" val="0"/>
@@ -9226,11 +8504,6 @@
         </p:spPr>
       </p:pic>
     </p:spTree>
-    <p:extLst>
-      <p:ext uri="{BB962C8B-B14F-4D97-AF65-F5344CB8AC3E}">
-        <p14:creationId xmlns:p14="http://schemas.microsoft.com/office/powerpoint/2010/main" val="1419492776"/>
-      </p:ext>
-    </p:extLst>
   </p:cSld>
   <p:clrMapOvr>
     <a:masterClrMapping/>
@@ -9257,13 +8530,7 @@
       </p:grpSpPr>
       <p:sp>
         <p:nvSpPr>
-          <p:cNvPr id="2" name="Title 1">
-            <a:extLst>
-              <a:ext uri="{FF2B5EF4-FFF2-40B4-BE49-F238E27FC236}">
-                <a16:creationId xmlns:a16="http://schemas.microsoft.com/office/drawing/2014/main" id="{455292C5-3699-4130-80A6-E328D765CBC4}"/>
-              </a:ext>
-            </a:extLst>
-          </p:cNvPr>
+          <p:cNvPr id="2" name="Title 1"/>
           <p:cNvSpPr>
             <a:spLocks noGrp="1"/>
           </p:cNvSpPr>
@@ -9301,13 +8568,7 @@
       </p:sp>
       <p:sp>
         <p:nvSpPr>
-          <p:cNvPr id="6" name="Content Placeholder 5">
-            <a:extLst>
-              <a:ext uri="{FF2B5EF4-FFF2-40B4-BE49-F238E27FC236}">
-                <a16:creationId xmlns:a16="http://schemas.microsoft.com/office/drawing/2014/main" id="{DC4E54E9-C4DE-4CD7-99EB-F29C49456BB6}"/>
-              </a:ext>
-            </a:extLst>
-          </p:cNvPr>
+          <p:cNvPr id="6" name="Content Placeholder 5"/>
           <p:cNvSpPr>
             <a:spLocks noGrp="1"/>
           </p:cNvSpPr>
@@ -9542,20 +8803,14 @@
       </p:sp>
       <p:pic>
         <p:nvPicPr>
-          <p:cNvPr id="9" name="Picture 8">
-            <a:extLst>
-              <a:ext uri="{FF2B5EF4-FFF2-40B4-BE49-F238E27FC236}">
-                <a16:creationId xmlns:a16="http://schemas.microsoft.com/office/drawing/2014/main" id="{3B3CB111-0C89-484F-B7A3-EAA78B0A5929}"/>
-              </a:ext>
-            </a:extLst>
-          </p:cNvPr>
+          <p:cNvPr id="9" name="Picture 8"/>
           <p:cNvPicPr>
             <a:picLocks noChangeAspect="1"/>
           </p:cNvPicPr>
           <p:nvPr/>
         </p:nvPicPr>
         <p:blipFill>
-          <a:blip r:embed="rId2">
+          <a:blip r:embed="rId1">
             <a:extLst>
               <a:ext uri="{28A0092B-C50C-407E-A947-70E740481C1C}">
                 <a14:useLocalDpi xmlns:a14="http://schemas.microsoft.com/office/drawing/2010/main" val="0"/>
@@ -9577,11 +8832,6 @@
         </p:spPr>
       </p:pic>
     </p:spTree>
-    <p:extLst>
-      <p:ext uri="{BB962C8B-B14F-4D97-AF65-F5344CB8AC3E}">
-        <p14:creationId xmlns:p14="http://schemas.microsoft.com/office/powerpoint/2010/main" val="1778832632"/>
-      </p:ext>
-    </p:extLst>
   </p:cSld>
   <p:clrMapOvr>
     <a:masterClrMapping/>
@@ -9632,7 +8882,7 @@
     </a:clrScheme>
     <a:fontScheme name="Retrospect">
       <a:majorFont>
-        <a:latin typeface="Calibri Light" panose="020F0302020204030204"/>
+        <a:latin typeface="Calibri Light"/>
         <a:ea typeface=""/>
         <a:cs typeface=""/>
         <a:font script="Jpan" typeface="ＭＳ Ｐゴシック"/>
@@ -9667,7 +8917,7 @@
         <a:font script="Geor" typeface="Sylfaen"/>
       </a:majorFont>
       <a:minorFont>
-        <a:latin typeface="Calibri" panose="020F0502020204030204"/>
+        <a:latin typeface="Calibri"/>
         <a:ea typeface=""/>
         <a:cs typeface=""/>
         <a:font script="Jpan" typeface="ＭＳ Ｐゴシック"/>
@@ -9862,11 +9112,9 @@
       </a:bgFillStyleLst>
     </a:fmtScheme>
   </a:themeElements>
-  <a:objectDefaults/>
-  <a:extraClrSchemeLst/>
   <a:extLst>
     <a:ext uri="{05A4C25C-085E-4340-85A3-A5531E510DB2}">
-      <thm15:themeFamily xmlns:thm15="http://schemas.microsoft.com/office/thememl/2012/main" name="Retrospect" id="{5F128B03-DCCA-4EEB-AB3B-CF2899314A46}" vid="{3F1AAB62-24C6-49D2-8E01-B56FAC9A3DCD}"/>
+      <thm15:themeFamily xmlns:thm15="http://schemas.microsoft.com/office/thememl/2012/main" name="Office Theme" id="{62F939B6-93AF-4DB8-9C6B-D6C7DFDC589F}" vid="{4A3C46E8-61CC-4603-A589-7422A47A8E4A}"/>
     </a:ext>
   </a:extLst>
 </a:theme>

--- a/Aplikasi Catalog Board Game.pptx
+++ b/Aplikasi Catalog Board Game.pptx
@@ -5,21 +5,20 @@
     <p:sldMasterId id="2147483648" r:id="rId1"/>
   </p:sldMasterIdLst>
   <p:sldIdLst>
-    <p:sldId id="256" r:id="rId3"/>
-    <p:sldId id="257" r:id="rId4"/>
-    <p:sldId id="269" r:id="rId5"/>
-    <p:sldId id="258" r:id="rId6"/>
-    <p:sldId id="259" r:id="rId7"/>
-    <p:sldId id="260" r:id="rId8"/>
-    <p:sldId id="270" r:id="rId9"/>
-    <p:sldId id="261" r:id="rId10"/>
-    <p:sldId id="266" r:id="rId11"/>
-    <p:sldId id="262" r:id="rId12"/>
-    <p:sldId id="268" r:id="rId13"/>
-    <p:sldId id="264" r:id="rId14"/>
-    <p:sldId id="281" r:id="rId15"/>
-    <p:sldId id="265" r:id="rId16"/>
-    <p:sldId id="263" r:id="rId17"/>
+    <p:sldId id="256" r:id="rId2"/>
+    <p:sldId id="257" r:id="rId3"/>
+    <p:sldId id="269" r:id="rId4"/>
+    <p:sldId id="258" r:id="rId5"/>
+    <p:sldId id="259" r:id="rId6"/>
+    <p:sldId id="260" r:id="rId7"/>
+    <p:sldId id="270" r:id="rId8"/>
+    <p:sldId id="261" r:id="rId9"/>
+    <p:sldId id="262" r:id="rId10"/>
+    <p:sldId id="268" r:id="rId11"/>
+    <p:sldId id="264" r:id="rId12"/>
+    <p:sldId id="281" r:id="rId13"/>
+    <p:sldId id="265" r:id="rId14"/>
+    <p:sldId id="263" r:id="rId15"/>
   </p:sldIdLst>
   <p:sldSz cx="12192000" cy="6858000"/>
   <p:notesSz cx="6858000" cy="9144000"/>
@@ -131,23 +130,25 @@
             <p14:sldId id="260"/>
             <p14:sldId id="270"/>
             <p14:sldId id="261"/>
-            <p14:sldId id="266"/>
             <p14:sldId id="262"/>
             <p14:sldId id="268"/>
+            <p14:sldId id="264"/>
             <p14:sldId id="281"/>
             <p14:sldId id="265"/>
             <p14:sldId id="263"/>
-            <p14:sldId id="264"/>
           </p14:sldIdLst>
         </p14:section>
       </p14:sectionLst>
+    </p:ext>
+    <p:ext uri="{EFAFB233-063F-42B5-8137-9DF3F51BA10A}">
+      <p15:sldGuideLst xmlns:p15="http://schemas.microsoft.com/office/powerpoint/2012/main"/>
     </p:ext>
   </p:extLst>
 </p:presentation>
 </file>
 
 <file path=ppt/slideLayouts/slideLayout1.xml><?xml version="1.0" encoding="utf-8"?>
-<p:sldLayout xmlns:a="http://schemas.openxmlformats.org/drawingml/2006/main" xmlns:r="http://schemas.openxmlformats.org/officeDocument/2006/relationships" xmlns:p="http://schemas.openxmlformats.org/presentationml/2006/main" type="title" preserve="1" showMasterSp="0">
+<p:sldLayout xmlns:a="http://schemas.openxmlformats.org/drawingml/2006/main" xmlns:r="http://schemas.openxmlformats.org/officeDocument/2006/relationships" xmlns:p="http://schemas.openxmlformats.org/presentationml/2006/main" showMasterSp="0" type="title" preserve="1">
   <p:cSld name="Title Slide">
     <p:spTree>
       <p:nvGrpSpPr>
@@ -372,6 +373,7 @@
           <a:p>
             <a:fld id="{8F3A6B12-AECD-4200-AD56-B1EAEE23C800}" type="datetimeFigureOut">
               <a:rPr lang="en-ID" smtClean="0"/>
+              <a:t>22/04/2021</a:t>
             </a:fld>
             <a:endParaRPr lang="en-ID"/>
           </a:p>
@@ -413,6 +415,7 @@
           <a:p>
             <a:fld id="{0F8E723F-C053-47B0-8C6E-64A4070AD2D3}" type="slidenum">
               <a:rPr lang="en-ID" smtClean="0"/>
+              <a:t>‹#›</a:t>
             </a:fld>
             <a:endParaRPr lang="en-ID"/>
           </a:p>
@@ -524,7 +527,6 @@
               <a:rPr lang="en-US"/>
               <a:t>Click to edit Master text styles</a:t>
             </a:r>
-            <a:endParaRPr lang="en-US"/>
           </a:p>
           <a:p>
             <a:pPr lvl="1"/>
@@ -532,7 +534,6 @@
               <a:rPr lang="en-US"/>
               <a:t>Second level</a:t>
             </a:r>
-            <a:endParaRPr lang="en-US"/>
           </a:p>
           <a:p>
             <a:pPr lvl="2"/>
@@ -540,7 +541,6 @@
               <a:rPr lang="en-US"/>
               <a:t>Third level</a:t>
             </a:r>
-            <a:endParaRPr lang="en-US"/>
           </a:p>
           <a:p>
             <a:pPr lvl="3"/>
@@ -548,7 +548,6 @@
               <a:rPr lang="en-US"/>
               <a:t>Fourth level</a:t>
             </a:r>
-            <a:endParaRPr lang="en-US"/>
           </a:p>
           <a:p>
             <a:pPr lvl="4"/>
@@ -577,6 +576,7 @@
           <a:p>
             <a:fld id="{8F3A6B12-AECD-4200-AD56-B1EAEE23C800}" type="datetimeFigureOut">
               <a:rPr lang="en-ID" smtClean="0"/>
+              <a:t>22/04/2021</a:t>
             </a:fld>
             <a:endParaRPr lang="en-ID"/>
           </a:p>
@@ -618,6 +618,7 @@
           <a:p>
             <a:fld id="{0F8E723F-C053-47B0-8C6E-64A4070AD2D3}" type="slidenum">
               <a:rPr lang="en-ID" smtClean="0"/>
+              <a:t>‹#›</a:t>
             </a:fld>
             <a:endParaRPr lang="en-ID"/>
           </a:p>
@@ -632,7 +633,7 @@
 </file>
 
 <file path=ppt/slideLayouts/slideLayout11.xml><?xml version="1.0" encoding="utf-8"?>
-<p:sldLayout xmlns:a="http://schemas.openxmlformats.org/drawingml/2006/main" xmlns:r="http://schemas.openxmlformats.org/officeDocument/2006/relationships" xmlns:p="http://schemas.openxmlformats.org/presentationml/2006/main" type="vertTitleAndTx" preserve="1" showMasterSp="0">
+<p:sldLayout xmlns:a="http://schemas.openxmlformats.org/drawingml/2006/main" xmlns:r="http://schemas.openxmlformats.org/officeDocument/2006/relationships" xmlns:p="http://schemas.openxmlformats.org/presentationml/2006/main" showMasterSp="0" type="vertTitleAndTx" preserve="1">
   <p:cSld name="Vertical Title and Text">
     <p:spTree>
       <p:nvGrpSpPr>
@@ -777,7 +778,6 @@
               <a:rPr lang="en-US"/>
               <a:t>Click to edit Master text styles</a:t>
             </a:r>
-            <a:endParaRPr lang="en-US"/>
           </a:p>
           <a:p>
             <a:pPr lvl="1"/>
@@ -785,7 +785,6 @@
               <a:rPr lang="en-US"/>
               <a:t>Second level</a:t>
             </a:r>
-            <a:endParaRPr lang="en-US"/>
           </a:p>
           <a:p>
             <a:pPr lvl="2"/>
@@ -793,7 +792,6 @@
               <a:rPr lang="en-US"/>
               <a:t>Third level</a:t>
             </a:r>
-            <a:endParaRPr lang="en-US"/>
           </a:p>
           <a:p>
             <a:pPr lvl="3"/>
@@ -801,7 +799,6 @@
               <a:rPr lang="en-US"/>
               <a:t>Fourth level</a:t>
             </a:r>
-            <a:endParaRPr lang="en-US"/>
           </a:p>
           <a:p>
             <a:pPr lvl="4"/>
@@ -830,6 +827,7 @@
           <a:p>
             <a:fld id="{8F3A6B12-AECD-4200-AD56-B1EAEE23C800}" type="datetimeFigureOut">
               <a:rPr lang="en-ID" smtClean="0"/>
+              <a:t>22/04/2021</a:t>
             </a:fld>
             <a:endParaRPr lang="en-ID"/>
           </a:p>
@@ -871,6 +869,7 @@
           <a:p>
             <a:fld id="{0F8E723F-C053-47B0-8C6E-64A4070AD2D3}" type="slidenum">
               <a:rPr lang="en-ID" smtClean="0"/>
+              <a:t>‹#›</a:t>
             </a:fld>
             <a:endParaRPr lang="en-ID"/>
           </a:p>
@@ -948,7 +947,6 @@
               <a:rPr lang="en-US"/>
               <a:t>Click to edit Master text styles</a:t>
             </a:r>
-            <a:endParaRPr lang="en-US"/>
           </a:p>
           <a:p>
             <a:pPr lvl="1"/>
@@ -956,7 +954,6 @@
               <a:rPr lang="en-US"/>
               <a:t>Second level</a:t>
             </a:r>
-            <a:endParaRPr lang="en-US"/>
           </a:p>
           <a:p>
             <a:pPr lvl="2"/>
@@ -964,7 +961,6 @@
               <a:rPr lang="en-US"/>
               <a:t>Third level</a:t>
             </a:r>
-            <a:endParaRPr lang="en-US"/>
           </a:p>
           <a:p>
             <a:pPr lvl="3"/>
@@ -972,7 +968,6 @@
               <a:rPr lang="en-US"/>
               <a:t>Fourth level</a:t>
             </a:r>
-            <a:endParaRPr lang="en-US"/>
           </a:p>
           <a:p>
             <a:pPr lvl="4"/>
@@ -1001,6 +996,7 @@
           <a:p>
             <a:fld id="{8F3A6B12-AECD-4200-AD56-B1EAEE23C800}" type="datetimeFigureOut">
               <a:rPr lang="en-ID" smtClean="0"/>
+              <a:t>22/04/2021</a:t>
             </a:fld>
             <a:endParaRPr lang="en-ID"/>
           </a:p>
@@ -1042,6 +1038,7 @@
           <a:p>
             <a:fld id="{0F8E723F-C053-47B0-8C6E-64A4070AD2D3}" type="slidenum">
               <a:rPr lang="en-ID" smtClean="0"/>
+              <a:t>‹#›</a:t>
             </a:fld>
             <a:endParaRPr lang="en-ID"/>
           </a:p>
@@ -1056,7 +1053,7 @@
 </file>
 
 <file path=ppt/slideLayouts/slideLayout3.xml><?xml version="1.0" encoding="utf-8"?>
-<p:sldLayout xmlns:a="http://schemas.openxmlformats.org/drawingml/2006/main" xmlns:r="http://schemas.openxmlformats.org/officeDocument/2006/relationships" xmlns:p="http://schemas.openxmlformats.org/presentationml/2006/main" type="secHead" preserve="1" showMasterSp="0">
+<p:sldLayout xmlns:a="http://schemas.openxmlformats.org/drawingml/2006/main" xmlns:r="http://schemas.openxmlformats.org/officeDocument/2006/relationships" xmlns:p="http://schemas.openxmlformats.org/presentationml/2006/main" showMasterSp="0" type="secHead" preserve="1">
   <p:cSld name="Section Header">
     <p:bg>
       <p:bgPr>
@@ -1317,7 +1314,6 @@
               <a:rPr lang="en-US"/>
               <a:t>Click to edit Master text styles</a:t>
             </a:r>
-            <a:endParaRPr lang="en-US"/>
           </a:p>
         </p:txBody>
       </p:sp>
@@ -1338,6 +1334,7 @@
           <a:p>
             <a:fld id="{8F3A6B12-AECD-4200-AD56-B1EAEE23C800}" type="datetimeFigureOut">
               <a:rPr lang="en-ID" smtClean="0"/>
+              <a:t>22/04/2021</a:t>
             </a:fld>
             <a:endParaRPr lang="en-ID"/>
           </a:p>
@@ -1379,6 +1376,7 @@
           <a:p>
             <a:fld id="{0F8E723F-C053-47B0-8C6E-64A4070AD2D3}" type="slidenum">
               <a:rPr lang="en-ID" smtClean="0"/>
+              <a:t>‹#›</a:t>
             </a:fld>
             <a:endParaRPr lang="en-ID"/>
           </a:p>
@@ -1500,7 +1498,6 @@
               <a:rPr lang="en-US"/>
               <a:t>Click to edit Master text styles</a:t>
             </a:r>
-            <a:endParaRPr lang="en-US"/>
           </a:p>
           <a:p>
             <a:pPr lvl="1"/>
@@ -1508,7 +1505,6 @@
               <a:rPr lang="en-US"/>
               <a:t>Second level</a:t>
             </a:r>
-            <a:endParaRPr lang="en-US"/>
           </a:p>
           <a:p>
             <a:pPr lvl="2"/>
@@ -1516,7 +1512,6 @@
               <a:rPr lang="en-US"/>
               <a:t>Third level</a:t>
             </a:r>
-            <a:endParaRPr lang="en-US"/>
           </a:p>
           <a:p>
             <a:pPr lvl="3"/>
@@ -1524,7 +1519,6 @@
               <a:rPr lang="en-US"/>
               <a:t>Fourth level</a:t>
             </a:r>
-            <a:endParaRPr lang="en-US"/>
           </a:p>
           <a:p>
             <a:pPr lvl="4"/>
@@ -1561,7 +1555,6 @@
               <a:rPr lang="en-US"/>
               <a:t>Click to edit Master text styles</a:t>
             </a:r>
-            <a:endParaRPr lang="en-US"/>
           </a:p>
           <a:p>
             <a:pPr lvl="1"/>
@@ -1569,7 +1562,6 @@
               <a:rPr lang="en-US"/>
               <a:t>Second level</a:t>
             </a:r>
-            <a:endParaRPr lang="en-US"/>
           </a:p>
           <a:p>
             <a:pPr lvl="2"/>
@@ -1577,7 +1569,6 @@
               <a:rPr lang="en-US"/>
               <a:t>Third level</a:t>
             </a:r>
-            <a:endParaRPr lang="en-US"/>
           </a:p>
           <a:p>
             <a:pPr lvl="3"/>
@@ -1585,7 +1576,6 @@
               <a:rPr lang="en-US"/>
               <a:t>Fourth level</a:t>
             </a:r>
-            <a:endParaRPr lang="en-US"/>
           </a:p>
           <a:p>
             <a:pPr lvl="4"/>
@@ -1614,6 +1604,7 @@
           <a:p>
             <a:fld id="{8F3A6B12-AECD-4200-AD56-B1EAEE23C800}" type="datetimeFigureOut">
               <a:rPr lang="en-ID" smtClean="0"/>
+              <a:t>22/04/2021</a:t>
             </a:fld>
             <a:endParaRPr lang="en-ID"/>
           </a:p>
@@ -1655,6 +1646,7 @@
           <a:p>
             <a:fld id="{0F8E723F-C053-47B0-8C6E-64A4070AD2D3}" type="slidenum">
               <a:rPr lang="en-ID" smtClean="0"/>
+              <a:t>‹#›</a:t>
             </a:fld>
             <a:endParaRPr lang="en-ID"/>
           </a:p>
@@ -1781,7 +1773,6 @@
               <a:rPr lang="en-US"/>
               <a:t>Click to edit Master text styles</a:t>
             </a:r>
-            <a:endParaRPr lang="en-US"/>
           </a:p>
         </p:txBody>
       </p:sp>
@@ -1810,7 +1801,6 @@
               <a:rPr lang="en-US"/>
               <a:t>Click to edit Master text styles</a:t>
             </a:r>
-            <a:endParaRPr lang="en-US"/>
           </a:p>
           <a:p>
             <a:pPr lvl="1"/>
@@ -1818,7 +1808,6 @@
               <a:rPr lang="en-US"/>
               <a:t>Second level</a:t>
             </a:r>
-            <a:endParaRPr lang="en-US"/>
           </a:p>
           <a:p>
             <a:pPr lvl="2"/>
@@ -1826,7 +1815,6 @@
               <a:rPr lang="en-US"/>
               <a:t>Third level</a:t>
             </a:r>
-            <a:endParaRPr lang="en-US"/>
           </a:p>
           <a:p>
             <a:pPr lvl="3"/>
@@ -1834,7 +1822,6 @@
               <a:rPr lang="en-US"/>
               <a:t>Fourth level</a:t>
             </a:r>
-            <a:endParaRPr lang="en-US"/>
           </a:p>
           <a:p>
             <a:pPr lvl="4"/>
@@ -1914,7 +1901,6 @@
               <a:rPr lang="en-US"/>
               <a:t>Click to edit Master text styles</a:t>
             </a:r>
-            <a:endParaRPr lang="en-US"/>
           </a:p>
         </p:txBody>
       </p:sp>
@@ -1943,7 +1929,6 @@
               <a:rPr lang="en-US"/>
               <a:t>Click to edit Master text styles</a:t>
             </a:r>
-            <a:endParaRPr lang="en-US"/>
           </a:p>
           <a:p>
             <a:pPr lvl="1"/>
@@ -1951,7 +1936,6 @@
               <a:rPr lang="en-US"/>
               <a:t>Second level</a:t>
             </a:r>
-            <a:endParaRPr lang="en-US"/>
           </a:p>
           <a:p>
             <a:pPr lvl="2"/>
@@ -1959,7 +1943,6 @@
               <a:rPr lang="en-US"/>
               <a:t>Third level</a:t>
             </a:r>
-            <a:endParaRPr lang="en-US"/>
           </a:p>
           <a:p>
             <a:pPr lvl="3"/>
@@ -1967,7 +1950,6 @@
               <a:rPr lang="en-US"/>
               <a:t>Fourth level</a:t>
             </a:r>
-            <a:endParaRPr lang="en-US"/>
           </a:p>
           <a:p>
             <a:pPr lvl="4"/>
@@ -1996,6 +1978,7 @@
           <a:p>
             <a:fld id="{8F3A6B12-AECD-4200-AD56-B1EAEE23C800}" type="datetimeFigureOut">
               <a:rPr lang="en-ID" smtClean="0"/>
+              <a:t>22/04/2021</a:t>
             </a:fld>
             <a:endParaRPr lang="en-ID"/>
           </a:p>
@@ -2037,6 +2020,7 @@
           <a:p>
             <a:fld id="{0F8E723F-C053-47B0-8C6E-64A4070AD2D3}" type="slidenum">
               <a:rPr lang="en-ID" smtClean="0"/>
+              <a:t>‹#›</a:t>
             </a:fld>
             <a:endParaRPr lang="en-ID"/>
           </a:p>
@@ -2107,6 +2091,7 @@
           <a:p>
             <a:fld id="{8F3A6B12-AECD-4200-AD56-B1EAEE23C800}" type="datetimeFigureOut">
               <a:rPr lang="en-ID" smtClean="0"/>
+              <a:t>22/04/2021</a:t>
             </a:fld>
             <a:endParaRPr lang="en-ID"/>
           </a:p>
@@ -2148,6 +2133,7 @@
           <a:p>
             <a:fld id="{0F8E723F-C053-47B0-8C6E-64A4070AD2D3}" type="slidenum">
               <a:rPr lang="en-ID" smtClean="0"/>
+              <a:t>‹#›</a:t>
             </a:fld>
             <a:endParaRPr lang="en-ID"/>
           </a:p>
@@ -2162,7 +2148,7 @@
 </file>
 
 <file path=ppt/slideLayouts/slideLayout7.xml><?xml version="1.0" encoding="utf-8"?>
-<p:sldLayout xmlns:a="http://schemas.openxmlformats.org/drawingml/2006/main" xmlns:r="http://schemas.openxmlformats.org/officeDocument/2006/relationships" xmlns:p="http://schemas.openxmlformats.org/presentationml/2006/main" type="blank" preserve="1" showMasterSp="0">
+<p:sldLayout xmlns:a="http://schemas.openxmlformats.org/drawingml/2006/main" xmlns:r="http://schemas.openxmlformats.org/officeDocument/2006/relationships" xmlns:p="http://schemas.openxmlformats.org/presentationml/2006/main" showMasterSp="0" type="blank" preserve="1">
   <p:cSld name="Blank">
     <p:spTree>
       <p:nvGrpSpPr>
@@ -2271,6 +2257,7 @@
           <a:p>
             <a:fld id="{8F3A6B12-AECD-4200-AD56-B1EAEE23C800}" type="datetimeFigureOut">
               <a:rPr lang="en-ID" smtClean="0"/>
+              <a:t>22/04/2021</a:t>
             </a:fld>
             <a:endParaRPr lang="en-ID"/>
           </a:p>
@@ -2320,6 +2307,7 @@
           <a:p>
             <a:fld id="{0F8E723F-C053-47B0-8C6E-64A4070AD2D3}" type="slidenum">
               <a:rPr lang="en-ID" smtClean="0"/>
+              <a:t>‹#›</a:t>
             </a:fld>
             <a:endParaRPr lang="en-ID"/>
           </a:p>
@@ -2334,7 +2322,7 @@
 </file>
 
 <file path=ppt/slideLayouts/slideLayout8.xml><?xml version="1.0" encoding="utf-8"?>
-<p:sldLayout xmlns:a="http://schemas.openxmlformats.org/drawingml/2006/main" xmlns:r="http://schemas.openxmlformats.org/officeDocument/2006/relationships" xmlns:p="http://schemas.openxmlformats.org/presentationml/2006/main" type="objTx" preserve="1" showMasterSp="0">
+<p:sldLayout xmlns:a="http://schemas.openxmlformats.org/drawingml/2006/main" xmlns:r="http://schemas.openxmlformats.org/officeDocument/2006/relationships" xmlns:p="http://schemas.openxmlformats.org/presentationml/2006/main" showMasterSp="0" type="objTx" preserve="1">
   <p:cSld name="Content with Caption">
     <p:spTree>
       <p:nvGrpSpPr>
@@ -2489,7 +2477,6 @@
               <a:rPr lang="en-US"/>
               <a:t>Click to edit Master text styles</a:t>
             </a:r>
-            <a:endParaRPr lang="en-US"/>
           </a:p>
           <a:p>
             <a:pPr lvl="1"/>
@@ -2497,7 +2484,6 @@
               <a:rPr lang="en-US"/>
               <a:t>Second level</a:t>
             </a:r>
-            <a:endParaRPr lang="en-US"/>
           </a:p>
           <a:p>
             <a:pPr lvl="2"/>
@@ -2505,7 +2491,6 @@
               <a:rPr lang="en-US"/>
               <a:t>Third level</a:t>
             </a:r>
-            <a:endParaRPr lang="en-US"/>
           </a:p>
           <a:p>
             <a:pPr lvl="3"/>
@@ -2513,7 +2498,6 @@
               <a:rPr lang="en-US"/>
               <a:t>Fourth level</a:t>
             </a:r>
-            <a:endParaRPr lang="en-US"/>
           </a:p>
           <a:p>
             <a:pPr lvl="4"/>
@@ -2593,7 +2577,6 @@
               <a:rPr lang="en-US"/>
               <a:t>Click to edit Master text styles</a:t>
             </a:r>
-            <a:endParaRPr lang="en-US"/>
           </a:p>
         </p:txBody>
       </p:sp>
@@ -2623,6 +2606,7 @@
           <a:p>
             <a:fld id="{8F3A6B12-AECD-4200-AD56-B1EAEE23C800}" type="datetimeFigureOut">
               <a:rPr lang="en-ID" smtClean="0"/>
+              <a:t>22/04/2021</a:t>
             </a:fld>
             <a:endParaRPr lang="en-ID"/>
           </a:p>
@@ -2685,6 +2669,7 @@
           <a:p>
             <a:fld id="{0F8E723F-C053-47B0-8C6E-64A4070AD2D3}" type="slidenum">
               <a:rPr lang="en-ID" smtClean="0"/>
+              <a:t>‹#›</a:t>
             </a:fld>
             <a:endParaRPr lang="en-ID"/>
           </a:p>
@@ -2699,7 +2684,7 @@
 </file>
 
 <file path=ppt/slideLayouts/slideLayout9.xml><?xml version="1.0" encoding="utf-8"?>
-<p:sldLayout xmlns:a="http://schemas.openxmlformats.org/drawingml/2006/main" xmlns:r="http://schemas.openxmlformats.org/officeDocument/2006/relationships" xmlns:p="http://schemas.openxmlformats.org/presentationml/2006/main" type="picTx" preserve="1" showMasterSp="0">
+<p:sldLayout xmlns:a="http://schemas.openxmlformats.org/drawingml/2006/main" xmlns:r="http://schemas.openxmlformats.org/officeDocument/2006/relationships" xmlns:p="http://schemas.openxmlformats.org/presentationml/2006/main" showMasterSp="0" type="picTx" preserve="1">
   <p:cSld name="Picture with Caption">
     <p:spTree>
       <p:nvGrpSpPr>
@@ -2978,7 +2963,6 @@
               <a:rPr lang="en-US"/>
               <a:t>Click to edit Master text styles</a:t>
             </a:r>
-            <a:endParaRPr lang="en-US"/>
           </a:p>
         </p:txBody>
       </p:sp>
@@ -2999,6 +2983,7 @@
           <a:p>
             <a:fld id="{8F3A6B12-AECD-4200-AD56-B1EAEE23C800}" type="datetimeFigureOut">
               <a:rPr lang="en-ID" smtClean="0"/>
+              <a:t>22/04/2021</a:t>
             </a:fld>
             <a:endParaRPr lang="en-ID"/>
           </a:p>
@@ -3040,6 +3025,7 @@
           <a:p>
             <a:fld id="{0F8E723F-C053-47B0-8C6E-64A4070AD2D3}" type="slidenum">
               <a:rPr lang="en-ID" smtClean="0"/>
+              <a:t>‹#›</a:t>
             </a:fld>
             <a:endParaRPr lang="en-ID"/>
           </a:p>
@@ -3214,7 +3200,6 @@
               <a:rPr lang="en-US"/>
               <a:t>Click to edit Master text styles</a:t>
             </a:r>
-            <a:endParaRPr lang="en-US"/>
           </a:p>
           <a:p>
             <a:pPr lvl="1"/>
@@ -3222,7 +3207,6 @@
               <a:rPr lang="en-US"/>
               <a:t>Second level</a:t>
             </a:r>
-            <a:endParaRPr lang="en-US"/>
           </a:p>
           <a:p>
             <a:pPr lvl="2"/>
@@ -3230,7 +3214,6 @@
               <a:rPr lang="en-US"/>
               <a:t>Third level</a:t>
             </a:r>
-            <a:endParaRPr lang="en-US"/>
           </a:p>
           <a:p>
             <a:pPr lvl="3"/>
@@ -3238,7 +3221,6 @@
               <a:rPr lang="en-US"/>
               <a:t>Fourth level</a:t>
             </a:r>
-            <a:endParaRPr lang="en-US"/>
           </a:p>
           <a:p>
             <a:pPr lvl="4"/>
@@ -3283,6 +3265,7 @@
           <a:p>
             <a:fld id="{8F3A6B12-AECD-4200-AD56-B1EAEE23C800}" type="datetimeFigureOut">
               <a:rPr lang="en-ID" smtClean="0"/>
+              <a:t>22/04/2021</a:t>
             </a:fld>
             <a:endParaRPr lang="en-ID"/>
           </a:p>
@@ -3356,6 +3339,7 @@
           <a:p>
             <a:fld id="{0F8E723F-C053-47B0-8C6E-64A4070AD2D3}" type="slidenum">
               <a:rPr lang="en-ID" smtClean="0"/>
+              <a:t>‹#›</a:t>
             </a:fld>
             <a:endParaRPr lang="en-ID"/>
           </a:p>
@@ -3893,7 +3877,6 @@
               <a:rPr lang="id-ID" dirty="0"/>
               <a:t> :</a:t>
             </a:r>
-            <a:endParaRPr lang="id-ID" dirty="0"/>
           </a:p>
           <a:p>
             <a:pPr lvl="0"/>
@@ -4065,8 +4048,8 @@
         </p:nvSpPr>
         <p:spPr>
           <a:xfrm>
-            <a:off x="410546" y="0"/>
-            <a:ext cx="10105053" cy="839561"/>
+            <a:off x="438538" y="0"/>
+            <a:ext cx="10077061" cy="789709"/>
           </a:xfrm>
         </p:spPr>
         <p:txBody>
@@ -4075,7 +4058,7 @@
           <a:p>
             <a:r>
               <a:rPr lang="id-ID" dirty="0"/>
-              <a:t>WIREFRAME : Admin</a:t>
+              <a:t>WIREFRAME : Client</a:t>
             </a:r>
             <a:endParaRPr lang="en-ID" dirty="0"/>
           </a:p>
@@ -4083,14 +4066,14 @@
       </p:sp>
       <p:pic>
         <p:nvPicPr>
-          <p:cNvPr id="4" name="Picture 3"/>
+          <p:cNvPr id="5" name="Picture 4"/>
           <p:cNvPicPr>
             <a:picLocks noChangeAspect="1"/>
           </p:cNvPicPr>
           <p:nvPr/>
         </p:nvPicPr>
         <p:blipFill>
-          <a:blip r:embed="rId1">
+          <a:blip r:embed="rId2" cstate="print">
             <a:extLst>
               <a:ext uri="{28A0092B-C50C-407E-A947-70E740481C1C}">
                 <a14:useLocalDpi xmlns:a14="http://schemas.microsoft.com/office/drawing/2010/main" val="0"/>
@@ -4103,8 +4086,8 @@
         </p:blipFill>
         <p:spPr>
           <a:xfrm>
-            <a:off x="0" y="839561"/>
-            <a:ext cx="12192000" cy="5943463"/>
+            <a:off x="0" y="789709"/>
+            <a:ext cx="12191999" cy="6068291"/>
           </a:xfrm>
           <a:prstGeom prst="rect">
             <a:avLst/>
@@ -4148,8 +4131,8 @@
         </p:nvSpPr>
         <p:spPr>
           <a:xfrm>
-            <a:off x="438538" y="0"/>
-            <a:ext cx="10077061" cy="789709"/>
+            <a:off x="1191491" y="940028"/>
+            <a:ext cx="10435243" cy="861062"/>
           </a:xfrm>
         </p:spPr>
         <p:txBody>
@@ -4157,23 +4140,28 @@
           <a:lstStyle/>
           <a:p>
             <a:r>
+              <a:rPr lang="en-US" dirty="0"/>
+              <a:t>M</a:t>
+            </a:r>
+            <a:r>
               <a:rPr lang="id-ID" dirty="0"/>
-              <a:t>WIREFRAME : Client</a:t>
-            </a:r>
-            <a:endParaRPr lang="en-ID" dirty="0"/>
+              <a:t>OCKUP</a:t>
+            </a:r>
           </a:p>
         </p:txBody>
       </p:sp>
       <p:pic>
         <p:nvPicPr>
-          <p:cNvPr id="5" name="Picture 4"/>
+          <p:cNvPr id="23" name="Content Placeholder 22"/>
           <p:cNvPicPr>
-            <a:picLocks noChangeAspect="1"/>
+            <a:picLocks noGrp="1" noChangeAspect="1"/>
           </p:cNvPicPr>
-          <p:nvPr/>
+          <p:nvPr>
+            <p:ph idx="1"/>
+          </p:nvPr>
         </p:nvPicPr>
         <p:blipFill>
-          <a:blip r:embed="rId1">
+          <a:blip r:embed="rId2">
             <a:extLst>
               <a:ext uri="{28A0092B-C50C-407E-A947-70E740481C1C}">
                 <a14:useLocalDpi xmlns:a14="http://schemas.microsoft.com/office/drawing/2010/main" val="0"/>
@@ -4186,8 +4174,113 @@
         </p:blipFill>
         <p:spPr>
           <a:xfrm>
-            <a:off x="0" y="789709"/>
-            <a:ext cx="12191999" cy="6068291"/>
+            <a:off x="1059991" y="1801090"/>
+            <a:ext cx="2009546" cy="4502728"/>
+          </a:xfrm>
+        </p:spPr>
+      </p:pic>
+      <p:pic>
+        <p:nvPicPr>
+          <p:cNvPr id="31" name="Picture 30"/>
+          <p:cNvPicPr>
+            <a:picLocks noChangeAspect="1"/>
+          </p:cNvPicPr>
+          <p:nvPr/>
+        </p:nvPicPr>
+        <p:blipFill>
+          <a:blip r:embed="rId3">
+            <a:extLst>
+              <a:ext uri="{28A0092B-C50C-407E-A947-70E740481C1C}">
+                <a14:useLocalDpi xmlns:a14="http://schemas.microsoft.com/office/drawing/2010/main" val="0"/>
+              </a:ext>
+            </a:extLst>
+          </a:blip>
+          <a:stretch>
+            <a:fillRect/>
+          </a:stretch>
+        </p:blipFill>
+        <p:spPr>
+          <a:xfrm>
+            <a:off x="3102532" y="1801090"/>
+            <a:ext cx="2009546" cy="4502728"/>
+          </a:xfrm>
+          <a:prstGeom prst="rect">
+            <a:avLst/>
+          </a:prstGeom>
+        </p:spPr>
+      </p:pic>
+      <p:pic>
+        <p:nvPicPr>
+          <p:cNvPr id="35" name="Picture 34"/>
+          <p:cNvPicPr>
+            <a:picLocks noChangeAspect="1"/>
+          </p:cNvPicPr>
+          <p:nvPr/>
+        </p:nvPicPr>
+        <p:blipFill>
+          <a:blip r:embed="rId4">
+            <a:extLst>
+              <a:ext uri="{28A0092B-C50C-407E-A947-70E740481C1C}">
+                <a14:useLocalDpi xmlns:a14="http://schemas.microsoft.com/office/drawing/2010/main" val="0"/>
+              </a:ext>
+            </a:extLst>
+          </a:blip>
+          <a:stretch>
+            <a:fillRect/>
+          </a:stretch>
+        </p:blipFill>
+        <p:spPr>
+          <a:xfrm>
+            <a:off x="5145073" y="1801090"/>
+            <a:ext cx="2009547" cy="4502728"/>
+          </a:xfrm>
+          <a:prstGeom prst="rect">
+            <a:avLst/>
+          </a:prstGeom>
+        </p:spPr>
+      </p:pic>
+      <p:pic>
+        <p:nvPicPr>
+          <p:cNvPr id="3" name="Picture 2" descr="Dashboard Admin"/>
+          <p:cNvPicPr>
+            <a:picLocks noChangeAspect="1"/>
+          </p:cNvPicPr>
+          <p:nvPr/>
+        </p:nvPicPr>
+        <p:blipFill>
+          <a:blip r:embed="rId5"/>
+          <a:stretch>
+            <a:fillRect/>
+          </a:stretch>
+        </p:blipFill>
+        <p:spPr>
+          <a:xfrm>
+            <a:off x="7187565" y="1800860"/>
+            <a:ext cx="2077720" cy="4502150"/>
+          </a:xfrm>
+          <a:prstGeom prst="rect">
+            <a:avLst/>
+          </a:prstGeom>
+        </p:spPr>
+      </p:pic>
+      <p:pic>
+        <p:nvPicPr>
+          <p:cNvPr id="4" name="Picture 3" descr="Tambah Game"/>
+          <p:cNvPicPr>
+            <a:picLocks noChangeAspect="1"/>
+          </p:cNvPicPr>
+          <p:nvPr/>
+        </p:nvPicPr>
+        <p:blipFill>
+          <a:blip r:embed="rId6"/>
+          <a:stretch>
+            <a:fillRect/>
+          </a:stretch>
+        </p:blipFill>
+        <p:spPr>
+          <a:xfrm>
+            <a:off x="9338945" y="1800860"/>
+            <a:ext cx="2079787" cy="4503600"/>
           </a:xfrm>
           <a:prstGeom prst="rect">
             <a:avLst/>
@@ -4219,91 +4312,24 @@
           <a:chExt cx="0" cy="0"/>
         </a:xfrm>
       </p:grpSpPr>
-      <p:sp>
-        <p:nvSpPr>
-          <p:cNvPr id="2" name="Title 1"/>
-          <p:cNvSpPr>
-            <a:spLocks noGrp="1"/>
-          </p:cNvSpPr>
-          <p:nvPr>
-            <p:ph type="title"/>
-          </p:nvPr>
-        </p:nvSpPr>
-        <p:spPr>
-          <a:xfrm>
-            <a:off x="1191491" y="940028"/>
-            <a:ext cx="10435243" cy="861062"/>
-          </a:xfrm>
-        </p:spPr>
-        <p:txBody>
-          <a:bodyPr/>
-          <a:lstStyle/>
-          <a:p>
-            <a:r>
-              <a:rPr lang="en-US" dirty="0"/>
-              <a:t>M</a:t>
-            </a:r>
-            <a:r>
-              <a:rPr lang="id-ID" dirty="0"/>
-              <a:t>OCKUP</a:t>
-            </a:r>
-            <a:endParaRPr lang="id-ID" dirty="0"/>
-          </a:p>
-        </p:txBody>
-      </p:sp>
       <p:pic>
         <p:nvPicPr>
-          <p:cNvPr id="23" name="Content Placeholder 22"/>
+          <p:cNvPr id="4" name="Picture 3" descr="Daftar Game"/>
           <p:cNvPicPr>
-            <a:picLocks noGrp="1" noChangeAspect="1"/>
+            <a:picLocks noChangeAspect="1"/>
           </p:cNvPicPr>
-          <p:nvPr>
-            <p:ph idx="1"/>
-          </p:nvPr>
+          <p:nvPr/>
         </p:nvPicPr>
         <p:blipFill>
-          <a:blip r:embed="rId1">
-            <a:extLst>
-              <a:ext uri="{28A0092B-C50C-407E-A947-70E740481C1C}">
-                <a14:useLocalDpi xmlns:a14="http://schemas.microsoft.com/office/drawing/2010/main" val="0"/>
-              </a:ext>
-            </a:extLst>
-          </a:blip>
+          <a:blip r:embed="rId2"/>
           <a:stretch>
             <a:fillRect/>
           </a:stretch>
         </p:blipFill>
         <p:spPr>
           <a:xfrm>
-            <a:off x="1059991" y="1801090"/>
-            <a:ext cx="2009546" cy="4502728"/>
-          </a:xfrm>
-        </p:spPr>
-      </p:pic>
-      <p:pic>
-        <p:nvPicPr>
-          <p:cNvPr id="31" name="Picture 30"/>
-          <p:cNvPicPr>
-            <a:picLocks noChangeAspect="1"/>
-          </p:cNvPicPr>
-          <p:nvPr/>
-        </p:nvPicPr>
-        <p:blipFill>
-          <a:blip r:embed="rId2">
-            <a:extLst>
-              <a:ext uri="{28A0092B-C50C-407E-A947-70E740481C1C}">
-                <a14:useLocalDpi xmlns:a14="http://schemas.microsoft.com/office/drawing/2010/main" val="0"/>
-              </a:ext>
-            </a:extLst>
-          </a:blip>
-          <a:stretch>
-            <a:fillRect/>
-          </a:stretch>
-        </p:blipFill>
-        <p:spPr>
-          <a:xfrm>
-            <a:off x="3102532" y="1801090"/>
-            <a:ext cx="2009546" cy="4502728"/>
+            <a:off x="868045" y="1791335"/>
+            <a:ext cx="2079787" cy="4503600"/>
           </a:xfrm>
           <a:prstGeom prst="rect">
             <a:avLst/>
@@ -4312,28 +4338,22 @@
       </p:pic>
       <p:pic>
         <p:nvPicPr>
-          <p:cNvPr id="35" name="Picture 34"/>
+          <p:cNvPr id="5" name="Picture 4" descr="Game Admin"/>
           <p:cNvPicPr>
             <a:picLocks noChangeAspect="1"/>
           </p:cNvPicPr>
           <p:nvPr/>
         </p:nvPicPr>
         <p:blipFill>
-          <a:blip r:embed="rId3">
-            <a:extLst>
-              <a:ext uri="{28A0092B-C50C-407E-A947-70E740481C1C}">
-                <a14:useLocalDpi xmlns:a14="http://schemas.microsoft.com/office/drawing/2010/main" val="0"/>
-              </a:ext>
-            </a:extLst>
-          </a:blip>
+          <a:blip r:embed="rId3"/>
           <a:stretch>
             <a:fillRect/>
           </a:stretch>
         </p:blipFill>
         <p:spPr>
           <a:xfrm>
-            <a:off x="5145073" y="1801090"/>
-            <a:ext cx="2009547" cy="4502728"/>
+            <a:off x="3029585" y="1791335"/>
+            <a:ext cx="2079787" cy="4503600"/>
           </a:xfrm>
           <a:prstGeom prst="rect">
             <a:avLst/>
@@ -4342,7 +4362,7 @@
       </p:pic>
       <p:pic>
         <p:nvPicPr>
-          <p:cNvPr id="3" name="Picture 2" descr="Dashboard Admin"/>
+          <p:cNvPr id="6" name="Picture 5" descr="Leaderboard Admin"/>
           <p:cNvPicPr>
             <a:picLocks noChangeAspect="1"/>
           </p:cNvPicPr>
@@ -4356,8 +4376,8 @@
         </p:blipFill>
         <p:spPr>
           <a:xfrm>
-            <a:off x="7187565" y="1800860"/>
-            <a:ext cx="2077720" cy="4502150"/>
+            <a:off x="5209540" y="1791335"/>
+            <a:ext cx="2079787" cy="4503600"/>
           </a:xfrm>
           <a:prstGeom prst="rect">
             <a:avLst/>
@@ -4366,7 +4386,7 @@
       </p:pic>
       <p:pic>
         <p:nvPicPr>
-          <p:cNvPr id="4" name="Picture 3" descr="Tambah Game"/>
+          <p:cNvPr id="7" name="Picture 6" descr="Konfirmasi Histori"/>
           <p:cNvPicPr>
             <a:picLocks noChangeAspect="1"/>
           </p:cNvPicPr>
@@ -4380,7 +4400,31 @@
         </p:blipFill>
         <p:spPr>
           <a:xfrm>
-            <a:off x="9338945" y="1800860"/>
+            <a:off x="9544050" y="1791335"/>
+            <a:ext cx="2079787" cy="4503600"/>
+          </a:xfrm>
+          <a:prstGeom prst="rect">
+            <a:avLst/>
+          </a:prstGeom>
+        </p:spPr>
+      </p:pic>
+      <p:pic>
+        <p:nvPicPr>
+          <p:cNvPr id="8" name="Picture 7" descr="History Admin"/>
+          <p:cNvPicPr>
+            <a:picLocks noChangeAspect="1"/>
+          </p:cNvPicPr>
+          <p:nvPr/>
+        </p:nvPicPr>
+        <p:blipFill>
+          <a:blip r:embed="rId6"/>
+          <a:stretch>
+            <a:fillRect/>
+          </a:stretch>
+        </p:blipFill>
+        <p:spPr>
+          <a:xfrm>
+            <a:off x="7372350" y="1791335"/>
             <a:ext cx="2079787" cy="4503600"/>
           </a:xfrm>
           <a:prstGeom prst="rect">
@@ -4405,34 +4449,17 @@
         <p:cNvGrpSpPr/>
         <p:nvPr/>
       </p:nvGrpSpPr>
-      <p:grpSpPr/>
+      <p:grpSpPr>
+        <a:xfrm>
+          <a:off x="0" y="0"/>
+          <a:ext cx="0" cy="0"/>
+          <a:chOff x="0" y="0"/>
+          <a:chExt cx="0" cy="0"/>
+        </a:xfrm>
+      </p:grpSpPr>
       <p:pic>
         <p:nvPicPr>
-          <p:cNvPr id="4" name="Picture 3" descr="Daftar Game"/>
-          <p:cNvPicPr>
-            <a:picLocks noChangeAspect="1"/>
-          </p:cNvPicPr>
-          <p:nvPr/>
-        </p:nvPicPr>
-        <p:blipFill>
-          <a:blip r:embed="rId1"/>
-          <a:stretch>
-            <a:fillRect/>
-          </a:stretch>
-        </p:blipFill>
-        <p:spPr>
-          <a:xfrm>
-            <a:off x="868045" y="1791335"/>
-            <a:ext cx="2079787" cy="4503600"/>
-          </a:xfrm>
-          <a:prstGeom prst="rect">
-            <a:avLst/>
-          </a:prstGeom>
-        </p:spPr>
-      </p:pic>
-      <p:pic>
-        <p:nvPicPr>
-          <p:cNvPr id="5" name="Picture 4" descr="Game Admin"/>
+          <p:cNvPr id="3" name="Picture 2" descr="Dashboard User"/>
           <p:cNvPicPr>
             <a:picLocks noChangeAspect="1"/>
           </p:cNvPicPr>
@@ -4446,7 +4473,7 @@
         </p:blipFill>
         <p:spPr>
           <a:xfrm>
-            <a:off x="3029585" y="1791335"/>
+            <a:off x="1561465" y="1809750"/>
             <a:ext cx="2079787" cy="4503600"/>
           </a:xfrm>
           <a:prstGeom prst="rect">
@@ -4456,7 +4483,7 @@
       </p:pic>
       <p:pic>
         <p:nvPicPr>
-          <p:cNvPr id="6" name="Picture 5" descr="Leaderboard Admin"/>
+          <p:cNvPr id="4" name="Picture 3" descr="Game"/>
           <p:cNvPicPr>
             <a:picLocks noChangeAspect="1"/>
           </p:cNvPicPr>
@@ -4470,7 +4497,7 @@
         </p:blipFill>
         <p:spPr>
           <a:xfrm>
-            <a:off x="5209540" y="1791335"/>
+            <a:off x="3841115" y="1809750"/>
             <a:ext cx="2079787" cy="4503600"/>
           </a:xfrm>
           <a:prstGeom prst="rect">
@@ -4480,7 +4507,7 @@
       </p:pic>
       <p:pic>
         <p:nvPicPr>
-          <p:cNvPr id="7" name="Picture 6" descr="Konfirmasi Histori"/>
+          <p:cNvPr id="6" name="Picture 5" descr="Leaderboard"/>
           <p:cNvPicPr>
             <a:picLocks noChangeAspect="1"/>
           </p:cNvPicPr>
@@ -4494,7 +4521,7 @@
         </p:blipFill>
         <p:spPr>
           <a:xfrm>
-            <a:off x="9544050" y="1791335"/>
+            <a:off x="6120765" y="1809750"/>
             <a:ext cx="2079787" cy="4503600"/>
           </a:xfrm>
           <a:prstGeom prst="rect">
@@ -4504,7 +4531,7 @@
       </p:pic>
       <p:pic>
         <p:nvPicPr>
-          <p:cNvPr id="8" name="Picture 7" descr="History Admin"/>
+          <p:cNvPr id="8" name="Picture 7" descr="History game"/>
           <p:cNvPicPr>
             <a:picLocks noChangeAspect="1"/>
           </p:cNvPicPr>
@@ -4518,7 +4545,7 @@
         </p:blipFill>
         <p:spPr>
           <a:xfrm>
-            <a:off x="7372350" y="1791335"/>
+            <a:off x="8409305" y="1809750"/>
             <a:ext cx="2079787" cy="4503600"/>
           </a:xfrm>
           <a:prstGeom prst="rect">
@@ -4551,127 +4578,6 @@
           <a:chExt cx="0" cy="0"/>
         </a:xfrm>
       </p:grpSpPr>
-      <p:pic>
-        <p:nvPicPr>
-          <p:cNvPr id="3" name="Picture 2" descr="Dashboard User"/>
-          <p:cNvPicPr>
-            <a:picLocks noChangeAspect="1"/>
-          </p:cNvPicPr>
-          <p:nvPr/>
-        </p:nvPicPr>
-        <p:blipFill>
-          <a:blip r:embed="rId1"/>
-          <a:stretch>
-            <a:fillRect/>
-          </a:stretch>
-        </p:blipFill>
-        <p:spPr>
-          <a:xfrm>
-            <a:off x="1561465" y="1809750"/>
-            <a:ext cx="2079787" cy="4503600"/>
-          </a:xfrm>
-          <a:prstGeom prst="rect">
-            <a:avLst/>
-          </a:prstGeom>
-        </p:spPr>
-      </p:pic>
-      <p:pic>
-        <p:nvPicPr>
-          <p:cNvPr id="4" name="Picture 3" descr="Game"/>
-          <p:cNvPicPr>
-            <a:picLocks noChangeAspect="1"/>
-          </p:cNvPicPr>
-          <p:nvPr/>
-        </p:nvPicPr>
-        <p:blipFill>
-          <a:blip r:embed="rId2"/>
-          <a:stretch>
-            <a:fillRect/>
-          </a:stretch>
-        </p:blipFill>
-        <p:spPr>
-          <a:xfrm>
-            <a:off x="3841115" y="1809750"/>
-            <a:ext cx="2079787" cy="4503600"/>
-          </a:xfrm>
-          <a:prstGeom prst="rect">
-            <a:avLst/>
-          </a:prstGeom>
-        </p:spPr>
-      </p:pic>
-      <p:pic>
-        <p:nvPicPr>
-          <p:cNvPr id="6" name="Picture 5" descr="Leaderboard"/>
-          <p:cNvPicPr>
-            <a:picLocks noChangeAspect="1"/>
-          </p:cNvPicPr>
-          <p:nvPr/>
-        </p:nvPicPr>
-        <p:blipFill>
-          <a:blip r:embed="rId3"/>
-          <a:stretch>
-            <a:fillRect/>
-          </a:stretch>
-        </p:blipFill>
-        <p:spPr>
-          <a:xfrm>
-            <a:off x="6120765" y="1809750"/>
-            <a:ext cx="2079787" cy="4503600"/>
-          </a:xfrm>
-          <a:prstGeom prst="rect">
-            <a:avLst/>
-          </a:prstGeom>
-        </p:spPr>
-      </p:pic>
-      <p:pic>
-        <p:nvPicPr>
-          <p:cNvPr id="8" name="Picture 7" descr="History game"/>
-          <p:cNvPicPr>
-            <a:picLocks noChangeAspect="1"/>
-          </p:cNvPicPr>
-          <p:nvPr/>
-        </p:nvPicPr>
-        <p:blipFill>
-          <a:blip r:embed="rId4"/>
-          <a:stretch>
-            <a:fillRect/>
-          </a:stretch>
-        </p:blipFill>
-        <p:spPr>
-          <a:xfrm>
-            <a:off x="8409305" y="1809750"/>
-            <a:ext cx="2079787" cy="4503600"/>
-          </a:xfrm>
-          <a:prstGeom prst="rect">
-            <a:avLst/>
-          </a:prstGeom>
-        </p:spPr>
-      </p:pic>
-    </p:spTree>
-  </p:cSld>
-  <p:clrMapOvr>
-    <a:masterClrMapping/>
-  </p:clrMapOvr>
-</p:sld>
-</file>
-
-<file path=ppt/slides/slide15.xml><?xml version="1.0" encoding="utf-8"?>
-<p:sld xmlns:a="http://schemas.openxmlformats.org/drawingml/2006/main" xmlns:r="http://schemas.openxmlformats.org/officeDocument/2006/relationships" xmlns:p="http://schemas.openxmlformats.org/presentationml/2006/main">
-  <p:cSld>
-    <p:spTree>
-      <p:nvGrpSpPr>
-        <p:cNvPr id="1" name=""/>
-        <p:cNvGrpSpPr/>
-        <p:nvPr/>
-      </p:nvGrpSpPr>
-      <p:grpSpPr>
-        <a:xfrm>
-          <a:off x="0" y="0"/>
-          <a:ext cx="0" cy="0"/>
-          <a:chOff x="0" y="0"/>
-          <a:chExt cx="0" cy="0"/>
-        </a:xfrm>
-      </p:grpSpPr>
       <p:sp>
         <p:nvSpPr>
           <p:cNvPr id="2" name="Title 1"/>
@@ -5927,9 +5833,6 @@
               </a:rPr>
               <a:t> 4</a:t>
             </a:r>
-            <a:endParaRPr lang="en-US" sz="1900" dirty="0">
-              <a:latin typeface="Calibri (Body)"/>
-            </a:endParaRPr>
           </a:p>
           <a:p>
             <a:pPr marL="457200" lvl="1" indent="0" algn="just">
@@ -6060,11 +5963,6 @@
               </a:rPr>
               <a:t> Analyst	: Muhammad Alful Falakh</a:t>
             </a:r>
-            <a:endParaRPr lang="en-US" sz="1900" dirty="0">
-              <a:latin typeface="Calibri (Body)"/>
-              <a:ea typeface="DengXian" panose="02010600030101010101" pitchFamily="2" charset="-122"/>
-              <a:cs typeface="Times New Roman" panose="02020603050405020304" pitchFamily="18" charset="0"/>
-            </a:endParaRPr>
           </a:p>
           <a:p>
             <a:pPr marL="457200" lvl="1" indent="0" algn="just">
@@ -6279,7 +6177,6 @@
               <a:rPr lang="id-ID" dirty="0"/>
               <a:t>OGO</a:t>
             </a:r>
-            <a:endParaRPr lang="id-ID" dirty="0"/>
           </a:p>
         </p:txBody>
       </p:sp>
@@ -6294,7 +6191,7 @@
           </p:nvPr>
         </p:nvPicPr>
         <p:blipFill>
-          <a:blip r:embed="rId1">
+          <a:blip r:embed="rId2">
             <a:extLst>
               <a:ext uri="{28A0092B-C50C-407E-A947-70E740481C1C}">
                 <a14:useLocalDpi xmlns:a14="http://schemas.microsoft.com/office/drawing/2010/main" val="0"/>
@@ -7175,7 +7072,7 @@
           </p:nvPr>
         </p:nvPicPr>
         <p:blipFill>
-          <a:blip r:embed="rId1">
+          <a:blip r:embed="rId2">
             <a:extLst>
               <a:ext uri="{28A0092B-C50C-407E-A947-70E740481C1C}">
                 <a14:useLocalDpi xmlns:a14="http://schemas.microsoft.com/office/drawing/2010/main" val="0"/>
@@ -7296,7 +7193,7 @@
           </p:nvPr>
         </p:nvPicPr>
         <p:blipFill>
-          <a:blip r:embed="rId1">
+          <a:blip r:embed="rId2">
             <a:extLst>
               <a:ext uri="{28A0092B-C50C-407E-A947-70E740481C1C}">
                 <a14:useLocalDpi xmlns:a14="http://schemas.microsoft.com/office/drawing/2010/main" val="0"/>
@@ -7367,7 +7264,6 @@
               <a:rPr lang="id-ID" dirty="0"/>
               <a:t>ENUGASAN</a:t>
             </a:r>
-            <a:endParaRPr lang="id-ID" dirty="0"/>
           </a:p>
         </p:txBody>
       </p:sp>
@@ -7392,9 +7288,27 @@
                 <a:tableStyleId>{5C22544A-7EE6-4342-B048-85BDC9FD1C3A}</a:tableStyleId>
               </a:tblPr>
               <a:tblGrid>
-                <a:gridCol w="1932104"/>
-                <a:gridCol w="3960813"/>
-                <a:gridCol w="4057418"/>
+                <a:gridCol w="1932104">
+                  <a:extLst>
+                    <a:ext uri="{9D8B030D-6E8A-4147-A177-3AD203B41FA5}">
+                      <a16:colId xmlns:a16="http://schemas.microsoft.com/office/drawing/2014/main" val="20000"/>
+                    </a:ext>
+                  </a:extLst>
+                </a:gridCol>
+                <a:gridCol w="3960813">
+                  <a:extLst>
+                    <a:ext uri="{9D8B030D-6E8A-4147-A177-3AD203B41FA5}">
+                      <a16:colId xmlns:a16="http://schemas.microsoft.com/office/drawing/2014/main" val="20001"/>
+                    </a:ext>
+                  </a:extLst>
+                </a:gridCol>
+                <a:gridCol w="4057418">
+                  <a:extLst>
+                    <a:ext uri="{9D8B030D-6E8A-4147-A177-3AD203B41FA5}">
+                      <a16:colId xmlns:a16="http://schemas.microsoft.com/office/drawing/2014/main" val="20002"/>
+                    </a:ext>
+                  </a:extLst>
+                </a:gridCol>
               </a:tblGrid>
               <a:tr h="483250">
                 <a:tc>
@@ -7472,6 +7386,11 @@
                   </a:txBody>
                   <a:tcPr marL="68580" marR="68580" marT="0" marB="0" anchor="ctr"/>
                 </a:tc>
+                <a:extLst>
+                  <a:ext uri="{0D108BD9-81ED-4DB2-BD59-A6C34878D82A}">
+                    <a16:rowId xmlns:a16="http://schemas.microsoft.com/office/drawing/2014/main" val="10000"/>
+                  </a:ext>
+                </a:extLst>
               </a:tr>
               <a:tr h="728102">
                 <a:tc>
@@ -7595,6 +7514,11 @@
                   </a:txBody>
                   <a:tcPr marL="68580" marR="68580" marT="0" marB="0"/>
                 </a:tc>
+                <a:extLst>
+                  <a:ext uri="{0D108BD9-81ED-4DB2-BD59-A6C34878D82A}">
+                    <a16:rowId xmlns:a16="http://schemas.microsoft.com/office/drawing/2014/main" val="10001"/>
+                  </a:ext>
+                </a:extLst>
               </a:tr>
               <a:tr h="976119">
                 <a:tc>
@@ -7742,6 +7666,11 @@
                   </a:txBody>
                   <a:tcPr marL="68580" marR="68580" marT="0" marB="0"/>
                 </a:tc>
+                <a:extLst>
+                  <a:ext uri="{0D108BD9-81ED-4DB2-BD59-A6C34878D82A}">
+                    <a16:rowId xmlns:a16="http://schemas.microsoft.com/office/drawing/2014/main" val="10002"/>
+                  </a:ext>
+                </a:extLst>
               </a:tr>
               <a:tr h="480085">
                 <a:tc>
@@ -7821,6 +7750,11 @@
                   </a:txBody>
                   <a:tcPr marL="68580" marR="68580" marT="0" marB="0"/>
                 </a:tc>
+                <a:extLst>
+                  <a:ext uri="{0D108BD9-81ED-4DB2-BD59-A6C34878D82A}">
+                    <a16:rowId xmlns:a16="http://schemas.microsoft.com/office/drawing/2014/main" val="10003"/>
+                  </a:ext>
+                </a:extLst>
               </a:tr>
               <a:tr h="1472155">
                 <a:tc>
@@ -8090,6 +8024,11 @@
                   </a:txBody>
                   <a:tcPr marL="68580" marR="68580" marT="0" marB="0"/>
                 </a:tc>
+                <a:extLst>
+                  <a:ext uri="{0D108BD9-81ED-4DB2-BD59-A6C34878D82A}">
+                    <a16:rowId xmlns:a16="http://schemas.microsoft.com/office/drawing/2014/main" val="10004"/>
+                  </a:ext>
+                </a:extLst>
               </a:tr>
             </a:tbl>
           </a:graphicData>
@@ -8482,7 +8421,7 @@
           <p:nvPr/>
         </p:nvPicPr>
         <p:blipFill>
-          <a:blip r:embed="rId1" cstate="print">
+          <a:blip r:embed="rId2" cstate="print">
             <a:extLst>
               <a:ext uri="{28A0092B-C50C-407E-A947-70E740481C1C}">
                 <a14:useLocalDpi xmlns:a14="http://schemas.microsoft.com/office/drawing/2010/main" val="0"/>
@@ -8540,277 +8479,32 @@
         </p:nvSpPr>
         <p:spPr>
           <a:xfrm>
-            <a:off x="1219200" y="886691"/>
-            <a:ext cx="9936479" cy="864227"/>
+            <a:off x="410546" y="0"/>
+            <a:ext cx="10105053" cy="839561"/>
           </a:xfrm>
         </p:spPr>
         <p:txBody>
-          <a:bodyPr>
-            <a:normAutofit/>
-          </a:bodyPr>
+          <a:bodyPr/>
           <a:lstStyle/>
           <a:p>
             <a:r>
-              <a:rPr lang="en-US" dirty="0"/>
-              <a:t>D</a:t>
-            </a:r>
-            <a:r>
               <a:rPr lang="id-ID" dirty="0"/>
-              <a:t>IAGRAM</a:t>
-            </a:r>
-            <a:r>
-              <a:rPr lang="en-US" dirty="0"/>
-              <a:t> : Draw.io</a:t>
-            </a:r>
-            <a:endParaRPr lang="id-ID" dirty="0"/>
-          </a:p>
-        </p:txBody>
-      </p:sp>
-      <p:sp>
-        <p:nvSpPr>
-          <p:cNvPr id="6" name="Content Placeholder 5"/>
-          <p:cNvSpPr>
-            <a:spLocks noGrp="1"/>
-          </p:cNvSpPr>
-          <p:nvPr>
-            <p:ph idx="1"/>
-          </p:nvPr>
-        </p:nvSpPr>
-        <p:spPr>
-          <a:xfrm>
-            <a:off x="1127760" y="1750918"/>
-            <a:ext cx="9936479" cy="354972"/>
-          </a:xfrm>
-        </p:spPr>
-        <p:txBody>
-          <a:bodyPr>
-            <a:normAutofit lnSpcReduction="10000"/>
-          </a:bodyPr>
-          <a:lstStyle/>
-          <a:p>
-            <a:r>
-              <a:rPr lang="en-US" sz="1800" dirty="0" err="1">
-                <a:effectLst/>
-                <a:latin typeface="Times New Roman" panose="02020603050405020304" pitchFamily="18" charset="0"/>
-                <a:ea typeface="DengXian" panose="02010600030101010101" pitchFamily="2" charset="-122"/>
-                <a:cs typeface="Times New Roman" panose="02020603050405020304" pitchFamily="18" charset="0"/>
-              </a:rPr>
-              <a:t>Aplikasi</a:t>
-            </a:r>
-            <a:r>
-              <a:rPr lang="en-US" sz="1800" dirty="0">
-                <a:effectLst/>
-                <a:latin typeface="Times New Roman" panose="02020603050405020304" pitchFamily="18" charset="0"/>
-                <a:ea typeface="DengXian" panose="02010600030101010101" pitchFamily="2" charset="-122"/>
-                <a:cs typeface="Times New Roman" panose="02020603050405020304" pitchFamily="18" charset="0"/>
-              </a:rPr>
-              <a:t> </a:t>
-            </a:r>
-            <a:r>
-              <a:rPr lang="en-US" sz="1800" dirty="0" err="1">
-                <a:effectLst/>
-                <a:latin typeface="Times New Roman" panose="02020603050405020304" pitchFamily="18" charset="0"/>
-                <a:ea typeface="DengXian" panose="02010600030101010101" pitchFamily="2" charset="-122"/>
-                <a:cs typeface="Times New Roman" panose="02020603050405020304" pitchFamily="18" charset="0"/>
-              </a:rPr>
-              <a:t>ini</a:t>
-            </a:r>
-            <a:r>
-              <a:rPr lang="en-US" sz="1800" dirty="0">
-                <a:effectLst/>
-                <a:latin typeface="Times New Roman" panose="02020603050405020304" pitchFamily="18" charset="0"/>
-                <a:ea typeface="DengXian" panose="02010600030101010101" pitchFamily="2" charset="-122"/>
-                <a:cs typeface="Times New Roman" panose="02020603050405020304" pitchFamily="18" charset="0"/>
-              </a:rPr>
-              <a:t> </a:t>
-            </a:r>
-            <a:r>
-              <a:rPr lang="en-US" sz="1800" dirty="0" err="1">
-                <a:effectLst/>
-                <a:latin typeface="Times New Roman" panose="02020603050405020304" pitchFamily="18" charset="0"/>
-                <a:ea typeface="DengXian" panose="02010600030101010101" pitchFamily="2" charset="-122"/>
-                <a:cs typeface="Times New Roman" panose="02020603050405020304" pitchFamily="18" charset="0"/>
-              </a:rPr>
-              <a:t>dipilih</a:t>
-            </a:r>
-            <a:r>
-              <a:rPr lang="en-US" sz="1800" dirty="0">
-                <a:effectLst/>
-                <a:latin typeface="Times New Roman" panose="02020603050405020304" pitchFamily="18" charset="0"/>
-                <a:ea typeface="DengXian" panose="02010600030101010101" pitchFamily="2" charset="-122"/>
-                <a:cs typeface="Times New Roman" panose="02020603050405020304" pitchFamily="18" charset="0"/>
-              </a:rPr>
-              <a:t> </a:t>
-            </a:r>
-            <a:r>
-              <a:rPr lang="en-US" sz="1800" dirty="0" err="1">
-                <a:effectLst/>
-                <a:latin typeface="Times New Roman" panose="02020603050405020304" pitchFamily="18" charset="0"/>
-                <a:ea typeface="DengXian" panose="02010600030101010101" pitchFamily="2" charset="-122"/>
-                <a:cs typeface="Times New Roman" panose="02020603050405020304" pitchFamily="18" charset="0"/>
-              </a:rPr>
-              <a:t>karena</a:t>
-            </a:r>
-            <a:r>
-              <a:rPr lang="en-US" sz="1800" dirty="0">
-                <a:effectLst/>
-                <a:latin typeface="Times New Roman" panose="02020603050405020304" pitchFamily="18" charset="0"/>
-                <a:ea typeface="DengXian" panose="02010600030101010101" pitchFamily="2" charset="-122"/>
-                <a:cs typeface="Times New Roman" panose="02020603050405020304" pitchFamily="18" charset="0"/>
-              </a:rPr>
-              <a:t> </a:t>
-            </a:r>
-            <a:r>
-              <a:rPr lang="en-US" sz="1800" dirty="0" err="1">
-                <a:effectLst/>
-                <a:latin typeface="Times New Roman" panose="02020603050405020304" pitchFamily="18" charset="0"/>
-                <a:ea typeface="DengXian" panose="02010600030101010101" pitchFamily="2" charset="-122"/>
-                <a:cs typeface="Times New Roman" panose="02020603050405020304" pitchFamily="18" charset="0"/>
-              </a:rPr>
-              <a:t>mudah</a:t>
-            </a:r>
-            <a:r>
-              <a:rPr lang="en-US" sz="1800" dirty="0">
-                <a:effectLst/>
-                <a:latin typeface="Times New Roman" panose="02020603050405020304" pitchFamily="18" charset="0"/>
-                <a:ea typeface="DengXian" panose="02010600030101010101" pitchFamily="2" charset="-122"/>
-                <a:cs typeface="Times New Roman" panose="02020603050405020304" pitchFamily="18" charset="0"/>
-              </a:rPr>
-              <a:t> </a:t>
-            </a:r>
-            <a:r>
-              <a:rPr lang="en-US" sz="1800" dirty="0" err="1">
-                <a:effectLst/>
-                <a:latin typeface="Times New Roman" panose="02020603050405020304" pitchFamily="18" charset="0"/>
-                <a:ea typeface="DengXian" panose="02010600030101010101" pitchFamily="2" charset="-122"/>
-                <a:cs typeface="Times New Roman" panose="02020603050405020304" pitchFamily="18" charset="0"/>
-              </a:rPr>
-              <a:t>diakses</a:t>
-            </a:r>
-            <a:r>
-              <a:rPr lang="en-US" sz="1800" dirty="0">
-                <a:effectLst/>
-                <a:latin typeface="Times New Roman" panose="02020603050405020304" pitchFamily="18" charset="0"/>
-                <a:ea typeface="DengXian" panose="02010600030101010101" pitchFamily="2" charset="-122"/>
-                <a:cs typeface="Times New Roman" panose="02020603050405020304" pitchFamily="18" charset="0"/>
-              </a:rPr>
-              <a:t> dan </a:t>
-            </a:r>
-            <a:r>
-              <a:rPr lang="en-US" sz="1800" dirty="0" err="1">
-                <a:effectLst/>
-                <a:latin typeface="Times New Roman" panose="02020603050405020304" pitchFamily="18" charset="0"/>
-                <a:ea typeface="DengXian" panose="02010600030101010101" pitchFamily="2" charset="-122"/>
-                <a:cs typeface="Times New Roman" panose="02020603050405020304" pitchFamily="18" charset="0"/>
-              </a:rPr>
-              <a:t>memiliki</a:t>
-            </a:r>
-            <a:r>
-              <a:rPr lang="en-US" sz="1800" dirty="0">
-                <a:effectLst/>
-                <a:latin typeface="Times New Roman" panose="02020603050405020304" pitchFamily="18" charset="0"/>
-                <a:ea typeface="DengXian" panose="02010600030101010101" pitchFamily="2" charset="-122"/>
-                <a:cs typeface="Times New Roman" panose="02020603050405020304" pitchFamily="18" charset="0"/>
-              </a:rPr>
-              <a:t> </a:t>
-            </a:r>
-            <a:r>
-              <a:rPr lang="en-US" sz="1800" dirty="0" err="1">
-                <a:effectLst/>
-                <a:latin typeface="Times New Roman" panose="02020603050405020304" pitchFamily="18" charset="0"/>
-                <a:ea typeface="DengXian" panose="02010600030101010101" pitchFamily="2" charset="-122"/>
-                <a:cs typeface="Times New Roman" panose="02020603050405020304" pitchFamily="18" charset="0"/>
-              </a:rPr>
-              <a:t>banyak</a:t>
-            </a:r>
-            <a:r>
-              <a:rPr lang="en-US" sz="1800" dirty="0">
-                <a:effectLst/>
-                <a:latin typeface="Times New Roman" panose="02020603050405020304" pitchFamily="18" charset="0"/>
-                <a:ea typeface="DengXian" panose="02010600030101010101" pitchFamily="2" charset="-122"/>
-                <a:cs typeface="Times New Roman" panose="02020603050405020304" pitchFamily="18" charset="0"/>
-              </a:rPr>
-              <a:t> </a:t>
-            </a:r>
-            <a:r>
-              <a:rPr lang="en-US" sz="1800" dirty="0" err="1">
-                <a:effectLst/>
-                <a:latin typeface="Times New Roman" panose="02020603050405020304" pitchFamily="18" charset="0"/>
-                <a:ea typeface="DengXian" panose="02010600030101010101" pitchFamily="2" charset="-122"/>
-                <a:cs typeface="Times New Roman" panose="02020603050405020304" pitchFamily="18" charset="0"/>
-              </a:rPr>
-              <a:t>jenis</a:t>
-            </a:r>
-            <a:r>
-              <a:rPr lang="en-US" sz="1800" dirty="0">
-                <a:effectLst/>
-                <a:latin typeface="Times New Roman" panose="02020603050405020304" pitchFamily="18" charset="0"/>
-                <a:ea typeface="DengXian" panose="02010600030101010101" pitchFamily="2" charset="-122"/>
-                <a:cs typeface="Times New Roman" panose="02020603050405020304" pitchFamily="18" charset="0"/>
-              </a:rPr>
-              <a:t> </a:t>
-            </a:r>
-            <a:r>
-              <a:rPr lang="en-US" sz="1800" dirty="0" err="1">
-                <a:effectLst/>
-                <a:latin typeface="Times New Roman" panose="02020603050405020304" pitchFamily="18" charset="0"/>
-                <a:ea typeface="DengXian" panose="02010600030101010101" pitchFamily="2" charset="-122"/>
-                <a:cs typeface="Times New Roman" panose="02020603050405020304" pitchFamily="18" charset="0"/>
-              </a:rPr>
-              <a:t>uml</a:t>
-            </a:r>
-            <a:r>
-              <a:rPr lang="en-US" sz="1800" dirty="0">
-                <a:effectLst/>
-                <a:latin typeface="Times New Roman" panose="02020603050405020304" pitchFamily="18" charset="0"/>
-                <a:ea typeface="DengXian" panose="02010600030101010101" pitchFamily="2" charset="-122"/>
-                <a:cs typeface="Times New Roman" panose="02020603050405020304" pitchFamily="18" charset="0"/>
-              </a:rPr>
-              <a:t> yang </a:t>
-            </a:r>
-            <a:r>
-              <a:rPr lang="en-US" sz="1800" dirty="0" err="1">
-                <a:effectLst/>
-                <a:latin typeface="Times New Roman" panose="02020603050405020304" pitchFamily="18" charset="0"/>
-                <a:ea typeface="DengXian" panose="02010600030101010101" pitchFamily="2" charset="-122"/>
-                <a:cs typeface="Times New Roman" panose="02020603050405020304" pitchFamily="18" charset="0"/>
-              </a:rPr>
-              <a:t>disediakan</a:t>
-            </a:r>
-            <a:r>
-              <a:rPr lang="en-US" sz="1800" dirty="0">
-                <a:effectLst/>
-                <a:latin typeface="Times New Roman" panose="02020603050405020304" pitchFamily="18" charset="0"/>
-                <a:ea typeface="DengXian" panose="02010600030101010101" pitchFamily="2" charset="-122"/>
-                <a:cs typeface="Times New Roman" panose="02020603050405020304" pitchFamily="18" charset="0"/>
-              </a:rPr>
-              <a:t>.</a:t>
-            </a:r>
-            <a:endParaRPr lang="id-ID" sz="1800" dirty="0">
-              <a:effectLst/>
-              <a:latin typeface="Times New Roman" panose="02020603050405020304" pitchFamily="18" charset="0"/>
-              <a:ea typeface="DengXian" panose="02010600030101010101" pitchFamily="2" charset="-122"/>
-              <a:cs typeface="Times New Roman" panose="02020603050405020304" pitchFamily="18" charset="0"/>
-            </a:endParaRPr>
-          </a:p>
-          <a:p>
-            <a:pPr marL="0" indent="0">
-              <a:buNone/>
-            </a:pPr>
-            <a:endParaRPr lang="id-ID" dirty="0"/>
+              <a:t>WIREFRAME : Admin</a:t>
+            </a:r>
+            <a:endParaRPr lang="en-ID" dirty="0"/>
           </a:p>
         </p:txBody>
       </p:sp>
       <p:pic>
         <p:nvPicPr>
-          <p:cNvPr id="9" name="Picture 8"/>
+          <p:cNvPr id="4" name="Picture 3"/>
           <p:cNvPicPr>
             <a:picLocks noChangeAspect="1"/>
           </p:cNvPicPr>
           <p:nvPr/>
         </p:nvPicPr>
         <p:blipFill>
-          <a:blip r:embed="rId1">
+          <a:blip r:embed="rId2" cstate="print">
             <a:extLst>
               <a:ext uri="{28A0092B-C50C-407E-A947-70E740481C1C}">
                 <a14:useLocalDpi xmlns:a14="http://schemas.microsoft.com/office/drawing/2010/main" val="0"/>
@@ -8823,8 +8517,8 @@
         </p:blipFill>
         <p:spPr>
           <a:xfrm>
-            <a:off x="1219199" y="2105890"/>
-            <a:ext cx="9936479" cy="4197926"/>
+            <a:off x="0" y="839561"/>
+            <a:ext cx="12192000" cy="5943463"/>
           </a:xfrm>
           <a:prstGeom prst="rect">
             <a:avLst/>
@@ -9112,6 +8806,8 @@
       </a:bgFillStyleLst>
     </a:fmtScheme>
   </a:themeElements>
+  <a:objectDefaults/>
+  <a:extraClrSchemeLst/>
   <a:extLst>
     <a:ext uri="{05A4C25C-085E-4340-85A3-A5531E510DB2}">
       <thm15:themeFamily xmlns:thm15="http://schemas.microsoft.com/office/thememl/2012/main" name="Office Theme" id="{62F939B6-93AF-4DB8-9C6B-D6C7DFDC589F}" vid="{4A3C46E8-61CC-4603-A589-7422A47A8E4A}"/>

--- a/Aplikasi Catalog Board Game.pptx
+++ b/Aplikasi Catalog Board Game.pptx
@@ -5,21 +5,21 @@
     <p:sldMasterId id="2147483648" r:id="rId1"/>
   </p:sldMasterIdLst>
   <p:sldIdLst>
-    <p:sldId id="256" r:id="rId3"/>
-    <p:sldId id="257" r:id="rId4"/>
-    <p:sldId id="269" r:id="rId5"/>
-    <p:sldId id="258" r:id="rId6"/>
-    <p:sldId id="259" r:id="rId7"/>
-    <p:sldId id="260" r:id="rId8"/>
-    <p:sldId id="270" r:id="rId9"/>
-    <p:sldId id="261" r:id="rId10"/>
-    <p:sldId id="266" r:id="rId11"/>
-    <p:sldId id="262" r:id="rId12"/>
-    <p:sldId id="268" r:id="rId13"/>
-    <p:sldId id="264" r:id="rId14"/>
-    <p:sldId id="281" r:id="rId15"/>
-    <p:sldId id="265" r:id="rId16"/>
-    <p:sldId id="263" r:id="rId17"/>
+    <p:sldId id="256" r:id="rId2"/>
+    <p:sldId id="257" r:id="rId3"/>
+    <p:sldId id="269" r:id="rId4"/>
+    <p:sldId id="258" r:id="rId5"/>
+    <p:sldId id="259" r:id="rId6"/>
+    <p:sldId id="260" r:id="rId7"/>
+    <p:sldId id="270" r:id="rId8"/>
+    <p:sldId id="261" r:id="rId9"/>
+    <p:sldId id="282" r:id="rId10"/>
+    <p:sldId id="262" r:id="rId11"/>
+    <p:sldId id="268" r:id="rId12"/>
+    <p:sldId id="264" r:id="rId13"/>
+    <p:sldId id="281" r:id="rId14"/>
+    <p:sldId id="265" r:id="rId15"/>
+    <p:sldId id="263" r:id="rId16"/>
   </p:sldIdLst>
   <p:sldSz cx="12192000" cy="6858000"/>
   <p:notesSz cx="6858000" cy="9144000"/>
@@ -131,23 +131,116 @@
             <p14:sldId id="260"/>
             <p14:sldId id="270"/>
             <p14:sldId id="261"/>
-            <p14:sldId id="266"/>
+            <p14:sldId id="282"/>
             <p14:sldId id="262"/>
             <p14:sldId id="268"/>
+            <p14:sldId id="264"/>
             <p14:sldId id="281"/>
             <p14:sldId id="265"/>
             <p14:sldId id="263"/>
-            <p14:sldId id="264"/>
           </p14:sldIdLst>
         </p14:section>
       </p14:sectionLst>
+    </p:ext>
+    <p:ext uri="{EFAFB233-063F-42B5-8137-9DF3F51BA10A}">
+      <p15:sldGuideLst xmlns:p15="http://schemas.microsoft.com/office/powerpoint/2012/main"/>
     </p:ext>
   </p:extLst>
 </p:presentation>
 </file>
 
+<file path=ppt/changesInfos/changesInfo1.xml><?xml version="1.0" encoding="utf-8"?>
+<pc:chgInfo xmlns:a="http://schemas.openxmlformats.org/drawingml/2006/main" xmlns:r="http://schemas.openxmlformats.org/officeDocument/2006/relationships" xmlns:ac="http://schemas.microsoft.com/office/drawing/2013/main/command" xmlns:pc="http://schemas.microsoft.com/office/powerpoint/2013/main/command">
+  <pc:docChgLst>
+    <pc:chgData name="alful falakh" userId="48e217df925ce595" providerId="LiveId" clId="{9AD53882-7CF3-4857-ADDC-F1BAE670FA97}"/>
+    <pc:docChg chg="undo custSel addSld delSld modSld modSection">
+      <pc:chgData name="alful falakh" userId="48e217df925ce595" providerId="LiveId" clId="{9AD53882-7CF3-4857-ADDC-F1BAE670FA97}" dt="2021-04-22T01:55:40.230" v="20" actId="14100"/>
+      <pc:docMkLst>
+        <pc:docMk/>
+      </pc:docMkLst>
+      <pc:sldChg chg="addSp delSp modSp mod">
+        <pc:chgData name="alful falakh" userId="48e217df925ce595" providerId="LiveId" clId="{9AD53882-7CF3-4857-ADDC-F1BAE670FA97}" dt="2021-04-22T01:55:25.808" v="17" actId="27636"/>
+        <pc:sldMkLst>
+          <pc:docMk/>
+          <pc:sldMk cId="0" sldId="261"/>
+        </pc:sldMkLst>
+        <pc:spChg chg="mod">
+          <ac:chgData name="alful falakh" userId="48e217df925ce595" providerId="LiveId" clId="{9AD53882-7CF3-4857-ADDC-F1BAE670FA97}" dt="2021-04-22T01:55:25.808" v="17" actId="27636"/>
+          <ac:spMkLst>
+            <pc:docMk/>
+            <pc:sldMk cId="0" sldId="261"/>
+            <ac:spMk id="3" creationId="{00000000-0000-0000-0000-000000000000}"/>
+          </ac:spMkLst>
+        </pc:spChg>
+        <pc:picChg chg="add del">
+          <ac:chgData name="alful falakh" userId="48e217df925ce595" providerId="LiveId" clId="{9AD53882-7CF3-4857-ADDC-F1BAE670FA97}" dt="2021-04-22T01:55:17.329" v="13" actId="21"/>
+          <ac:picMkLst>
+            <pc:docMk/>
+            <pc:sldMk cId="0" sldId="261"/>
+            <ac:picMk id="4" creationId="{00000000-0000-0000-0000-000000000000}"/>
+          </ac:picMkLst>
+        </pc:picChg>
+      </pc:sldChg>
+      <pc:sldChg chg="add del">
+        <pc:chgData name="alful falakh" userId="48e217df925ce595" providerId="LiveId" clId="{9AD53882-7CF3-4857-ADDC-F1BAE670FA97}" dt="2021-04-22T01:48:05.748" v="2" actId="47"/>
+        <pc:sldMkLst>
+          <pc:docMk/>
+          <pc:sldMk cId="0" sldId="266"/>
+        </pc:sldMkLst>
+      </pc:sldChg>
+      <pc:sldChg chg="addSp delSp modSp new mod">
+        <pc:chgData name="alful falakh" userId="48e217df925ce595" providerId="LiveId" clId="{9AD53882-7CF3-4857-ADDC-F1BAE670FA97}" dt="2021-04-22T01:55:40.230" v="20" actId="14100"/>
+        <pc:sldMkLst>
+          <pc:docMk/>
+          <pc:sldMk cId="2632789434" sldId="282"/>
+        </pc:sldMkLst>
+        <pc:spChg chg="del">
+          <ac:chgData name="alful falakh" userId="48e217df925ce595" providerId="LiveId" clId="{9AD53882-7CF3-4857-ADDC-F1BAE670FA97}" dt="2021-04-22T01:55:19.906" v="15"/>
+          <ac:spMkLst>
+            <pc:docMk/>
+            <pc:sldMk cId="2632789434" sldId="282"/>
+            <ac:spMk id="3" creationId="{7379CE27-0BCB-476F-971F-543EC1F459AA}"/>
+          </ac:spMkLst>
+        </pc:spChg>
+        <pc:picChg chg="add mod">
+          <ac:chgData name="alful falakh" userId="48e217df925ce595" providerId="LiveId" clId="{9AD53882-7CF3-4857-ADDC-F1BAE670FA97}" dt="2021-04-22T01:55:40.230" v="20" actId="14100"/>
+          <ac:picMkLst>
+            <pc:docMk/>
+            <pc:sldMk cId="2632789434" sldId="282"/>
+            <ac:picMk id="4" creationId="{0D8C9D5B-DF93-4F00-84FC-4CB94136B617}"/>
+          </ac:picMkLst>
+        </pc:picChg>
+      </pc:sldChg>
+      <pc:sldChg chg="addSp delSp modSp new del mod">
+        <pc:chgData name="alful falakh" userId="48e217df925ce595" providerId="LiveId" clId="{9AD53882-7CF3-4857-ADDC-F1BAE670FA97}" dt="2021-04-22T01:55:13.026" v="11" actId="680"/>
+        <pc:sldMkLst>
+          <pc:docMk/>
+          <pc:sldMk cId="2802726658" sldId="282"/>
+        </pc:sldMkLst>
+        <pc:spChg chg="add del mod">
+          <ac:chgData name="alful falakh" userId="48e217df925ce595" providerId="LiveId" clId="{9AD53882-7CF3-4857-ADDC-F1BAE670FA97}" dt="2021-04-22T01:55:11.419" v="10"/>
+          <ac:spMkLst>
+            <pc:docMk/>
+            <pc:sldMk cId="2802726658" sldId="282"/>
+            <ac:spMk id="3" creationId="{4049A915-85A5-453C-9B29-38A213C0D43D}"/>
+          </ac:spMkLst>
+        </pc:spChg>
+        <pc:picChg chg="add del mod">
+          <ac:chgData name="alful falakh" userId="48e217df925ce595" providerId="LiveId" clId="{9AD53882-7CF3-4857-ADDC-F1BAE670FA97}" dt="2021-04-22T01:55:06.977" v="8"/>
+          <ac:picMkLst>
+            <pc:docMk/>
+            <pc:sldMk cId="2802726658" sldId="282"/>
+            <ac:picMk id="4" creationId="{B2629CD0-1538-4B31-83C2-29D203D75B66}"/>
+          </ac:picMkLst>
+        </pc:picChg>
+      </pc:sldChg>
+    </pc:docChg>
+  </pc:docChgLst>
+</pc:chgInfo>
+</file>
+
 <file path=ppt/slideLayouts/slideLayout1.xml><?xml version="1.0" encoding="utf-8"?>
-<p:sldLayout xmlns:a="http://schemas.openxmlformats.org/drawingml/2006/main" xmlns:r="http://schemas.openxmlformats.org/officeDocument/2006/relationships" xmlns:p="http://schemas.openxmlformats.org/presentationml/2006/main" type="title" preserve="1" showMasterSp="0">
+<p:sldLayout xmlns:a="http://schemas.openxmlformats.org/drawingml/2006/main" xmlns:r="http://schemas.openxmlformats.org/officeDocument/2006/relationships" xmlns:p="http://schemas.openxmlformats.org/presentationml/2006/main" showMasterSp="0" type="title" preserve="1">
   <p:cSld name="Title Slide">
     <p:spTree>
       <p:nvGrpSpPr>
@@ -372,6 +465,7 @@
           <a:p>
             <a:fld id="{8F3A6B12-AECD-4200-AD56-B1EAEE23C800}" type="datetimeFigureOut">
               <a:rPr lang="en-ID" smtClean="0"/>
+              <a:t>22/04/2021</a:t>
             </a:fld>
             <a:endParaRPr lang="en-ID"/>
           </a:p>
@@ -413,6 +507,7 @@
           <a:p>
             <a:fld id="{0F8E723F-C053-47B0-8C6E-64A4070AD2D3}" type="slidenum">
               <a:rPr lang="en-ID" smtClean="0"/>
+              <a:t>‹#›</a:t>
             </a:fld>
             <a:endParaRPr lang="en-ID"/>
           </a:p>
@@ -524,7 +619,6 @@
               <a:rPr lang="en-US"/>
               <a:t>Click to edit Master text styles</a:t>
             </a:r>
-            <a:endParaRPr lang="en-US"/>
           </a:p>
           <a:p>
             <a:pPr lvl="1"/>
@@ -532,7 +626,6 @@
               <a:rPr lang="en-US"/>
               <a:t>Second level</a:t>
             </a:r>
-            <a:endParaRPr lang="en-US"/>
           </a:p>
           <a:p>
             <a:pPr lvl="2"/>
@@ -540,7 +633,6 @@
               <a:rPr lang="en-US"/>
               <a:t>Third level</a:t>
             </a:r>
-            <a:endParaRPr lang="en-US"/>
           </a:p>
           <a:p>
             <a:pPr lvl="3"/>
@@ -548,7 +640,6 @@
               <a:rPr lang="en-US"/>
               <a:t>Fourth level</a:t>
             </a:r>
-            <a:endParaRPr lang="en-US"/>
           </a:p>
           <a:p>
             <a:pPr lvl="4"/>
@@ -577,6 +668,7 @@
           <a:p>
             <a:fld id="{8F3A6B12-AECD-4200-AD56-B1EAEE23C800}" type="datetimeFigureOut">
               <a:rPr lang="en-ID" smtClean="0"/>
+              <a:t>22/04/2021</a:t>
             </a:fld>
             <a:endParaRPr lang="en-ID"/>
           </a:p>
@@ -618,6 +710,7 @@
           <a:p>
             <a:fld id="{0F8E723F-C053-47B0-8C6E-64A4070AD2D3}" type="slidenum">
               <a:rPr lang="en-ID" smtClean="0"/>
+              <a:t>‹#›</a:t>
             </a:fld>
             <a:endParaRPr lang="en-ID"/>
           </a:p>
@@ -632,7 +725,7 @@
 </file>
 
 <file path=ppt/slideLayouts/slideLayout11.xml><?xml version="1.0" encoding="utf-8"?>
-<p:sldLayout xmlns:a="http://schemas.openxmlformats.org/drawingml/2006/main" xmlns:r="http://schemas.openxmlformats.org/officeDocument/2006/relationships" xmlns:p="http://schemas.openxmlformats.org/presentationml/2006/main" type="vertTitleAndTx" preserve="1" showMasterSp="0">
+<p:sldLayout xmlns:a="http://schemas.openxmlformats.org/drawingml/2006/main" xmlns:r="http://schemas.openxmlformats.org/officeDocument/2006/relationships" xmlns:p="http://schemas.openxmlformats.org/presentationml/2006/main" showMasterSp="0" type="vertTitleAndTx" preserve="1">
   <p:cSld name="Vertical Title and Text">
     <p:spTree>
       <p:nvGrpSpPr>
@@ -777,7 +870,6 @@
               <a:rPr lang="en-US"/>
               <a:t>Click to edit Master text styles</a:t>
             </a:r>
-            <a:endParaRPr lang="en-US"/>
           </a:p>
           <a:p>
             <a:pPr lvl="1"/>
@@ -785,7 +877,6 @@
               <a:rPr lang="en-US"/>
               <a:t>Second level</a:t>
             </a:r>
-            <a:endParaRPr lang="en-US"/>
           </a:p>
           <a:p>
             <a:pPr lvl="2"/>
@@ -793,7 +884,6 @@
               <a:rPr lang="en-US"/>
               <a:t>Third level</a:t>
             </a:r>
-            <a:endParaRPr lang="en-US"/>
           </a:p>
           <a:p>
             <a:pPr lvl="3"/>
@@ -801,7 +891,6 @@
               <a:rPr lang="en-US"/>
               <a:t>Fourth level</a:t>
             </a:r>
-            <a:endParaRPr lang="en-US"/>
           </a:p>
           <a:p>
             <a:pPr lvl="4"/>
@@ -830,6 +919,7 @@
           <a:p>
             <a:fld id="{8F3A6B12-AECD-4200-AD56-B1EAEE23C800}" type="datetimeFigureOut">
               <a:rPr lang="en-ID" smtClean="0"/>
+              <a:t>22/04/2021</a:t>
             </a:fld>
             <a:endParaRPr lang="en-ID"/>
           </a:p>
@@ -871,6 +961,7 @@
           <a:p>
             <a:fld id="{0F8E723F-C053-47B0-8C6E-64A4070AD2D3}" type="slidenum">
               <a:rPr lang="en-ID" smtClean="0"/>
+              <a:t>‹#›</a:t>
             </a:fld>
             <a:endParaRPr lang="en-ID"/>
           </a:p>
@@ -948,7 +1039,6 @@
               <a:rPr lang="en-US"/>
               <a:t>Click to edit Master text styles</a:t>
             </a:r>
-            <a:endParaRPr lang="en-US"/>
           </a:p>
           <a:p>
             <a:pPr lvl="1"/>
@@ -956,7 +1046,6 @@
               <a:rPr lang="en-US"/>
               <a:t>Second level</a:t>
             </a:r>
-            <a:endParaRPr lang="en-US"/>
           </a:p>
           <a:p>
             <a:pPr lvl="2"/>
@@ -964,7 +1053,6 @@
               <a:rPr lang="en-US"/>
               <a:t>Third level</a:t>
             </a:r>
-            <a:endParaRPr lang="en-US"/>
           </a:p>
           <a:p>
             <a:pPr lvl="3"/>
@@ -972,7 +1060,6 @@
               <a:rPr lang="en-US"/>
               <a:t>Fourth level</a:t>
             </a:r>
-            <a:endParaRPr lang="en-US"/>
           </a:p>
           <a:p>
             <a:pPr lvl="4"/>
@@ -1001,6 +1088,7 @@
           <a:p>
             <a:fld id="{8F3A6B12-AECD-4200-AD56-B1EAEE23C800}" type="datetimeFigureOut">
               <a:rPr lang="en-ID" smtClean="0"/>
+              <a:t>22/04/2021</a:t>
             </a:fld>
             <a:endParaRPr lang="en-ID"/>
           </a:p>
@@ -1042,6 +1130,7 @@
           <a:p>
             <a:fld id="{0F8E723F-C053-47B0-8C6E-64A4070AD2D3}" type="slidenum">
               <a:rPr lang="en-ID" smtClean="0"/>
+              <a:t>‹#›</a:t>
             </a:fld>
             <a:endParaRPr lang="en-ID"/>
           </a:p>
@@ -1056,7 +1145,7 @@
 </file>
 
 <file path=ppt/slideLayouts/slideLayout3.xml><?xml version="1.0" encoding="utf-8"?>
-<p:sldLayout xmlns:a="http://schemas.openxmlformats.org/drawingml/2006/main" xmlns:r="http://schemas.openxmlformats.org/officeDocument/2006/relationships" xmlns:p="http://schemas.openxmlformats.org/presentationml/2006/main" type="secHead" preserve="1" showMasterSp="0">
+<p:sldLayout xmlns:a="http://schemas.openxmlformats.org/drawingml/2006/main" xmlns:r="http://schemas.openxmlformats.org/officeDocument/2006/relationships" xmlns:p="http://schemas.openxmlformats.org/presentationml/2006/main" showMasterSp="0" type="secHead" preserve="1">
   <p:cSld name="Section Header">
     <p:bg>
       <p:bgPr>
@@ -1317,7 +1406,6 @@
               <a:rPr lang="en-US"/>
               <a:t>Click to edit Master text styles</a:t>
             </a:r>
-            <a:endParaRPr lang="en-US"/>
           </a:p>
         </p:txBody>
       </p:sp>
@@ -1338,6 +1426,7 @@
           <a:p>
             <a:fld id="{8F3A6B12-AECD-4200-AD56-B1EAEE23C800}" type="datetimeFigureOut">
               <a:rPr lang="en-ID" smtClean="0"/>
+              <a:t>22/04/2021</a:t>
             </a:fld>
             <a:endParaRPr lang="en-ID"/>
           </a:p>
@@ -1379,6 +1468,7 @@
           <a:p>
             <a:fld id="{0F8E723F-C053-47B0-8C6E-64A4070AD2D3}" type="slidenum">
               <a:rPr lang="en-ID" smtClean="0"/>
+              <a:t>‹#›</a:t>
             </a:fld>
             <a:endParaRPr lang="en-ID"/>
           </a:p>
@@ -1500,7 +1590,6 @@
               <a:rPr lang="en-US"/>
               <a:t>Click to edit Master text styles</a:t>
             </a:r>
-            <a:endParaRPr lang="en-US"/>
           </a:p>
           <a:p>
             <a:pPr lvl="1"/>
@@ -1508,7 +1597,6 @@
               <a:rPr lang="en-US"/>
               <a:t>Second level</a:t>
             </a:r>
-            <a:endParaRPr lang="en-US"/>
           </a:p>
           <a:p>
             <a:pPr lvl="2"/>
@@ -1516,7 +1604,6 @@
               <a:rPr lang="en-US"/>
               <a:t>Third level</a:t>
             </a:r>
-            <a:endParaRPr lang="en-US"/>
           </a:p>
           <a:p>
             <a:pPr lvl="3"/>
@@ -1524,7 +1611,6 @@
               <a:rPr lang="en-US"/>
               <a:t>Fourth level</a:t>
             </a:r>
-            <a:endParaRPr lang="en-US"/>
           </a:p>
           <a:p>
             <a:pPr lvl="4"/>
@@ -1561,7 +1647,6 @@
               <a:rPr lang="en-US"/>
               <a:t>Click to edit Master text styles</a:t>
             </a:r>
-            <a:endParaRPr lang="en-US"/>
           </a:p>
           <a:p>
             <a:pPr lvl="1"/>
@@ -1569,7 +1654,6 @@
               <a:rPr lang="en-US"/>
               <a:t>Second level</a:t>
             </a:r>
-            <a:endParaRPr lang="en-US"/>
           </a:p>
           <a:p>
             <a:pPr lvl="2"/>
@@ -1577,7 +1661,6 @@
               <a:rPr lang="en-US"/>
               <a:t>Third level</a:t>
             </a:r>
-            <a:endParaRPr lang="en-US"/>
           </a:p>
           <a:p>
             <a:pPr lvl="3"/>
@@ -1585,7 +1668,6 @@
               <a:rPr lang="en-US"/>
               <a:t>Fourth level</a:t>
             </a:r>
-            <a:endParaRPr lang="en-US"/>
           </a:p>
           <a:p>
             <a:pPr lvl="4"/>
@@ -1614,6 +1696,7 @@
           <a:p>
             <a:fld id="{8F3A6B12-AECD-4200-AD56-B1EAEE23C800}" type="datetimeFigureOut">
               <a:rPr lang="en-ID" smtClean="0"/>
+              <a:t>22/04/2021</a:t>
             </a:fld>
             <a:endParaRPr lang="en-ID"/>
           </a:p>
@@ -1655,6 +1738,7 @@
           <a:p>
             <a:fld id="{0F8E723F-C053-47B0-8C6E-64A4070AD2D3}" type="slidenum">
               <a:rPr lang="en-ID" smtClean="0"/>
+              <a:t>‹#›</a:t>
             </a:fld>
             <a:endParaRPr lang="en-ID"/>
           </a:p>
@@ -1781,7 +1865,6 @@
               <a:rPr lang="en-US"/>
               <a:t>Click to edit Master text styles</a:t>
             </a:r>
-            <a:endParaRPr lang="en-US"/>
           </a:p>
         </p:txBody>
       </p:sp>
@@ -1810,7 +1893,6 @@
               <a:rPr lang="en-US"/>
               <a:t>Click to edit Master text styles</a:t>
             </a:r>
-            <a:endParaRPr lang="en-US"/>
           </a:p>
           <a:p>
             <a:pPr lvl="1"/>
@@ -1818,7 +1900,6 @@
               <a:rPr lang="en-US"/>
               <a:t>Second level</a:t>
             </a:r>
-            <a:endParaRPr lang="en-US"/>
           </a:p>
           <a:p>
             <a:pPr lvl="2"/>
@@ -1826,7 +1907,6 @@
               <a:rPr lang="en-US"/>
               <a:t>Third level</a:t>
             </a:r>
-            <a:endParaRPr lang="en-US"/>
           </a:p>
           <a:p>
             <a:pPr lvl="3"/>
@@ -1834,7 +1914,6 @@
               <a:rPr lang="en-US"/>
               <a:t>Fourth level</a:t>
             </a:r>
-            <a:endParaRPr lang="en-US"/>
           </a:p>
           <a:p>
             <a:pPr lvl="4"/>
@@ -1914,7 +1993,6 @@
               <a:rPr lang="en-US"/>
               <a:t>Click to edit Master text styles</a:t>
             </a:r>
-            <a:endParaRPr lang="en-US"/>
           </a:p>
         </p:txBody>
       </p:sp>
@@ -1943,7 +2021,6 @@
               <a:rPr lang="en-US"/>
               <a:t>Click to edit Master text styles</a:t>
             </a:r>
-            <a:endParaRPr lang="en-US"/>
           </a:p>
           <a:p>
             <a:pPr lvl="1"/>
@@ -1951,7 +2028,6 @@
               <a:rPr lang="en-US"/>
               <a:t>Second level</a:t>
             </a:r>
-            <a:endParaRPr lang="en-US"/>
           </a:p>
           <a:p>
             <a:pPr lvl="2"/>
@@ -1959,7 +2035,6 @@
               <a:rPr lang="en-US"/>
               <a:t>Third level</a:t>
             </a:r>
-            <a:endParaRPr lang="en-US"/>
           </a:p>
           <a:p>
             <a:pPr lvl="3"/>
@@ -1967,7 +2042,6 @@
               <a:rPr lang="en-US"/>
               <a:t>Fourth level</a:t>
             </a:r>
-            <a:endParaRPr lang="en-US"/>
           </a:p>
           <a:p>
             <a:pPr lvl="4"/>
@@ -1996,6 +2070,7 @@
           <a:p>
             <a:fld id="{8F3A6B12-AECD-4200-AD56-B1EAEE23C800}" type="datetimeFigureOut">
               <a:rPr lang="en-ID" smtClean="0"/>
+              <a:t>22/04/2021</a:t>
             </a:fld>
             <a:endParaRPr lang="en-ID"/>
           </a:p>
@@ -2037,6 +2112,7 @@
           <a:p>
             <a:fld id="{0F8E723F-C053-47B0-8C6E-64A4070AD2D3}" type="slidenum">
               <a:rPr lang="en-ID" smtClean="0"/>
+              <a:t>‹#›</a:t>
             </a:fld>
             <a:endParaRPr lang="en-ID"/>
           </a:p>
@@ -2107,6 +2183,7 @@
           <a:p>
             <a:fld id="{8F3A6B12-AECD-4200-AD56-B1EAEE23C800}" type="datetimeFigureOut">
               <a:rPr lang="en-ID" smtClean="0"/>
+              <a:t>22/04/2021</a:t>
             </a:fld>
             <a:endParaRPr lang="en-ID"/>
           </a:p>
@@ -2148,6 +2225,7 @@
           <a:p>
             <a:fld id="{0F8E723F-C053-47B0-8C6E-64A4070AD2D3}" type="slidenum">
               <a:rPr lang="en-ID" smtClean="0"/>
+              <a:t>‹#›</a:t>
             </a:fld>
             <a:endParaRPr lang="en-ID"/>
           </a:p>
@@ -2162,7 +2240,7 @@
 </file>
 
 <file path=ppt/slideLayouts/slideLayout7.xml><?xml version="1.0" encoding="utf-8"?>
-<p:sldLayout xmlns:a="http://schemas.openxmlformats.org/drawingml/2006/main" xmlns:r="http://schemas.openxmlformats.org/officeDocument/2006/relationships" xmlns:p="http://schemas.openxmlformats.org/presentationml/2006/main" type="blank" preserve="1" showMasterSp="0">
+<p:sldLayout xmlns:a="http://schemas.openxmlformats.org/drawingml/2006/main" xmlns:r="http://schemas.openxmlformats.org/officeDocument/2006/relationships" xmlns:p="http://schemas.openxmlformats.org/presentationml/2006/main" showMasterSp="0" type="blank" preserve="1">
   <p:cSld name="Blank">
     <p:spTree>
       <p:nvGrpSpPr>
@@ -2271,6 +2349,7 @@
           <a:p>
             <a:fld id="{8F3A6B12-AECD-4200-AD56-B1EAEE23C800}" type="datetimeFigureOut">
               <a:rPr lang="en-ID" smtClean="0"/>
+              <a:t>22/04/2021</a:t>
             </a:fld>
             <a:endParaRPr lang="en-ID"/>
           </a:p>
@@ -2320,6 +2399,7 @@
           <a:p>
             <a:fld id="{0F8E723F-C053-47B0-8C6E-64A4070AD2D3}" type="slidenum">
               <a:rPr lang="en-ID" smtClean="0"/>
+              <a:t>‹#›</a:t>
             </a:fld>
             <a:endParaRPr lang="en-ID"/>
           </a:p>
@@ -2334,7 +2414,7 @@
 </file>
 
 <file path=ppt/slideLayouts/slideLayout8.xml><?xml version="1.0" encoding="utf-8"?>
-<p:sldLayout xmlns:a="http://schemas.openxmlformats.org/drawingml/2006/main" xmlns:r="http://schemas.openxmlformats.org/officeDocument/2006/relationships" xmlns:p="http://schemas.openxmlformats.org/presentationml/2006/main" type="objTx" preserve="1" showMasterSp="0">
+<p:sldLayout xmlns:a="http://schemas.openxmlformats.org/drawingml/2006/main" xmlns:r="http://schemas.openxmlformats.org/officeDocument/2006/relationships" xmlns:p="http://schemas.openxmlformats.org/presentationml/2006/main" showMasterSp="0" type="objTx" preserve="1">
   <p:cSld name="Content with Caption">
     <p:spTree>
       <p:nvGrpSpPr>
@@ -2489,7 +2569,6 @@
               <a:rPr lang="en-US"/>
               <a:t>Click to edit Master text styles</a:t>
             </a:r>
-            <a:endParaRPr lang="en-US"/>
           </a:p>
           <a:p>
             <a:pPr lvl="1"/>
@@ -2497,7 +2576,6 @@
               <a:rPr lang="en-US"/>
               <a:t>Second level</a:t>
             </a:r>
-            <a:endParaRPr lang="en-US"/>
           </a:p>
           <a:p>
             <a:pPr lvl="2"/>
@@ -2505,7 +2583,6 @@
               <a:rPr lang="en-US"/>
               <a:t>Third level</a:t>
             </a:r>
-            <a:endParaRPr lang="en-US"/>
           </a:p>
           <a:p>
             <a:pPr lvl="3"/>
@@ -2513,7 +2590,6 @@
               <a:rPr lang="en-US"/>
               <a:t>Fourth level</a:t>
             </a:r>
-            <a:endParaRPr lang="en-US"/>
           </a:p>
           <a:p>
             <a:pPr lvl="4"/>
@@ -2593,7 +2669,6 @@
               <a:rPr lang="en-US"/>
               <a:t>Click to edit Master text styles</a:t>
             </a:r>
-            <a:endParaRPr lang="en-US"/>
           </a:p>
         </p:txBody>
       </p:sp>
@@ -2623,6 +2698,7 @@
           <a:p>
             <a:fld id="{8F3A6B12-AECD-4200-AD56-B1EAEE23C800}" type="datetimeFigureOut">
               <a:rPr lang="en-ID" smtClean="0"/>
+              <a:t>22/04/2021</a:t>
             </a:fld>
             <a:endParaRPr lang="en-ID"/>
           </a:p>
@@ -2685,6 +2761,7 @@
           <a:p>
             <a:fld id="{0F8E723F-C053-47B0-8C6E-64A4070AD2D3}" type="slidenum">
               <a:rPr lang="en-ID" smtClean="0"/>
+              <a:t>‹#›</a:t>
             </a:fld>
             <a:endParaRPr lang="en-ID"/>
           </a:p>
@@ -2699,7 +2776,7 @@
 </file>
 
 <file path=ppt/slideLayouts/slideLayout9.xml><?xml version="1.0" encoding="utf-8"?>
-<p:sldLayout xmlns:a="http://schemas.openxmlformats.org/drawingml/2006/main" xmlns:r="http://schemas.openxmlformats.org/officeDocument/2006/relationships" xmlns:p="http://schemas.openxmlformats.org/presentationml/2006/main" type="picTx" preserve="1" showMasterSp="0">
+<p:sldLayout xmlns:a="http://schemas.openxmlformats.org/drawingml/2006/main" xmlns:r="http://schemas.openxmlformats.org/officeDocument/2006/relationships" xmlns:p="http://schemas.openxmlformats.org/presentationml/2006/main" showMasterSp="0" type="picTx" preserve="1">
   <p:cSld name="Picture with Caption">
     <p:spTree>
       <p:nvGrpSpPr>
@@ -2978,7 +3055,6 @@
               <a:rPr lang="en-US"/>
               <a:t>Click to edit Master text styles</a:t>
             </a:r>
-            <a:endParaRPr lang="en-US"/>
           </a:p>
         </p:txBody>
       </p:sp>
@@ -2999,6 +3075,7 @@
           <a:p>
             <a:fld id="{8F3A6B12-AECD-4200-AD56-B1EAEE23C800}" type="datetimeFigureOut">
               <a:rPr lang="en-ID" smtClean="0"/>
+              <a:t>22/04/2021</a:t>
             </a:fld>
             <a:endParaRPr lang="en-ID"/>
           </a:p>
@@ -3040,6 +3117,7 @@
           <a:p>
             <a:fld id="{0F8E723F-C053-47B0-8C6E-64A4070AD2D3}" type="slidenum">
               <a:rPr lang="en-ID" smtClean="0"/>
+              <a:t>‹#›</a:t>
             </a:fld>
             <a:endParaRPr lang="en-ID"/>
           </a:p>
@@ -3214,7 +3292,6 @@
               <a:rPr lang="en-US"/>
               <a:t>Click to edit Master text styles</a:t>
             </a:r>
-            <a:endParaRPr lang="en-US"/>
           </a:p>
           <a:p>
             <a:pPr lvl="1"/>
@@ -3222,7 +3299,6 @@
               <a:rPr lang="en-US"/>
               <a:t>Second level</a:t>
             </a:r>
-            <a:endParaRPr lang="en-US"/>
           </a:p>
           <a:p>
             <a:pPr lvl="2"/>
@@ -3230,7 +3306,6 @@
               <a:rPr lang="en-US"/>
               <a:t>Third level</a:t>
             </a:r>
-            <a:endParaRPr lang="en-US"/>
           </a:p>
           <a:p>
             <a:pPr lvl="3"/>
@@ -3238,7 +3313,6 @@
               <a:rPr lang="en-US"/>
               <a:t>Fourth level</a:t>
             </a:r>
-            <a:endParaRPr lang="en-US"/>
           </a:p>
           <a:p>
             <a:pPr lvl="4"/>
@@ -3283,6 +3357,7 @@
           <a:p>
             <a:fld id="{8F3A6B12-AECD-4200-AD56-B1EAEE23C800}" type="datetimeFigureOut">
               <a:rPr lang="en-ID" smtClean="0"/>
+              <a:t>22/04/2021</a:t>
             </a:fld>
             <a:endParaRPr lang="en-ID"/>
           </a:p>
@@ -3356,6 +3431,7 @@
           <a:p>
             <a:fld id="{0F8E723F-C053-47B0-8C6E-64A4070AD2D3}" type="slidenum">
               <a:rPr lang="en-ID" smtClean="0"/>
+              <a:t>‹#›</a:t>
             </a:fld>
             <a:endParaRPr lang="en-ID"/>
           </a:p>
@@ -3893,7 +3969,6 @@
               <a:rPr lang="id-ID" dirty="0"/>
               <a:t> :</a:t>
             </a:r>
-            <a:endParaRPr lang="id-ID" dirty="0"/>
           </a:p>
           <a:p>
             <a:pPr lvl="0"/>
@@ -4090,7 +4165,7 @@
           <p:nvPr/>
         </p:nvPicPr>
         <p:blipFill>
-          <a:blip r:embed="rId1">
+          <a:blip r:embed="rId2">
             <a:extLst>
               <a:ext uri="{28A0092B-C50C-407E-A947-70E740481C1C}">
                 <a14:useLocalDpi xmlns:a14="http://schemas.microsoft.com/office/drawing/2010/main" val="0"/>
@@ -4173,7 +4248,7 @@
           <p:nvPr/>
         </p:nvPicPr>
         <p:blipFill>
-          <a:blip r:embed="rId1">
+          <a:blip r:embed="rId2">
             <a:extLst>
               <a:ext uri="{28A0092B-C50C-407E-A947-70E740481C1C}">
                 <a14:useLocalDpi xmlns:a14="http://schemas.microsoft.com/office/drawing/2010/main" val="0"/>
@@ -4247,7 +4322,6 @@
               <a:rPr lang="id-ID" dirty="0"/>
               <a:t>OCKUP</a:t>
             </a:r>
-            <a:endParaRPr lang="id-ID" dirty="0"/>
           </a:p>
         </p:txBody>
       </p:sp>
@@ -4262,7 +4336,7 @@
           </p:nvPr>
         </p:nvPicPr>
         <p:blipFill>
-          <a:blip r:embed="rId1">
+          <a:blip r:embed="rId2">
             <a:extLst>
               <a:ext uri="{28A0092B-C50C-407E-A947-70E740481C1C}">
                 <a14:useLocalDpi xmlns:a14="http://schemas.microsoft.com/office/drawing/2010/main" val="0"/>
@@ -4289,7 +4363,7 @@
           <p:nvPr/>
         </p:nvPicPr>
         <p:blipFill>
-          <a:blip r:embed="rId2">
+          <a:blip r:embed="rId3">
             <a:extLst>
               <a:ext uri="{28A0092B-C50C-407E-A947-70E740481C1C}">
                 <a14:useLocalDpi xmlns:a14="http://schemas.microsoft.com/office/drawing/2010/main" val="0"/>
@@ -4319,7 +4393,7 @@
           <p:nvPr/>
         </p:nvPicPr>
         <p:blipFill>
-          <a:blip r:embed="rId3">
+          <a:blip r:embed="rId4">
             <a:extLst>
               <a:ext uri="{28A0092B-C50C-407E-A947-70E740481C1C}">
                 <a14:useLocalDpi xmlns:a14="http://schemas.microsoft.com/office/drawing/2010/main" val="0"/>
@@ -4349,7 +4423,7 @@
           <p:nvPr/>
         </p:nvPicPr>
         <p:blipFill>
-          <a:blip r:embed="rId4"/>
+          <a:blip r:embed="rId5"/>
           <a:stretch>
             <a:fillRect/>
           </a:stretch>
@@ -4373,7 +4447,7 @@
           <p:nvPr/>
         </p:nvPicPr>
         <p:blipFill>
-          <a:blip r:embed="rId5"/>
+          <a:blip r:embed="rId6"/>
           <a:stretch>
             <a:fillRect/>
           </a:stretch>
@@ -4405,7 +4479,14 @@
         <p:cNvGrpSpPr/>
         <p:nvPr/>
       </p:nvGrpSpPr>
-      <p:grpSpPr/>
+      <p:grpSpPr>
+        <a:xfrm>
+          <a:off x="0" y="0"/>
+          <a:ext cx="0" cy="0"/>
+          <a:chOff x="0" y="0"/>
+          <a:chExt cx="0" cy="0"/>
+        </a:xfrm>
+      </p:grpSpPr>
       <p:pic>
         <p:nvPicPr>
           <p:cNvPr id="4" name="Picture 3" descr="Daftar Game"/>
@@ -4415,7 +4496,7 @@
           <p:nvPr/>
         </p:nvPicPr>
         <p:blipFill>
-          <a:blip r:embed="rId1"/>
+          <a:blip r:embed="rId2"/>
           <a:stretch>
             <a:fillRect/>
           </a:stretch>
@@ -4439,7 +4520,7 @@
           <p:nvPr/>
         </p:nvPicPr>
         <p:blipFill>
-          <a:blip r:embed="rId2"/>
+          <a:blip r:embed="rId3"/>
           <a:stretch>
             <a:fillRect/>
           </a:stretch>
@@ -4463,7 +4544,7 @@
           <p:nvPr/>
         </p:nvPicPr>
         <p:blipFill>
-          <a:blip r:embed="rId3"/>
+          <a:blip r:embed="rId4"/>
           <a:stretch>
             <a:fillRect/>
           </a:stretch>
@@ -4487,7 +4568,7 @@
           <p:nvPr/>
         </p:nvPicPr>
         <p:blipFill>
-          <a:blip r:embed="rId4"/>
+          <a:blip r:embed="rId5"/>
           <a:stretch>
             <a:fillRect/>
           </a:stretch>
@@ -4511,7 +4592,7 @@
           <p:nvPr/>
         </p:nvPicPr>
         <p:blipFill>
-          <a:blip r:embed="rId5"/>
+          <a:blip r:embed="rId6"/>
           <a:stretch>
             <a:fillRect/>
           </a:stretch>
@@ -4560,7 +4641,7 @@
           <p:nvPr/>
         </p:nvPicPr>
         <p:blipFill>
-          <a:blip r:embed="rId1"/>
+          <a:blip r:embed="rId2"/>
           <a:stretch>
             <a:fillRect/>
           </a:stretch>
@@ -4584,7 +4665,7 @@
           <p:nvPr/>
         </p:nvPicPr>
         <p:blipFill>
-          <a:blip r:embed="rId2"/>
+          <a:blip r:embed="rId3"/>
           <a:stretch>
             <a:fillRect/>
           </a:stretch>
@@ -4608,7 +4689,7 @@
           <p:nvPr/>
         </p:nvPicPr>
         <p:blipFill>
-          <a:blip r:embed="rId3"/>
+          <a:blip r:embed="rId4"/>
           <a:stretch>
             <a:fillRect/>
           </a:stretch>
@@ -4632,7 +4713,7 @@
           <p:nvPr/>
         </p:nvPicPr>
         <p:blipFill>
-          <a:blip r:embed="rId4"/>
+          <a:blip r:embed="rId5"/>
           <a:stretch>
             <a:fillRect/>
           </a:stretch>
@@ -5927,9 +6008,6 @@
               </a:rPr>
               <a:t> 4</a:t>
             </a:r>
-            <a:endParaRPr lang="en-US" sz="1900" dirty="0">
-              <a:latin typeface="Calibri (Body)"/>
-            </a:endParaRPr>
           </a:p>
           <a:p>
             <a:pPr marL="457200" lvl="1" indent="0" algn="just">
@@ -6060,11 +6138,6 @@
               </a:rPr>
               <a:t> Analyst	: Muhammad Alful Falakh</a:t>
             </a:r>
-            <a:endParaRPr lang="en-US" sz="1900" dirty="0">
-              <a:latin typeface="Calibri (Body)"/>
-              <a:ea typeface="DengXian" panose="02010600030101010101" pitchFamily="2" charset="-122"/>
-              <a:cs typeface="Times New Roman" panose="02020603050405020304" pitchFamily="18" charset="0"/>
-            </a:endParaRPr>
           </a:p>
           <a:p>
             <a:pPr marL="457200" lvl="1" indent="0" algn="just">
@@ -6279,7 +6352,6 @@
               <a:rPr lang="id-ID" dirty="0"/>
               <a:t>OGO</a:t>
             </a:r>
-            <a:endParaRPr lang="id-ID" dirty="0"/>
           </a:p>
         </p:txBody>
       </p:sp>
@@ -6294,7 +6366,7 @@
           </p:nvPr>
         </p:nvPicPr>
         <p:blipFill>
-          <a:blip r:embed="rId1">
+          <a:blip r:embed="rId2">
             <a:extLst>
               <a:ext uri="{28A0092B-C50C-407E-A947-70E740481C1C}">
                 <a14:useLocalDpi xmlns:a14="http://schemas.microsoft.com/office/drawing/2010/main" val="0"/>
@@ -7175,7 +7247,7 @@
           </p:nvPr>
         </p:nvPicPr>
         <p:blipFill>
-          <a:blip r:embed="rId1">
+          <a:blip r:embed="rId2">
             <a:extLst>
               <a:ext uri="{28A0092B-C50C-407E-A947-70E740481C1C}">
                 <a14:useLocalDpi xmlns:a14="http://schemas.microsoft.com/office/drawing/2010/main" val="0"/>
@@ -7296,7 +7368,7 @@
           </p:nvPr>
         </p:nvPicPr>
         <p:blipFill>
-          <a:blip r:embed="rId1">
+          <a:blip r:embed="rId2">
             <a:extLst>
               <a:ext uri="{28A0092B-C50C-407E-A947-70E740481C1C}">
                 <a14:useLocalDpi xmlns:a14="http://schemas.microsoft.com/office/drawing/2010/main" val="0"/>
@@ -7367,7 +7439,6 @@
               <a:rPr lang="id-ID" dirty="0"/>
               <a:t>ENUGASAN</a:t>
             </a:r>
-            <a:endParaRPr lang="id-ID" dirty="0"/>
           </a:p>
         </p:txBody>
       </p:sp>
@@ -7392,9 +7463,27 @@
                 <a:tableStyleId>{5C22544A-7EE6-4342-B048-85BDC9FD1C3A}</a:tableStyleId>
               </a:tblPr>
               <a:tblGrid>
-                <a:gridCol w="1932104"/>
-                <a:gridCol w="3960813"/>
-                <a:gridCol w="4057418"/>
+                <a:gridCol w="1932104">
+                  <a:extLst>
+                    <a:ext uri="{9D8B030D-6E8A-4147-A177-3AD203B41FA5}">
+                      <a16:colId xmlns:a16="http://schemas.microsoft.com/office/drawing/2014/main" val="20000"/>
+                    </a:ext>
+                  </a:extLst>
+                </a:gridCol>
+                <a:gridCol w="3960813">
+                  <a:extLst>
+                    <a:ext uri="{9D8B030D-6E8A-4147-A177-3AD203B41FA5}">
+                      <a16:colId xmlns:a16="http://schemas.microsoft.com/office/drawing/2014/main" val="20001"/>
+                    </a:ext>
+                  </a:extLst>
+                </a:gridCol>
+                <a:gridCol w="4057418">
+                  <a:extLst>
+                    <a:ext uri="{9D8B030D-6E8A-4147-A177-3AD203B41FA5}">
+                      <a16:colId xmlns:a16="http://schemas.microsoft.com/office/drawing/2014/main" val="20002"/>
+                    </a:ext>
+                  </a:extLst>
+                </a:gridCol>
               </a:tblGrid>
               <a:tr h="483250">
                 <a:tc>
@@ -7472,6 +7561,11 @@
                   </a:txBody>
                   <a:tcPr marL="68580" marR="68580" marT="0" marB="0" anchor="ctr"/>
                 </a:tc>
+                <a:extLst>
+                  <a:ext uri="{0D108BD9-81ED-4DB2-BD59-A6C34878D82A}">
+                    <a16:rowId xmlns:a16="http://schemas.microsoft.com/office/drawing/2014/main" val="10000"/>
+                  </a:ext>
+                </a:extLst>
               </a:tr>
               <a:tr h="728102">
                 <a:tc>
@@ -7595,6 +7689,11 @@
                   </a:txBody>
                   <a:tcPr marL="68580" marR="68580" marT="0" marB="0"/>
                 </a:tc>
+                <a:extLst>
+                  <a:ext uri="{0D108BD9-81ED-4DB2-BD59-A6C34878D82A}">
+                    <a16:rowId xmlns:a16="http://schemas.microsoft.com/office/drawing/2014/main" val="10001"/>
+                  </a:ext>
+                </a:extLst>
               </a:tr>
               <a:tr h="976119">
                 <a:tc>
@@ -7742,6 +7841,11 @@
                   </a:txBody>
                   <a:tcPr marL="68580" marR="68580" marT="0" marB="0"/>
                 </a:tc>
+                <a:extLst>
+                  <a:ext uri="{0D108BD9-81ED-4DB2-BD59-A6C34878D82A}">
+                    <a16:rowId xmlns:a16="http://schemas.microsoft.com/office/drawing/2014/main" val="10002"/>
+                  </a:ext>
+                </a:extLst>
               </a:tr>
               <a:tr h="480085">
                 <a:tc>
@@ -7821,6 +7925,11 @@
                   </a:txBody>
                   <a:tcPr marL="68580" marR="68580" marT="0" marB="0"/>
                 </a:tc>
+                <a:extLst>
+                  <a:ext uri="{0D108BD9-81ED-4DB2-BD59-A6C34878D82A}">
+                    <a16:rowId xmlns:a16="http://schemas.microsoft.com/office/drawing/2014/main" val="10003"/>
+                  </a:ext>
+                </a:extLst>
               </a:tr>
               <a:tr h="1472155">
                 <a:tc>
@@ -8090,6 +8199,11 @@
                   </a:txBody>
                   <a:tcPr marL="68580" marR="68580" marT="0" marB="0"/>
                 </a:tc>
+                <a:extLst>
+                  <a:ext uri="{0D108BD9-81ED-4DB2-BD59-A6C34878D82A}">
+                    <a16:rowId xmlns:a16="http://schemas.microsoft.com/office/drawing/2014/main" val="10004"/>
+                  </a:ext>
+                </a:extLst>
               </a:tr>
             </a:tbl>
           </a:graphicData>
@@ -8169,7 +8283,7 @@
         <p:spPr>
           <a:xfrm>
             <a:off x="1212697" y="1747952"/>
-            <a:ext cx="9942983" cy="635313"/>
+            <a:ext cx="9942983" cy="3942634"/>
           </a:xfrm>
         </p:spPr>
         <p:txBody>
@@ -8178,291 +8292,1253 @@
           </a:bodyPr>
           <a:lstStyle/>
           <a:p>
-            <a:pPr marL="0" indent="0">
-              <a:buNone/>
+            <a:pPr marL="0" marR="0" indent="457200" algn="just">
+              <a:lnSpc>
+                <a:spcPct val="150000"/>
+              </a:lnSpc>
+              <a:spcBef>
+                <a:spcPts val="0"/>
+              </a:spcBef>
+              <a:spcAft>
+                <a:spcPts val="800"/>
+              </a:spcAft>
             </a:pPr>
             <a:r>
               <a:rPr lang="en-US" sz="1800" dirty="0">
                 <a:effectLst/>
-                <a:latin typeface="Times New Roman" panose="02020603050405020304" pitchFamily="18" charset="0"/>
-                <a:ea typeface="DengXian" panose="02010600030101010101" pitchFamily="2" charset="-122"/>
-                <a:cs typeface="Times New Roman" panose="02020603050405020304" pitchFamily="18" charset="0"/>
+                <a:latin typeface="Arial" panose="020B0604020202020204" pitchFamily="34" charset="0"/>
+                <a:ea typeface="DengXian" panose="02010600030101010101" pitchFamily="2" charset="-122"/>
+                <a:cs typeface="Arial" panose="020B0604020202020204" pitchFamily="34" charset="0"/>
               </a:rPr>
               <a:t>Tools </a:t>
             </a:r>
             <a:r>
               <a:rPr lang="en-US" sz="1800" dirty="0" err="1">
                 <a:effectLst/>
-                <a:latin typeface="Times New Roman" panose="02020603050405020304" pitchFamily="18" charset="0"/>
-                <a:ea typeface="DengXian" panose="02010600030101010101" pitchFamily="2" charset="-122"/>
-                <a:cs typeface="Times New Roman" panose="02020603050405020304" pitchFamily="18" charset="0"/>
+                <a:latin typeface="Arial" panose="020B0604020202020204" pitchFamily="34" charset="0"/>
+                <a:ea typeface="DengXian" panose="02010600030101010101" pitchFamily="2" charset="-122"/>
+                <a:cs typeface="Arial" panose="020B0604020202020204" pitchFamily="34" charset="0"/>
               </a:rPr>
               <a:t>ini</a:t>
             </a:r>
             <a:r>
               <a:rPr lang="en-US" sz="1800" dirty="0">
                 <a:effectLst/>
-                <a:latin typeface="Times New Roman" panose="02020603050405020304" pitchFamily="18" charset="0"/>
-                <a:ea typeface="DengXian" panose="02010600030101010101" pitchFamily="2" charset="-122"/>
-                <a:cs typeface="Times New Roman" panose="02020603050405020304" pitchFamily="18" charset="0"/>
+                <a:latin typeface="Arial" panose="020B0604020202020204" pitchFamily="34" charset="0"/>
+                <a:ea typeface="DengXian" panose="02010600030101010101" pitchFamily="2" charset="-122"/>
+                <a:cs typeface="Arial" panose="020B0604020202020204" pitchFamily="34" charset="0"/>
               </a:rPr>
               <a:t> </a:t>
             </a:r>
             <a:r>
               <a:rPr lang="en-US" sz="1800" dirty="0" err="1">
                 <a:effectLst/>
-                <a:latin typeface="Times New Roman" panose="02020603050405020304" pitchFamily="18" charset="0"/>
-                <a:ea typeface="DengXian" panose="02010600030101010101" pitchFamily="2" charset="-122"/>
-                <a:cs typeface="Times New Roman" panose="02020603050405020304" pitchFamily="18" charset="0"/>
+                <a:latin typeface="Arial" panose="020B0604020202020204" pitchFamily="34" charset="0"/>
+                <a:ea typeface="DengXian" panose="02010600030101010101" pitchFamily="2" charset="-122"/>
+                <a:cs typeface="Arial" panose="020B0604020202020204" pitchFamily="34" charset="0"/>
               </a:rPr>
               <a:t>dipilih</a:t>
             </a:r>
             <a:r>
               <a:rPr lang="en-US" sz="1800" dirty="0">
                 <a:effectLst/>
-                <a:latin typeface="Times New Roman" panose="02020603050405020304" pitchFamily="18" charset="0"/>
-                <a:ea typeface="DengXian" panose="02010600030101010101" pitchFamily="2" charset="-122"/>
-                <a:cs typeface="Times New Roman" panose="02020603050405020304" pitchFamily="18" charset="0"/>
+                <a:latin typeface="Arial" panose="020B0604020202020204" pitchFamily="34" charset="0"/>
+                <a:ea typeface="DengXian" panose="02010600030101010101" pitchFamily="2" charset="-122"/>
+                <a:cs typeface="Arial" panose="020B0604020202020204" pitchFamily="34" charset="0"/>
               </a:rPr>
               <a:t> </a:t>
             </a:r>
             <a:r>
               <a:rPr lang="en-US" sz="1800" dirty="0" err="1">
                 <a:effectLst/>
-                <a:latin typeface="Times New Roman" panose="02020603050405020304" pitchFamily="18" charset="0"/>
-                <a:ea typeface="DengXian" panose="02010600030101010101" pitchFamily="2" charset="-122"/>
-                <a:cs typeface="Times New Roman" panose="02020603050405020304" pitchFamily="18" charset="0"/>
+                <a:latin typeface="Arial" panose="020B0604020202020204" pitchFamily="34" charset="0"/>
+                <a:ea typeface="DengXian" panose="02010600030101010101" pitchFamily="2" charset="-122"/>
+                <a:cs typeface="Arial" panose="020B0604020202020204" pitchFamily="34" charset="0"/>
               </a:rPr>
               <a:t>karena</a:t>
             </a:r>
             <a:r>
               <a:rPr lang="en-US" sz="1800" dirty="0">
                 <a:effectLst/>
-                <a:latin typeface="Times New Roman" panose="02020603050405020304" pitchFamily="18" charset="0"/>
-                <a:ea typeface="DengXian" panose="02010600030101010101" pitchFamily="2" charset="-122"/>
-                <a:cs typeface="Times New Roman" panose="02020603050405020304" pitchFamily="18" charset="0"/>
+                <a:latin typeface="Arial" panose="020B0604020202020204" pitchFamily="34" charset="0"/>
+                <a:ea typeface="DengXian" panose="02010600030101010101" pitchFamily="2" charset="-122"/>
+                <a:cs typeface="Arial" panose="020B0604020202020204" pitchFamily="34" charset="0"/>
               </a:rPr>
               <a:t> </a:t>
             </a:r>
             <a:r>
               <a:rPr lang="en-US" sz="1800" dirty="0" err="1">
                 <a:effectLst/>
-                <a:latin typeface="Times New Roman" panose="02020603050405020304" pitchFamily="18" charset="0"/>
-                <a:ea typeface="DengXian" panose="02010600030101010101" pitchFamily="2" charset="-122"/>
-                <a:cs typeface="Times New Roman" panose="02020603050405020304" pitchFamily="18" charset="0"/>
+                <a:latin typeface="Arial" panose="020B0604020202020204" pitchFamily="34" charset="0"/>
+                <a:ea typeface="DengXian" panose="02010600030101010101" pitchFamily="2" charset="-122"/>
+                <a:cs typeface="Arial" panose="020B0604020202020204" pitchFamily="34" charset="0"/>
               </a:rPr>
               <a:t>kemudahan</a:t>
             </a:r>
             <a:r>
               <a:rPr lang="en-US" sz="1800" dirty="0">
                 <a:effectLst/>
-                <a:latin typeface="Times New Roman" panose="02020603050405020304" pitchFamily="18" charset="0"/>
-                <a:ea typeface="DengXian" panose="02010600030101010101" pitchFamily="2" charset="-122"/>
-                <a:cs typeface="Times New Roman" panose="02020603050405020304" pitchFamily="18" charset="0"/>
+                <a:latin typeface="Arial" panose="020B0604020202020204" pitchFamily="34" charset="0"/>
+                <a:ea typeface="DengXian" panose="02010600030101010101" pitchFamily="2" charset="-122"/>
+                <a:cs typeface="Arial" panose="020B0604020202020204" pitchFamily="34" charset="0"/>
               </a:rPr>
               <a:t> </a:t>
             </a:r>
             <a:r>
               <a:rPr lang="en-US" sz="1800" dirty="0" err="1">
                 <a:effectLst/>
-                <a:latin typeface="Times New Roman" panose="02020603050405020304" pitchFamily="18" charset="0"/>
-                <a:ea typeface="DengXian" panose="02010600030101010101" pitchFamily="2" charset="-122"/>
-                <a:cs typeface="Times New Roman" panose="02020603050405020304" pitchFamily="18" charset="0"/>
+                <a:latin typeface="Arial" panose="020B0604020202020204" pitchFamily="34" charset="0"/>
+                <a:ea typeface="DengXian" panose="02010600030101010101" pitchFamily="2" charset="-122"/>
+                <a:cs typeface="Arial" panose="020B0604020202020204" pitchFamily="34" charset="0"/>
               </a:rPr>
               <a:t>penggunaan</a:t>
             </a:r>
             <a:r>
               <a:rPr lang="en-US" sz="1800" dirty="0">
                 <a:effectLst/>
-                <a:latin typeface="Times New Roman" panose="02020603050405020304" pitchFamily="18" charset="0"/>
-                <a:ea typeface="DengXian" panose="02010600030101010101" pitchFamily="2" charset="-122"/>
-                <a:cs typeface="Times New Roman" panose="02020603050405020304" pitchFamily="18" charset="0"/>
+                <a:latin typeface="Arial" panose="020B0604020202020204" pitchFamily="34" charset="0"/>
+                <a:ea typeface="DengXian" panose="02010600030101010101" pitchFamily="2" charset="-122"/>
+                <a:cs typeface="Arial" panose="020B0604020202020204" pitchFamily="34" charset="0"/>
               </a:rPr>
               <a:t> </a:t>
             </a:r>
             <a:r>
               <a:rPr lang="en-US" sz="1800" dirty="0" err="1">
                 <a:effectLst/>
-                <a:latin typeface="Times New Roman" panose="02020603050405020304" pitchFamily="18" charset="0"/>
-                <a:ea typeface="DengXian" panose="02010600030101010101" pitchFamily="2" charset="-122"/>
-                <a:cs typeface="Times New Roman" panose="02020603050405020304" pitchFamily="18" charset="0"/>
+                <a:latin typeface="Arial" panose="020B0604020202020204" pitchFamily="34" charset="0"/>
+                <a:ea typeface="DengXian" panose="02010600030101010101" pitchFamily="2" charset="-122"/>
+                <a:cs typeface="Arial" panose="020B0604020202020204" pitchFamily="34" charset="0"/>
               </a:rPr>
               <a:t>bagi</a:t>
             </a:r>
             <a:r>
               <a:rPr lang="en-US" sz="1800" dirty="0">
                 <a:effectLst/>
-                <a:latin typeface="Times New Roman" panose="02020603050405020304" pitchFamily="18" charset="0"/>
-                <a:ea typeface="DengXian" panose="02010600030101010101" pitchFamily="2" charset="-122"/>
-                <a:cs typeface="Times New Roman" panose="02020603050405020304" pitchFamily="18" charset="0"/>
+                <a:latin typeface="Arial" panose="020B0604020202020204" pitchFamily="34" charset="0"/>
+                <a:ea typeface="DengXian" panose="02010600030101010101" pitchFamily="2" charset="-122"/>
+                <a:cs typeface="Arial" panose="020B0604020202020204" pitchFamily="34" charset="0"/>
               </a:rPr>
               <a:t> user. Tools </a:t>
             </a:r>
             <a:r>
               <a:rPr lang="en-US" sz="1800" dirty="0" err="1">
                 <a:effectLst/>
-                <a:latin typeface="Times New Roman" panose="02020603050405020304" pitchFamily="18" charset="0"/>
-                <a:ea typeface="DengXian" panose="02010600030101010101" pitchFamily="2" charset="-122"/>
-                <a:cs typeface="Times New Roman" panose="02020603050405020304" pitchFamily="18" charset="0"/>
+                <a:latin typeface="Arial" panose="020B0604020202020204" pitchFamily="34" charset="0"/>
+                <a:ea typeface="DengXian" panose="02010600030101010101" pitchFamily="2" charset="-122"/>
+                <a:cs typeface="Arial" panose="020B0604020202020204" pitchFamily="34" charset="0"/>
               </a:rPr>
               <a:t>ini</a:t>
             </a:r>
             <a:r>
               <a:rPr lang="en-US" sz="1800" dirty="0">
                 <a:effectLst/>
-                <a:latin typeface="Times New Roman" panose="02020603050405020304" pitchFamily="18" charset="0"/>
-                <a:ea typeface="DengXian" panose="02010600030101010101" pitchFamily="2" charset="-122"/>
-                <a:cs typeface="Times New Roman" panose="02020603050405020304" pitchFamily="18" charset="0"/>
+                <a:latin typeface="Arial" panose="020B0604020202020204" pitchFamily="34" charset="0"/>
+                <a:ea typeface="DengXian" panose="02010600030101010101" pitchFamily="2" charset="-122"/>
+                <a:cs typeface="Arial" panose="020B0604020202020204" pitchFamily="34" charset="0"/>
               </a:rPr>
               <a:t> juga </a:t>
             </a:r>
             <a:r>
               <a:rPr lang="en-US" sz="1800" dirty="0" err="1">
                 <a:effectLst/>
-                <a:latin typeface="Times New Roman" panose="02020603050405020304" pitchFamily="18" charset="0"/>
-                <a:ea typeface="DengXian" panose="02010600030101010101" pitchFamily="2" charset="-122"/>
-                <a:cs typeface="Times New Roman" panose="02020603050405020304" pitchFamily="18" charset="0"/>
+                <a:latin typeface="Arial" panose="020B0604020202020204" pitchFamily="34" charset="0"/>
+                <a:ea typeface="DengXian" panose="02010600030101010101" pitchFamily="2" charset="-122"/>
+                <a:cs typeface="Arial" panose="020B0604020202020204" pitchFamily="34" charset="0"/>
               </a:rPr>
               <a:t>dapat</a:t>
             </a:r>
             <a:r>
               <a:rPr lang="en-US" sz="1800" dirty="0">
                 <a:effectLst/>
-                <a:latin typeface="Times New Roman" panose="02020603050405020304" pitchFamily="18" charset="0"/>
-                <a:ea typeface="DengXian" panose="02010600030101010101" pitchFamily="2" charset="-122"/>
-                <a:cs typeface="Times New Roman" panose="02020603050405020304" pitchFamily="18" charset="0"/>
+                <a:latin typeface="Arial" panose="020B0604020202020204" pitchFamily="34" charset="0"/>
+                <a:ea typeface="DengXian" panose="02010600030101010101" pitchFamily="2" charset="-122"/>
+                <a:cs typeface="Arial" panose="020B0604020202020204" pitchFamily="34" charset="0"/>
               </a:rPr>
               <a:t> </a:t>
             </a:r>
             <a:r>
               <a:rPr lang="en-US" sz="1800" dirty="0" err="1">
                 <a:effectLst/>
-                <a:latin typeface="Times New Roman" panose="02020603050405020304" pitchFamily="18" charset="0"/>
-                <a:ea typeface="DengXian" panose="02010600030101010101" pitchFamily="2" charset="-122"/>
-                <a:cs typeface="Times New Roman" panose="02020603050405020304" pitchFamily="18" charset="0"/>
+                <a:latin typeface="Arial" panose="020B0604020202020204" pitchFamily="34" charset="0"/>
+                <a:ea typeface="DengXian" panose="02010600030101010101" pitchFamily="2" charset="-122"/>
+                <a:cs typeface="Arial" panose="020B0604020202020204" pitchFamily="34" charset="0"/>
               </a:rPr>
               <a:t>diinstall</a:t>
             </a:r>
             <a:r>
               <a:rPr lang="en-US" sz="1800" dirty="0">
                 <a:effectLst/>
-                <a:latin typeface="Times New Roman" panose="02020603050405020304" pitchFamily="18" charset="0"/>
-                <a:ea typeface="DengXian" panose="02010600030101010101" pitchFamily="2" charset="-122"/>
-                <a:cs typeface="Times New Roman" panose="02020603050405020304" pitchFamily="18" charset="0"/>
+                <a:latin typeface="Arial" panose="020B0604020202020204" pitchFamily="34" charset="0"/>
+                <a:ea typeface="DengXian" panose="02010600030101010101" pitchFamily="2" charset="-122"/>
+                <a:cs typeface="Arial" panose="020B0604020202020204" pitchFamily="34" charset="0"/>
               </a:rPr>
               <a:t> di android, </a:t>
             </a:r>
             <a:r>
               <a:rPr lang="en-US" sz="1800" dirty="0" err="1">
                 <a:effectLst/>
-                <a:latin typeface="Times New Roman" panose="02020603050405020304" pitchFamily="18" charset="0"/>
-                <a:ea typeface="DengXian" panose="02010600030101010101" pitchFamily="2" charset="-122"/>
-                <a:cs typeface="Times New Roman" panose="02020603050405020304" pitchFamily="18" charset="0"/>
+                <a:latin typeface="Arial" panose="020B0604020202020204" pitchFamily="34" charset="0"/>
+                <a:ea typeface="DengXian" panose="02010600030101010101" pitchFamily="2" charset="-122"/>
+                <a:cs typeface="Arial" panose="020B0604020202020204" pitchFamily="34" charset="0"/>
               </a:rPr>
               <a:t>sehingga</a:t>
             </a:r>
             <a:r>
               <a:rPr lang="en-US" sz="1800" dirty="0">
                 <a:effectLst/>
-                <a:latin typeface="Times New Roman" panose="02020603050405020304" pitchFamily="18" charset="0"/>
-                <a:ea typeface="DengXian" panose="02010600030101010101" pitchFamily="2" charset="-122"/>
-                <a:cs typeface="Times New Roman" panose="02020603050405020304" pitchFamily="18" charset="0"/>
+                <a:latin typeface="Arial" panose="020B0604020202020204" pitchFamily="34" charset="0"/>
+                <a:ea typeface="DengXian" panose="02010600030101010101" pitchFamily="2" charset="-122"/>
+                <a:cs typeface="Arial" panose="020B0604020202020204" pitchFamily="34" charset="0"/>
               </a:rPr>
               <a:t> </a:t>
             </a:r>
             <a:r>
               <a:rPr lang="en-US" sz="1800" dirty="0" err="1">
                 <a:effectLst/>
-                <a:latin typeface="Times New Roman" panose="02020603050405020304" pitchFamily="18" charset="0"/>
-                <a:ea typeface="DengXian" panose="02010600030101010101" pitchFamily="2" charset="-122"/>
-                <a:cs typeface="Times New Roman" panose="02020603050405020304" pitchFamily="18" charset="0"/>
+                <a:latin typeface="Arial" panose="020B0604020202020204" pitchFamily="34" charset="0"/>
+                <a:ea typeface="DengXian" panose="02010600030101010101" pitchFamily="2" charset="-122"/>
+                <a:cs typeface="Arial" panose="020B0604020202020204" pitchFamily="34" charset="0"/>
               </a:rPr>
               <a:t>memudahkan</a:t>
             </a:r>
             <a:r>
               <a:rPr lang="en-US" sz="1800" dirty="0">
                 <a:effectLst/>
-                <a:latin typeface="Times New Roman" panose="02020603050405020304" pitchFamily="18" charset="0"/>
-                <a:ea typeface="DengXian" panose="02010600030101010101" pitchFamily="2" charset="-122"/>
-                <a:cs typeface="Times New Roman" panose="02020603050405020304" pitchFamily="18" charset="0"/>
+                <a:latin typeface="Arial" panose="020B0604020202020204" pitchFamily="34" charset="0"/>
+                <a:ea typeface="DengXian" panose="02010600030101010101" pitchFamily="2" charset="-122"/>
+                <a:cs typeface="Arial" panose="020B0604020202020204" pitchFamily="34" charset="0"/>
               </a:rPr>
               <a:t> </a:t>
             </a:r>
             <a:r>
               <a:rPr lang="en-US" sz="1800" dirty="0" err="1">
                 <a:effectLst/>
-                <a:latin typeface="Times New Roman" panose="02020603050405020304" pitchFamily="18" charset="0"/>
-                <a:ea typeface="DengXian" panose="02010600030101010101" pitchFamily="2" charset="-122"/>
-                <a:cs typeface="Times New Roman" panose="02020603050405020304" pitchFamily="18" charset="0"/>
+                <a:latin typeface="Arial" panose="020B0604020202020204" pitchFamily="34" charset="0"/>
+                <a:ea typeface="DengXian" panose="02010600030101010101" pitchFamily="2" charset="-122"/>
+                <a:cs typeface="Arial" panose="020B0604020202020204" pitchFamily="34" charset="0"/>
               </a:rPr>
               <a:t>pengguna</a:t>
             </a:r>
             <a:r>
               <a:rPr lang="en-US" sz="1800" dirty="0">
                 <a:effectLst/>
-                <a:latin typeface="Times New Roman" panose="02020603050405020304" pitchFamily="18" charset="0"/>
-                <a:ea typeface="DengXian" panose="02010600030101010101" pitchFamily="2" charset="-122"/>
-                <a:cs typeface="Times New Roman" panose="02020603050405020304" pitchFamily="18" charset="0"/>
+                <a:latin typeface="Arial" panose="020B0604020202020204" pitchFamily="34" charset="0"/>
+                <a:ea typeface="DengXian" panose="02010600030101010101" pitchFamily="2" charset="-122"/>
+                <a:cs typeface="Arial" panose="020B0604020202020204" pitchFamily="34" charset="0"/>
               </a:rPr>
               <a:t> </a:t>
             </a:r>
             <a:r>
               <a:rPr lang="en-US" sz="1800" dirty="0" err="1">
                 <a:effectLst/>
-                <a:latin typeface="Times New Roman" panose="02020603050405020304" pitchFamily="18" charset="0"/>
-                <a:ea typeface="DengXian" panose="02010600030101010101" pitchFamily="2" charset="-122"/>
-                <a:cs typeface="Times New Roman" panose="02020603050405020304" pitchFamily="18" charset="0"/>
+                <a:latin typeface="Arial" panose="020B0604020202020204" pitchFamily="34" charset="0"/>
+                <a:ea typeface="DengXian" panose="02010600030101010101" pitchFamily="2" charset="-122"/>
+                <a:cs typeface="Arial" panose="020B0604020202020204" pitchFamily="34" charset="0"/>
               </a:rPr>
               <a:t>dalam</a:t>
             </a:r>
             <a:r>
               <a:rPr lang="en-US" sz="1800" dirty="0">
                 <a:effectLst/>
-                <a:latin typeface="Times New Roman" panose="02020603050405020304" pitchFamily="18" charset="0"/>
-                <a:ea typeface="DengXian" panose="02010600030101010101" pitchFamily="2" charset="-122"/>
-                <a:cs typeface="Times New Roman" panose="02020603050405020304" pitchFamily="18" charset="0"/>
+                <a:latin typeface="Arial" panose="020B0604020202020204" pitchFamily="34" charset="0"/>
+                <a:ea typeface="DengXian" panose="02010600030101010101" pitchFamily="2" charset="-122"/>
+                <a:cs typeface="Arial" panose="020B0604020202020204" pitchFamily="34" charset="0"/>
               </a:rPr>
               <a:t> </a:t>
             </a:r>
             <a:r>
               <a:rPr lang="en-US" sz="1800" dirty="0" err="1">
                 <a:effectLst/>
-                <a:latin typeface="Times New Roman" panose="02020603050405020304" pitchFamily="18" charset="0"/>
-                <a:ea typeface="DengXian" panose="02010600030101010101" pitchFamily="2" charset="-122"/>
-                <a:cs typeface="Times New Roman" panose="02020603050405020304" pitchFamily="18" charset="0"/>
+                <a:latin typeface="Arial" panose="020B0604020202020204" pitchFamily="34" charset="0"/>
+                <a:ea typeface="DengXian" panose="02010600030101010101" pitchFamily="2" charset="-122"/>
+                <a:cs typeface="Arial" panose="020B0604020202020204" pitchFamily="34" charset="0"/>
               </a:rPr>
               <a:t>melihat</a:t>
             </a:r>
             <a:r>
               <a:rPr lang="en-US" sz="1800" dirty="0">
                 <a:effectLst/>
-                <a:latin typeface="Times New Roman" panose="02020603050405020304" pitchFamily="18" charset="0"/>
-                <a:ea typeface="DengXian" panose="02010600030101010101" pitchFamily="2" charset="-122"/>
-                <a:cs typeface="Times New Roman" panose="02020603050405020304" pitchFamily="18" charset="0"/>
+                <a:latin typeface="Arial" panose="020B0604020202020204" pitchFamily="34" charset="0"/>
+                <a:ea typeface="DengXian" panose="02010600030101010101" pitchFamily="2" charset="-122"/>
+                <a:cs typeface="Arial" panose="020B0604020202020204" pitchFamily="34" charset="0"/>
               </a:rPr>
               <a:t> progress dan </a:t>
             </a:r>
             <a:r>
               <a:rPr lang="en-US" sz="1800" dirty="0" err="1">
                 <a:effectLst/>
-                <a:latin typeface="Times New Roman" panose="02020603050405020304" pitchFamily="18" charset="0"/>
-                <a:ea typeface="DengXian" panose="02010600030101010101" pitchFamily="2" charset="-122"/>
-                <a:cs typeface="Times New Roman" panose="02020603050405020304" pitchFamily="18" charset="0"/>
+                <a:latin typeface="Arial" panose="020B0604020202020204" pitchFamily="34" charset="0"/>
+                <a:ea typeface="DengXian" panose="02010600030101010101" pitchFamily="2" charset="-122"/>
+                <a:cs typeface="Arial" panose="020B0604020202020204" pitchFamily="34" charset="0"/>
               </a:rPr>
               <a:t>mengupdatenya</a:t>
             </a:r>
             <a:r>
               <a:rPr lang="en-US" sz="1800" dirty="0">
                 <a:effectLst/>
-                <a:latin typeface="Times New Roman" panose="02020603050405020304" pitchFamily="18" charset="0"/>
-                <a:ea typeface="DengXian" panose="02010600030101010101" pitchFamily="2" charset="-122"/>
-                <a:cs typeface="Times New Roman" panose="02020603050405020304" pitchFamily="18" charset="0"/>
+                <a:latin typeface="Arial" panose="020B0604020202020204" pitchFamily="34" charset="0"/>
+                <a:ea typeface="DengXian" panose="02010600030101010101" pitchFamily="2" charset="-122"/>
+                <a:cs typeface="Arial" panose="020B0604020202020204" pitchFamily="34" charset="0"/>
+              </a:rPr>
+              <a:t>. </a:t>
+            </a:r>
+            <a:r>
+              <a:rPr lang="en-US" sz="1800" dirty="0" err="1">
+                <a:effectLst/>
+                <a:latin typeface="Arial" panose="020B0604020202020204" pitchFamily="34" charset="0"/>
+                <a:ea typeface="DengXian" panose="02010600030101010101" pitchFamily="2" charset="-122"/>
+                <a:cs typeface="Arial" panose="020B0604020202020204" pitchFamily="34" charset="0"/>
+              </a:rPr>
+              <a:t>Selain</a:t>
+            </a:r>
+            <a:r>
+              <a:rPr lang="en-US" sz="1800" dirty="0">
+                <a:effectLst/>
+                <a:latin typeface="Arial" panose="020B0604020202020204" pitchFamily="34" charset="0"/>
+                <a:ea typeface="DengXian" panose="02010600030101010101" pitchFamily="2" charset="-122"/>
+                <a:cs typeface="Arial" panose="020B0604020202020204" pitchFamily="34" charset="0"/>
+              </a:rPr>
+              <a:t> </a:t>
+            </a:r>
+            <a:r>
+              <a:rPr lang="en-US" sz="1800" dirty="0" err="1">
+                <a:effectLst/>
+                <a:latin typeface="Arial" panose="020B0604020202020204" pitchFamily="34" charset="0"/>
+                <a:ea typeface="DengXian" panose="02010600030101010101" pitchFamily="2" charset="-122"/>
+                <a:cs typeface="Arial" panose="020B0604020202020204" pitchFamily="34" charset="0"/>
+              </a:rPr>
+              <a:t>itu</a:t>
+            </a:r>
+            <a:r>
+              <a:rPr lang="en-US" sz="1800" dirty="0">
+                <a:effectLst/>
+                <a:latin typeface="Arial" panose="020B0604020202020204" pitchFamily="34" charset="0"/>
+                <a:ea typeface="DengXian" panose="02010600030101010101" pitchFamily="2" charset="-122"/>
+                <a:cs typeface="Arial" panose="020B0604020202020204" pitchFamily="34" charset="0"/>
+              </a:rPr>
+              <a:t> notion juga </a:t>
+            </a:r>
+            <a:r>
+              <a:rPr lang="en-US" sz="1800" dirty="0" err="1">
+                <a:effectLst/>
+                <a:latin typeface="Arial" panose="020B0604020202020204" pitchFamily="34" charset="0"/>
+                <a:ea typeface="DengXian" panose="02010600030101010101" pitchFamily="2" charset="-122"/>
+                <a:cs typeface="Arial" panose="020B0604020202020204" pitchFamily="34" charset="0"/>
+              </a:rPr>
+              <a:t>memiliki</a:t>
+            </a:r>
+            <a:r>
+              <a:rPr lang="en-US" sz="1800" dirty="0">
+                <a:effectLst/>
+                <a:latin typeface="Arial" panose="020B0604020202020204" pitchFamily="34" charset="0"/>
+                <a:ea typeface="DengXian" panose="02010600030101010101" pitchFamily="2" charset="-122"/>
+                <a:cs typeface="Arial" panose="020B0604020202020204" pitchFamily="34" charset="0"/>
+              </a:rPr>
+              <a:t> </a:t>
+            </a:r>
+            <a:r>
+              <a:rPr lang="en-US" sz="1800" dirty="0" err="1">
+                <a:effectLst/>
+                <a:latin typeface="Arial" panose="020B0604020202020204" pitchFamily="34" charset="0"/>
+                <a:ea typeface="DengXian" panose="02010600030101010101" pitchFamily="2" charset="-122"/>
+                <a:cs typeface="Arial" panose="020B0604020202020204" pitchFamily="34" charset="0"/>
+              </a:rPr>
+              <a:t>kelebihan</a:t>
+            </a:r>
+            <a:r>
+              <a:rPr lang="en-US" sz="1800" dirty="0">
+                <a:effectLst/>
+                <a:latin typeface="Arial" panose="020B0604020202020204" pitchFamily="34" charset="0"/>
+                <a:ea typeface="DengXian" panose="02010600030101010101" pitchFamily="2" charset="-122"/>
+                <a:cs typeface="Arial" panose="020B0604020202020204" pitchFamily="34" charset="0"/>
+              </a:rPr>
+              <a:t> lain, </a:t>
+            </a:r>
+            <a:r>
+              <a:rPr lang="en-US" sz="1800" dirty="0" err="1">
+                <a:effectLst/>
+                <a:latin typeface="Arial" panose="020B0604020202020204" pitchFamily="34" charset="0"/>
+                <a:ea typeface="DengXian" panose="02010600030101010101" pitchFamily="2" charset="-122"/>
+                <a:cs typeface="Arial" panose="020B0604020202020204" pitchFamily="34" charset="0"/>
+              </a:rPr>
+              <a:t>yaitu</a:t>
+            </a:r>
+            <a:r>
+              <a:rPr lang="en-US" sz="1800" dirty="0">
+                <a:effectLst/>
+                <a:latin typeface="Arial" panose="020B0604020202020204" pitchFamily="34" charset="0"/>
+                <a:ea typeface="DengXian" panose="02010600030101010101" pitchFamily="2" charset="-122"/>
+                <a:cs typeface="Arial" panose="020B0604020202020204" pitchFamily="34" charset="0"/>
+              </a:rPr>
+              <a:t> </a:t>
+            </a:r>
+            <a:r>
+              <a:rPr lang="en-US" sz="1800" dirty="0" err="1">
+                <a:effectLst/>
+                <a:latin typeface="Arial" panose="020B0604020202020204" pitchFamily="34" charset="0"/>
+                <a:ea typeface="DengXian" panose="02010600030101010101" pitchFamily="2" charset="-122"/>
+                <a:cs typeface="Arial" panose="020B0604020202020204" pitchFamily="34" charset="0"/>
+              </a:rPr>
+              <a:t>mudah</a:t>
+            </a:r>
+            <a:r>
+              <a:rPr lang="en-US" sz="1800" dirty="0">
+                <a:effectLst/>
+                <a:latin typeface="Arial" panose="020B0604020202020204" pitchFamily="34" charset="0"/>
+                <a:ea typeface="DengXian" panose="02010600030101010101" pitchFamily="2" charset="-122"/>
+                <a:cs typeface="Arial" panose="020B0604020202020204" pitchFamily="34" charset="0"/>
+              </a:rPr>
+              <a:t> </a:t>
+            </a:r>
+            <a:r>
+              <a:rPr lang="en-US" sz="1800" dirty="0" err="1">
+                <a:effectLst/>
+                <a:latin typeface="Arial" panose="020B0604020202020204" pitchFamily="34" charset="0"/>
+                <a:ea typeface="DengXian" panose="02010600030101010101" pitchFamily="2" charset="-122"/>
+                <a:cs typeface="Arial" panose="020B0604020202020204" pitchFamily="34" charset="0"/>
+              </a:rPr>
+              <a:t>digunakan</a:t>
+            </a:r>
+            <a:r>
+              <a:rPr lang="en-US" sz="1800" dirty="0">
+                <a:effectLst/>
+                <a:latin typeface="Arial" panose="020B0604020202020204" pitchFamily="34" charset="0"/>
+                <a:ea typeface="DengXian" panose="02010600030101010101" pitchFamily="2" charset="-122"/>
+                <a:cs typeface="Arial" panose="020B0604020202020204" pitchFamily="34" charset="0"/>
+              </a:rPr>
+              <a:t>, </a:t>
+            </a:r>
+            <a:r>
+              <a:rPr lang="en-US" sz="1800" dirty="0" err="1">
+                <a:effectLst/>
+                <a:latin typeface="Arial" panose="020B0604020202020204" pitchFamily="34" charset="0"/>
+                <a:ea typeface="DengXian" panose="02010600030101010101" pitchFamily="2" charset="-122"/>
+                <a:cs typeface="Arial" panose="020B0604020202020204" pitchFamily="34" charset="0"/>
+              </a:rPr>
+              <a:t>tampilan</a:t>
+            </a:r>
+            <a:r>
+              <a:rPr lang="en-US" sz="1800" dirty="0">
+                <a:effectLst/>
+                <a:latin typeface="Arial" panose="020B0604020202020204" pitchFamily="34" charset="0"/>
+                <a:ea typeface="DengXian" panose="02010600030101010101" pitchFamily="2" charset="-122"/>
+                <a:cs typeface="Arial" panose="020B0604020202020204" pitchFamily="34" charset="0"/>
+              </a:rPr>
+              <a:t> yang </a:t>
+            </a:r>
+            <a:r>
+              <a:rPr lang="en-US" sz="1800" dirty="0" err="1">
+                <a:effectLst/>
+                <a:latin typeface="Arial" panose="020B0604020202020204" pitchFamily="34" charset="0"/>
+                <a:ea typeface="DengXian" panose="02010600030101010101" pitchFamily="2" charset="-122"/>
+                <a:cs typeface="Arial" panose="020B0604020202020204" pitchFamily="34" charset="0"/>
+              </a:rPr>
+              <a:t>sederhana</a:t>
+            </a:r>
+            <a:r>
+              <a:rPr lang="en-US" sz="1800" dirty="0">
+                <a:effectLst/>
+                <a:latin typeface="Arial" panose="020B0604020202020204" pitchFamily="34" charset="0"/>
+                <a:ea typeface="DengXian" panose="02010600030101010101" pitchFamily="2" charset="-122"/>
+                <a:cs typeface="Arial" panose="020B0604020202020204" pitchFamily="34" charset="0"/>
+              </a:rPr>
+              <a:t> dan </a:t>
+            </a:r>
+            <a:r>
+              <a:rPr lang="en-US" sz="1800" dirty="0" err="1">
+                <a:effectLst/>
+                <a:latin typeface="Arial" panose="020B0604020202020204" pitchFamily="34" charset="0"/>
+                <a:ea typeface="DengXian" panose="02010600030101010101" pitchFamily="2" charset="-122"/>
+                <a:cs typeface="Arial" panose="020B0604020202020204" pitchFamily="34" charset="0"/>
+              </a:rPr>
+              <a:t>mudah</a:t>
+            </a:r>
+            <a:r>
+              <a:rPr lang="en-US" sz="1800" dirty="0">
+                <a:effectLst/>
+                <a:latin typeface="Arial" panose="020B0604020202020204" pitchFamily="34" charset="0"/>
+                <a:ea typeface="DengXian" panose="02010600030101010101" pitchFamily="2" charset="-122"/>
+                <a:cs typeface="Arial" panose="020B0604020202020204" pitchFamily="34" charset="0"/>
+              </a:rPr>
+              <a:t> </a:t>
+            </a:r>
+            <a:r>
+              <a:rPr lang="en-US" sz="1800" dirty="0" err="1">
+                <a:effectLst/>
+                <a:latin typeface="Arial" panose="020B0604020202020204" pitchFamily="34" charset="0"/>
+                <a:ea typeface="DengXian" panose="02010600030101010101" pitchFamily="2" charset="-122"/>
+                <a:cs typeface="Arial" panose="020B0604020202020204" pitchFamily="34" charset="0"/>
+              </a:rPr>
+              <a:t>dimengerti</a:t>
+            </a:r>
+            <a:r>
+              <a:rPr lang="en-US" sz="1800" dirty="0">
+                <a:effectLst/>
+                <a:latin typeface="Arial" panose="020B0604020202020204" pitchFamily="34" charset="0"/>
+                <a:ea typeface="DengXian" panose="02010600030101010101" pitchFamily="2" charset="-122"/>
+                <a:cs typeface="Arial" panose="020B0604020202020204" pitchFamily="34" charset="0"/>
+              </a:rPr>
+              <a:t>. </a:t>
+            </a:r>
+            <a:r>
+              <a:rPr lang="en-US" sz="1800" dirty="0" err="1">
+                <a:effectLst/>
+                <a:latin typeface="Arial" panose="020B0604020202020204" pitchFamily="34" charset="0"/>
+                <a:ea typeface="DengXian" panose="02010600030101010101" pitchFamily="2" charset="-122"/>
+                <a:cs typeface="Arial" panose="020B0604020202020204" pitchFamily="34" charset="0"/>
+              </a:rPr>
+              <a:t>Untuk</a:t>
+            </a:r>
+            <a:r>
+              <a:rPr lang="en-US" sz="1800" dirty="0">
+                <a:effectLst/>
+                <a:latin typeface="Arial" panose="020B0604020202020204" pitchFamily="34" charset="0"/>
+                <a:ea typeface="DengXian" panose="02010600030101010101" pitchFamily="2" charset="-122"/>
+                <a:cs typeface="Arial" panose="020B0604020202020204" pitchFamily="34" charset="0"/>
+              </a:rPr>
+              <a:t> </a:t>
+            </a:r>
+            <a:r>
+              <a:rPr lang="en-US" sz="1800" dirty="0" err="1">
+                <a:effectLst/>
+                <a:latin typeface="Arial" panose="020B0604020202020204" pitchFamily="34" charset="0"/>
+                <a:ea typeface="DengXian" panose="02010600030101010101" pitchFamily="2" charset="-122"/>
+                <a:cs typeface="Arial" panose="020B0604020202020204" pitchFamily="34" charset="0"/>
+              </a:rPr>
+              <a:t>membuat</a:t>
+            </a:r>
+            <a:r>
+              <a:rPr lang="en-US" sz="1800" dirty="0">
+                <a:effectLst/>
+                <a:latin typeface="Arial" panose="020B0604020202020204" pitchFamily="34" charset="0"/>
+                <a:ea typeface="DengXian" panose="02010600030101010101" pitchFamily="2" charset="-122"/>
+                <a:cs typeface="Arial" panose="020B0604020202020204" pitchFamily="34" charset="0"/>
+              </a:rPr>
+              <a:t> daftar </a:t>
+            </a:r>
+            <a:r>
+              <a:rPr lang="en-US" sz="1800" dirty="0" err="1">
+                <a:effectLst/>
+                <a:latin typeface="Arial" panose="020B0604020202020204" pitchFamily="34" charset="0"/>
+                <a:ea typeface="DengXian" panose="02010600030101010101" pitchFamily="2" charset="-122"/>
+                <a:cs typeface="Arial" panose="020B0604020202020204" pitchFamily="34" charset="0"/>
+              </a:rPr>
+              <a:t>rencana</a:t>
+            </a:r>
+            <a:r>
+              <a:rPr lang="en-US" sz="1800" dirty="0">
+                <a:effectLst/>
+                <a:latin typeface="Arial" panose="020B0604020202020204" pitchFamily="34" charset="0"/>
+                <a:ea typeface="DengXian" panose="02010600030101010101" pitchFamily="2" charset="-122"/>
+                <a:cs typeface="Arial" panose="020B0604020202020204" pitchFamily="34" charset="0"/>
+              </a:rPr>
+              <a:t> </a:t>
+            </a:r>
+            <a:r>
+              <a:rPr lang="en-US" sz="1800" dirty="0" err="1">
+                <a:effectLst/>
+                <a:latin typeface="Arial" panose="020B0604020202020204" pitchFamily="34" charset="0"/>
+                <a:ea typeface="DengXian" panose="02010600030101010101" pitchFamily="2" charset="-122"/>
+                <a:cs typeface="Arial" panose="020B0604020202020204" pitchFamily="34" charset="0"/>
+              </a:rPr>
+              <a:t>kerja</a:t>
+            </a:r>
+            <a:r>
+              <a:rPr lang="en-US" sz="1800" dirty="0">
+                <a:effectLst/>
+                <a:latin typeface="Arial" panose="020B0604020202020204" pitchFamily="34" charset="0"/>
+                <a:ea typeface="DengXian" panose="02010600030101010101" pitchFamily="2" charset="-122"/>
+                <a:cs typeface="Arial" panose="020B0604020202020204" pitchFamily="34" charset="0"/>
+              </a:rPr>
+              <a:t> </a:t>
+            </a:r>
+            <a:r>
+              <a:rPr lang="en-US" sz="1800" dirty="0" err="1">
+                <a:effectLst/>
+                <a:latin typeface="Arial" panose="020B0604020202020204" pitchFamily="34" charset="0"/>
+                <a:ea typeface="DengXian" panose="02010600030101010101" pitchFamily="2" charset="-122"/>
+                <a:cs typeface="Arial" panose="020B0604020202020204" pitchFamily="34" charset="0"/>
+              </a:rPr>
+              <a:t>dapat</a:t>
+            </a:r>
+            <a:r>
+              <a:rPr lang="en-US" sz="1800" dirty="0">
+                <a:effectLst/>
+                <a:latin typeface="Arial" panose="020B0604020202020204" pitchFamily="34" charset="0"/>
+                <a:ea typeface="DengXian" panose="02010600030101010101" pitchFamily="2" charset="-122"/>
+                <a:cs typeface="Arial" panose="020B0604020202020204" pitchFamily="34" charset="0"/>
+              </a:rPr>
+              <a:t> </a:t>
+            </a:r>
+            <a:r>
+              <a:rPr lang="en-US" sz="1800" dirty="0" err="1">
+                <a:effectLst/>
+                <a:latin typeface="Arial" panose="020B0604020202020204" pitchFamily="34" charset="0"/>
+                <a:ea typeface="DengXian" panose="02010600030101010101" pitchFamily="2" charset="-122"/>
+                <a:cs typeface="Arial" panose="020B0604020202020204" pitchFamily="34" charset="0"/>
+              </a:rPr>
+              <a:t>dilakukan</a:t>
+            </a:r>
+            <a:r>
+              <a:rPr lang="en-US" sz="1800" dirty="0">
+                <a:effectLst/>
+                <a:latin typeface="Arial" panose="020B0604020202020204" pitchFamily="34" charset="0"/>
+                <a:ea typeface="DengXian" panose="02010600030101010101" pitchFamily="2" charset="-122"/>
+                <a:cs typeface="Arial" panose="020B0604020202020204" pitchFamily="34" charset="0"/>
+              </a:rPr>
+              <a:t> </a:t>
+            </a:r>
+            <a:r>
+              <a:rPr lang="en-US" sz="1800" dirty="0" err="1">
+                <a:effectLst/>
+                <a:latin typeface="Arial" panose="020B0604020202020204" pitchFamily="34" charset="0"/>
+                <a:ea typeface="DengXian" panose="02010600030101010101" pitchFamily="2" charset="-122"/>
+                <a:cs typeface="Arial" panose="020B0604020202020204" pitchFamily="34" charset="0"/>
+              </a:rPr>
+              <a:t>dengan</a:t>
+            </a:r>
+            <a:r>
+              <a:rPr lang="en-US" sz="1800" dirty="0">
+                <a:effectLst/>
+                <a:latin typeface="Arial" panose="020B0604020202020204" pitchFamily="34" charset="0"/>
+                <a:ea typeface="DengXian" panose="02010600030101010101" pitchFamily="2" charset="-122"/>
+                <a:cs typeface="Arial" panose="020B0604020202020204" pitchFamily="34" charset="0"/>
+              </a:rPr>
+              <a:t> </a:t>
+            </a:r>
+            <a:r>
+              <a:rPr lang="en-US" sz="1800" dirty="0" err="1">
+                <a:effectLst/>
+                <a:latin typeface="Arial" panose="020B0604020202020204" pitchFamily="34" charset="0"/>
+                <a:ea typeface="DengXian" panose="02010600030101010101" pitchFamily="2" charset="-122"/>
+                <a:cs typeface="Arial" panose="020B0604020202020204" pitchFamily="34" charset="0"/>
+              </a:rPr>
+              <a:t>menambahkan</a:t>
+            </a:r>
+            <a:r>
+              <a:rPr lang="en-US" sz="1800" dirty="0">
+                <a:effectLst/>
+                <a:latin typeface="Arial" panose="020B0604020202020204" pitchFamily="34" charset="0"/>
+                <a:ea typeface="DengXian" panose="02010600030101010101" pitchFamily="2" charset="-122"/>
+                <a:cs typeface="Arial" panose="020B0604020202020204" pitchFamily="34" charset="0"/>
+              </a:rPr>
+              <a:t> </a:t>
+            </a:r>
+            <a:r>
+              <a:rPr lang="en-US" sz="1800" dirty="0" err="1">
+                <a:effectLst/>
+                <a:latin typeface="Arial" panose="020B0604020202020204" pitchFamily="34" charset="0"/>
+                <a:ea typeface="DengXian" panose="02010600030101010101" pitchFamily="2" charset="-122"/>
+                <a:cs typeface="Arial" panose="020B0604020202020204" pitchFamily="34" charset="0"/>
+              </a:rPr>
+              <a:t>pekerjaan</a:t>
+            </a:r>
+            <a:r>
+              <a:rPr lang="en-US" sz="1800" dirty="0">
+                <a:effectLst/>
+                <a:latin typeface="Arial" panose="020B0604020202020204" pitchFamily="34" charset="0"/>
+                <a:ea typeface="DengXian" panose="02010600030101010101" pitchFamily="2" charset="-122"/>
+                <a:cs typeface="Arial" panose="020B0604020202020204" pitchFamily="34" charset="0"/>
+              </a:rPr>
+              <a:t> </a:t>
+            </a:r>
+            <a:r>
+              <a:rPr lang="en-US" sz="1800" dirty="0" err="1">
+                <a:effectLst/>
+                <a:latin typeface="Arial" panose="020B0604020202020204" pitchFamily="34" charset="0"/>
+                <a:ea typeface="DengXian" panose="02010600030101010101" pitchFamily="2" charset="-122"/>
+                <a:cs typeface="Arial" panose="020B0604020202020204" pitchFamily="34" charset="0"/>
+              </a:rPr>
+              <a:t>melalui</a:t>
+            </a:r>
+            <a:r>
+              <a:rPr lang="en-US" sz="1800" dirty="0">
+                <a:effectLst/>
+                <a:latin typeface="Arial" panose="020B0604020202020204" pitchFamily="34" charset="0"/>
+                <a:ea typeface="DengXian" panose="02010600030101010101" pitchFamily="2" charset="-122"/>
+                <a:cs typeface="Arial" panose="020B0604020202020204" pitchFamily="34" charset="0"/>
+              </a:rPr>
+              <a:t> To-Do </a:t>
+            </a:r>
+            <a:r>
+              <a:rPr lang="en-US" sz="1800" dirty="0" err="1">
+                <a:effectLst/>
+                <a:latin typeface="Arial" panose="020B0604020202020204" pitchFamily="34" charset="0"/>
+                <a:ea typeface="DengXian" panose="02010600030101010101" pitchFamily="2" charset="-122"/>
+                <a:cs typeface="Arial" panose="020B0604020202020204" pitchFamily="34" charset="0"/>
+              </a:rPr>
+              <a:t>kemudian</a:t>
+            </a:r>
+            <a:r>
+              <a:rPr lang="en-US" sz="1800" dirty="0">
+                <a:effectLst/>
+                <a:latin typeface="Arial" panose="020B0604020202020204" pitchFamily="34" charset="0"/>
+                <a:ea typeface="DengXian" panose="02010600030101010101" pitchFamily="2" charset="-122"/>
+                <a:cs typeface="Arial" panose="020B0604020202020204" pitchFamily="34" charset="0"/>
+              </a:rPr>
+              <a:t> </a:t>
+            </a:r>
+            <a:r>
+              <a:rPr lang="en-US" sz="1800" dirty="0" err="1">
+                <a:effectLst/>
+                <a:latin typeface="Arial" panose="020B0604020202020204" pitchFamily="34" charset="0"/>
+                <a:ea typeface="DengXian" panose="02010600030101010101" pitchFamily="2" charset="-122"/>
+                <a:cs typeface="Arial" panose="020B0604020202020204" pitchFamily="34" charset="0"/>
+              </a:rPr>
+              <a:t>ditambah</a:t>
+            </a:r>
+            <a:r>
+              <a:rPr lang="en-US" sz="1800" dirty="0">
+                <a:effectLst/>
+                <a:latin typeface="Arial" panose="020B0604020202020204" pitchFamily="34" charset="0"/>
+                <a:ea typeface="DengXian" panose="02010600030101010101" pitchFamily="2" charset="-122"/>
+                <a:cs typeface="Arial" panose="020B0604020202020204" pitchFamily="34" charset="0"/>
+              </a:rPr>
+              <a:t>. </a:t>
+            </a:r>
+            <a:r>
+              <a:rPr lang="en-US" sz="1800" dirty="0" err="1">
+                <a:effectLst/>
+                <a:latin typeface="Arial" panose="020B0604020202020204" pitchFamily="34" charset="0"/>
+                <a:ea typeface="DengXian" panose="02010600030101010101" pitchFamily="2" charset="-122"/>
+                <a:cs typeface="Arial" panose="020B0604020202020204" pitchFamily="34" charset="0"/>
+              </a:rPr>
+              <a:t>Untuk</a:t>
+            </a:r>
+            <a:r>
+              <a:rPr lang="en-US" sz="1800" dirty="0">
+                <a:effectLst/>
+                <a:latin typeface="Arial" panose="020B0604020202020204" pitchFamily="34" charset="0"/>
+                <a:ea typeface="DengXian" panose="02010600030101010101" pitchFamily="2" charset="-122"/>
+                <a:cs typeface="Arial" panose="020B0604020202020204" pitchFamily="34" charset="0"/>
+              </a:rPr>
+              <a:t> </a:t>
+            </a:r>
+            <a:r>
+              <a:rPr lang="en-US" sz="1800" dirty="0" err="1">
+                <a:effectLst/>
+                <a:latin typeface="Arial" panose="020B0604020202020204" pitchFamily="34" charset="0"/>
+                <a:ea typeface="DengXian" panose="02010600030101010101" pitchFamily="2" charset="-122"/>
+                <a:cs typeface="Arial" panose="020B0604020202020204" pitchFamily="34" charset="0"/>
+              </a:rPr>
+              <a:t>mengedit</a:t>
+            </a:r>
+            <a:r>
+              <a:rPr lang="en-US" sz="1800" dirty="0">
+                <a:effectLst/>
+                <a:latin typeface="Arial" panose="020B0604020202020204" pitchFamily="34" charset="0"/>
+                <a:ea typeface="DengXian" panose="02010600030101010101" pitchFamily="2" charset="-122"/>
+                <a:cs typeface="Arial" panose="020B0604020202020204" pitchFamily="34" charset="0"/>
+              </a:rPr>
+              <a:t> </a:t>
+            </a:r>
+            <a:r>
+              <a:rPr lang="en-US" sz="1800" dirty="0" err="1">
+                <a:effectLst/>
+                <a:latin typeface="Arial" panose="020B0604020202020204" pitchFamily="34" charset="0"/>
+                <a:ea typeface="DengXian" panose="02010600030101010101" pitchFamily="2" charset="-122"/>
+                <a:cs typeface="Arial" panose="020B0604020202020204" pitchFamily="34" charset="0"/>
+              </a:rPr>
+              <a:t>dapat</a:t>
+            </a:r>
+            <a:r>
+              <a:rPr lang="en-US" sz="1800" dirty="0">
+                <a:effectLst/>
+                <a:latin typeface="Arial" panose="020B0604020202020204" pitchFamily="34" charset="0"/>
+                <a:ea typeface="DengXian" panose="02010600030101010101" pitchFamily="2" charset="-122"/>
+                <a:cs typeface="Arial" panose="020B0604020202020204" pitchFamily="34" charset="0"/>
+              </a:rPr>
+              <a:t> </a:t>
+            </a:r>
+            <a:r>
+              <a:rPr lang="en-US" sz="1800" dirty="0" err="1">
+                <a:effectLst/>
+                <a:latin typeface="Arial" panose="020B0604020202020204" pitchFamily="34" charset="0"/>
+                <a:ea typeface="DengXian" panose="02010600030101010101" pitchFamily="2" charset="-122"/>
+                <a:cs typeface="Arial" panose="020B0604020202020204" pitchFamily="34" charset="0"/>
+              </a:rPr>
+              <a:t>dilakukan</a:t>
+            </a:r>
+            <a:r>
+              <a:rPr lang="en-US" sz="1800" dirty="0">
+                <a:effectLst/>
+                <a:latin typeface="Arial" panose="020B0604020202020204" pitchFamily="34" charset="0"/>
+                <a:ea typeface="DengXian" panose="02010600030101010101" pitchFamily="2" charset="-122"/>
+                <a:cs typeface="Arial" panose="020B0604020202020204" pitchFamily="34" charset="0"/>
+              </a:rPr>
+              <a:t> </a:t>
+            </a:r>
+            <a:r>
+              <a:rPr lang="en-US" sz="1800" dirty="0" err="1">
+                <a:effectLst/>
+                <a:latin typeface="Arial" panose="020B0604020202020204" pitchFamily="34" charset="0"/>
+                <a:ea typeface="DengXian" panose="02010600030101010101" pitchFamily="2" charset="-122"/>
+                <a:cs typeface="Arial" panose="020B0604020202020204" pitchFamily="34" charset="0"/>
+              </a:rPr>
+              <a:t>dengan</a:t>
+            </a:r>
+            <a:r>
+              <a:rPr lang="en-US" sz="1800" dirty="0">
+                <a:effectLst/>
+                <a:latin typeface="Arial" panose="020B0604020202020204" pitchFamily="34" charset="0"/>
+                <a:ea typeface="DengXian" panose="02010600030101010101" pitchFamily="2" charset="-122"/>
+                <a:cs typeface="Arial" panose="020B0604020202020204" pitchFamily="34" charset="0"/>
+              </a:rPr>
+              <a:t> </a:t>
+            </a:r>
+            <a:r>
+              <a:rPr lang="en-US" sz="1800" dirty="0" err="1">
+                <a:effectLst/>
+                <a:latin typeface="Arial" panose="020B0604020202020204" pitchFamily="34" charset="0"/>
+                <a:ea typeface="DengXian" panose="02010600030101010101" pitchFamily="2" charset="-122"/>
+                <a:cs typeface="Arial" panose="020B0604020202020204" pitchFamily="34" charset="0"/>
+              </a:rPr>
+              <a:t>mengklik</a:t>
+            </a:r>
+            <a:r>
+              <a:rPr lang="en-US" sz="1800" dirty="0">
+                <a:effectLst/>
+                <a:latin typeface="Arial" panose="020B0604020202020204" pitchFamily="34" charset="0"/>
+                <a:ea typeface="DengXian" panose="02010600030101010101" pitchFamily="2" charset="-122"/>
+                <a:cs typeface="Arial" panose="020B0604020202020204" pitchFamily="34" charset="0"/>
+              </a:rPr>
+              <a:t> dan </a:t>
+            </a:r>
+            <a:r>
+              <a:rPr lang="en-US" sz="1800" dirty="0" err="1">
+                <a:effectLst/>
+                <a:latin typeface="Arial" panose="020B0604020202020204" pitchFamily="34" charset="0"/>
+                <a:ea typeface="DengXian" panose="02010600030101010101" pitchFamily="2" charset="-122"/>
+                <a:cs typeface="Arial" panose="020B0604020202020204" pitchFamily="34" charset="0"/>
+              </a:rPr>
+              <a:t>untuk</a:t>
+            </a:r>
+            <a:r>
+              <a:rPr lang="en-US" sz="1800" dirty="0">
+                <a:effectLst/>
+                <a:latin typeface="Arial" panose="020B0604020202020204" pitchFamily="34" charset="0"/>
+                <a:ea typeface="DengXian" panose="02010600030101010101" pitchFamily="2" charset="-122"/>
+                <a:cs typeface="Arial" panose="020B0604020202020204" pitchFamily="34" charset="0"/>
+              </a:rPr>
+              <a:t> </a:t>
+            </a:r>
+            <a:r>
+              <a:rPr lang="en-US" sz="1800" dirty="0" err="1">
+                <a:effectLst/>
+                <a:latin typeface="Arial" panose="020B0604020202020204" pitchFamily="34" charset="0"/>
+                <a:ea typeface="DengXian" panose="02010600030101010101" pitchFamily="2" charset="-122"/>
+                <a:cs typeface="Arial" panose="020B0604020202020204" pitchFamily="34" charset="0"/>
+              </a:rPr>
+              <a:t>melakukan</a:t>
+            </a:r>
+            <a:r>
+              <a:rPr lang="en-US" sz="1800" dirty="0">
+                <a:effectLst/>
+                <a:latin typeface="Arial" panose="020B0604020202020204" pitchFamily="34" charset="0"/>
+                <a:ea typeface="DengXian" panose="02010600030101010101" pitchFamily="2" charset="-122"/>
+                <a:cs typeface="Arial" panose="020B0604020202020204" pitchFamily="34" charset="0"/>
+              </a:rPr>
+              <a:t> progress </a:t>
+            </a:r>
+            <a:r>
+              <a:rPr lang="en-US" sz="1800" dirty="0" err="1">
+                <a:effectLst/>
+                <a:latin typeface="Arial" panose="020B0604020202020204" pitchFamily="34" charset="0"/>
+                <a:ea typeface="DengXian" panose="02010600030101010101" pitchFamily="2" charset="-122"/>
+                <a:cs typeface="Arial" panose="020B0604020202020204" pitchFamily="34" charset="0"/>
+              </a:rPr>
+              <a:t>dapat</a:t>
+            </a:r>
+            <a:r>
+              <a:rPr lang="en-US" sz="1800" dirty="0">
+                <a:effectLst/>
+                <a:latin typeface="Arial" panose="020B0604020202020204" pitchFamily="34" charset="0"/>
+                <a:ea typeface="DengXian" panose="02010600030101010101" pitchFamily="2" charset="-122"/>
+                <a:cs typeface="Arial" panose="020B0604020202020204" pitchFamily="34" charset="0"/>
+              </a:rPr>
+              <a:t> </a:t>
+            </a:r>
+            <a:r>
+              <a:rPr lang="en-US" sz="1800" dirty="0" err="1">
+                <a:effectLst/>
+                <a:latin typeface="Arial" panose="020B0604020202020204" pitchFamily="34" charset="0"/>
+                <a:ea typeface="DengXian" panose="02010600030101010101" pitchFamily="2" charset="-122"/>
+                <a:cs typeface="Arial" panose="020B0604020202020204" pitchFamily="34" charset="0"/>
+              </a:rPr>
+              <a:t>dilakukan</a:t>
+            </a:r>
+            <a:r>
+              <a:rPr lang="en-US" sz="1800" dirty="0">
+                <a:effectLst/>
+                <a:latin typeface="Arial" panose="020B0604020202020204" pitchFamily="34" charset="0"/>
+                <a:ea typeface="DengXian" panose="02010600030101010101" pitchFamily="2" charset="-122"/>
+                <a:cs typeface="Arial" panose="020B0604020202020204" pitchFamily="34" charset="0"/>
+              </a:rPr>
+              <a:t> </a:t>
+            </a:r>
+            <a:r>
+              <a:rPr lang="en-US" sz="1800" dirty="0" err="1">
+                <a:effectLst/>
+                <a:latin typeface="Arial" panose="020B0604020202020204" pitchFamily="34" charset="0"/>
+                <a:ea typeface="DengXian" panose="02010600030101010101" pitchFamily="2" charset="-122"/>
+                <a:cs typeface="Arial" panose="020B0604020202020204" pitchFamily="34" charset="0"/>
+              </a:rPr>
+              <a:t>dengan</a:t>
+            </a:r>
+            <a:r>
+              <a:rPr lang="en-US" sz="1800" dirty="0">
+                <a:effectLst/>
+                <a:latin typeface="Arial" panose="020B0604020202020204" pitchFamily="34" charset="0"/>
+                <a:ea typeface="DengXian" panose="02010600030101010101" pitchFamily="2" charset="-122"/>
+                <a:cs typeface="Arial" panose="020B0604020202020204" pitchFamily="34" charset="0"/>
+              </a:rPr>
+              <a:t> </a:t>
+            </a:r>
+            <a:r>
+              <a:rPr lang="en-US" sz="1800" dirty="0" err="1">
+                <a:effectLst/>
+                <a:latin typeface="Arial" panose="020B0604020202020204" pitchFamily="34" charset="0"/>
+                <a:ea typeface="DengXian" panose="02010600030101010101" pitchFamily="2" charset="-122"/>
+                <a:cs typeface="Arial" panose="020B0604020202020204" pitchFamily="34" charset="0"/>
+              </a:rPr>
+              <a:t>melakukan</a:t>
+            </a:r>
+            <a:r>
+              <a:rPr lang="en-US" sz="1800" dirty="0">
+                <a:effectLst/>
+                <a:latin typeface="Arial" panose="020B0604020202020204" pitchFamily="34" charset="0"/>
+                <a:ea typeface="DengXian" panose="02010600030101010101" pitchFamily="2" charset="-122"/>
+                <a:cs typeface="Arial" panose="020B0604020202020204" pitchFamily="34" charset="0"/>
+              </a:rPr>
+              <a:t> drag pada </a:t>
+            </a:r>
+            <a:r>
+              <a:rPr lang="en-US" sz="1800" dirty="0" err="1">
+                <a:effectLst/>
+                <a:latin typeface="Arial" panose="020B0604020202020204" pitchFamily="34" charset="0"/>
+                <a:ea typeface="DengXian" panose="02010600030101010101" pitchFamily="2" charset="-122"/>
+                <a:cs typeface="Arial" panose="020B0604020202020204" pitchFamily="34" charset="0"/>
+              </a:rPr>
+              <a:t>setiap</a:t>
+            </a:r>
+            <a:r>
+              <a:rPr lang="en-US" sz="1800" dirty="0">
+                <a:effectLst/>
+                <a:latin typeface="Arial" panose="020B0604020202020204" pitchFamily="34" charset="0"/>
+                <a:ea typeface="DengXian" panose="02010600030101010101" pitchFamily="2" charset="-122"/>
+                <a:cs typeface="Arial" panose="020B0604020202020204" pitchFamily="34" charset="0"/>
+              </a:rPr>
+              <a:t> daftar </a:t>
+            </a:r>
+            <a:r>
+              <a:rPr lang="en-US" sz="1800" dirty="0" err="1">
+                <a:effectLst/>
+                <a:latin typeface="Arial" panose="020B0604020202020204" pitchFamily="34" charset="0"/>
+                <a:ea typeface="DengXian" panose="02010600030101010101" pitchFamily="2" charset="-122"/>
+                <a:cs typeface="Arial" panose="020B0604020202020204" pitchFamily="34" charset="0"/>
+              </a:rPr>
+              <a:t>kerja</a:t>
+            </a:r>
+            <a:r>
+              <a:rPr lang="en-US" sz="1800" dirty="0">
+                <a:effectLst/>
+                <a:latin typeface="Arial" panose="020B0604020202020204" pitchFamily="34" charset="0"/>
+                <a:ea typeface="DengXian" panose="02010600030101010101" pitchFamily="2" charset="-122"/>
+                <a:cs typeface="Arial" panose="020B0604020202020204" pitchFamily="34" charset="0"/>
+              </a:rPr>
+              <a:t> yang </a:t>
+            </a:r>
+            <a:r>
+              <a:rPr lang="en-US" sz="1800" dirty="0" err="1">
+                <a:effectLst/>
+                <a:latin typeface="Arial" panose="020B0604020202020204" pitchFamily="34" charset="0"/>
+                <a:ea typeface="DengXian" panose="02010600030101010101" pitchFamily="2" charset="-122"/>
+                <a:cs typeface="Arial" panose="020B0604020202020204" pitchFamily="34" charset="0"/>
+              </a:rPr>
+              <a:t>sudah</a:t>
+            </a:r>
+            <a:r>
+              <a:rPr lang="en-US" sz="1800" dirty="0">
+                <a:effectLst/>
+                <a:latin typeface="Arial" panose="020B0604020202020204" pitchFamily="34" charset="0"/>
+                <a:ea typeface="DengXian" panose="02010600030101010101" pitchFamily="2" charset="-122"/>
+                <a:cs typeface="Arial" panose="020B0604020202020204" pitchFamily="34" charset="0"/>
+              </a:rPr>
+              <a:t> </a:t>
+            </a:r>
+            <a:r>
+              <a:rPr lang="en-US" sz="1800" dirty="0" err="1">
+                <a:effectLst/>
+                <a:latin typeface="Arial" panose="020B0604020202020204" pitchFamily="34" charset="0"/>
+                <a:ea typeface="DengXian" panose="02010600030101010101" pitchFamily="2" charset="-122"/>
+                <a:cs typeface="Arial" panose="020B0604020202020204" pitchFamily="34" charset="0"/>
+              </a:rPr>
+              <a:t>dibuat</a:t>
+            </a:r>
+            <a:r>
+              <a:rPr lang="en-US" sz="1800" dirty="0">
+                <a:effectLst/>
+                <a:latin typeface="Arial" panose="020B0604020202020204" pitchFamily="34" charset="0"/>
+                <a:ea typeface="DengXian" panose="02010600030101010101" pitchFamily="2" charset="-122"/>
+                <a:cs typeface="Arial" panose="020B0604020202020204" pitchFamily="34" charset="0"/>
+              </a:rPr>
+              <a:t> </a:t>
+            </a:r>
+            <a:r>
+              <a:rPr lang="en-US" sz="1800" dirty="0" err="1">
+                <a:effectLst/>
+                <a:latin typeface="Arial" panose="020B0604020202020204" pitchFamily="34" charset="0"/>
+                <a:ea typeface="DengXian" panose="02010600030101010101" pitchFamily="2" charset="-122"/>
+                <a:cs typeface="Arial" panose="020B0604020202020204" pitchFamily="34" charset="0"/>
+              </a:rPr>
+              <a:t>ke</a:t>
+            </a:r>
+            <a:r>
+              <a:rPr lang="en-US" sz="1800" dirty="0">
+                <a:effectLst/>
+                <a:latin typeface="Arial" panose="020B0604020202020204" pitchFamily="34" charset="0"/>
+                <a:ea typeface="DengXian" panose="02010600030101010101" pitchFamily="2" charset="-122"/>
+                <a:cs typeface="Arial" panose="020B0604020202020204" pitchFamily="34" charset="0"/>
+              </a:rPr>
+              <a:t> </a:t>
+            </a:r>
+            <a:r>
+              <a:rPr lang="en-US" sz="1800" dirty="0" err="1">
+                <a:effectLst/>
+                <a:latin typeface="Arial" panose="020B0604020202020204" pitchFamily="34" charset="0"/>
+                <a:ea typeface="DengXian" panose="02010600030101010101" pitchFamily="2" charset="-122"/>
+                <a:cs typeface="Arial" panose="020B0604020202020204" pitchFamily="34" charset="0"/>
+              </a:rPr>
+              <a:t>dalam</a:t>
+            </a:r>
+            <a:r>
+              <a:rPr lang="en-US" sz="1800" dirty="0">
+                <a:effectLst/>
+                <a:latin typeface="Arial" panose="020B0604020202020204" pitchFamily="34" charset="0"/>
+                <a:ea typeface="DengXian" panose="02010600030101010101" pitchFamily="2" charset="-122"/>
+                <a:cs typeface="Arial" panose="020B0604020202020204" pitchFamily="34" charset="0"/>
+              </a:rPr>
+              <a:t> </a:t>
+            </a:r>
+            <a:r>
+              <a:rPr lang="en-US" sz="1800" dirty="0" err="1">
+                <a:effectLst/>
+                <a:latin typeface="Arial" panose="020B0604020202020204" pitchFamily="34" charset="0"/>
+                <a:ea typeface="DengXian" panose="02010600030101010101" pitchFamily="2" charset="-122"/>
+                <a:cs typeface="Arial" panose="020B0604020202020204" pitchFamily="34" charset="0"/>
+              </a:rPr>
+              <a:t>kolom</a:t>
+            </a:r>
+            <a:r>
+              <a:rPr lang="en-US" sz="1800" dirty="0">
+                <a:effectLst/>
+                <a:latin typeface="Arial" panose="020B0604020202020204" pitchFamily="34" charset="0"/>
+                <a:ea typeface="DengXian" panose="02010600030101010101" pitchFamily="2" charset="-122"/>
+                <a:cs typeface="Arial" panose="020B0604020202020204" pitchFamily="34" charset="0"/>
+              </a:rPr>
+              <a:t> yang </a:t>
+            </a:r>
+            <a:r>
+              <a:rPr lang="en-US" sz="1800" dirty="0" err="1">
+                <a:effectLst/>
+                <a:latin typeface="Arial" panose="020B0604020202020204" pitchFamily="34" charset="0"/>
+                <a:ea typeface="DengXian" panose="02010600030101010101" pitchFamily="2" charset="-122"/>
+                <a:cs typeface="Arial" panose="020B0604020202020204" pitchFamily="34" charset="0"/>
+              </a:rPr>
+              <a:t>sesuai</a:t>
+            </a:r>
+            <a:r>
+              <a:rPr lang="en-US" sz="1800" dirty="0">
+                <a:effectLst/>
+                <a:latin typeface="Arial" panose="020B0604020202020204" pitchFamily="34" charset="0"/>
+                <a:ea typeface="DengXian" panose="02010600030101010101" pitchFamily="2" charset="-122"/>
+                <a:cs typeface="Arial" panose="020B0604020202020204" pitchFamily="34" charset="0"/>
+              </a:rPr>
+              <a:t>. Notion </a:t>
+            </a:r>
+            <a:r>
+              <a:rPr lang="en-US" sz="1800" dirty="0" err="1">
+                <a:effectLst/>
+                <a:latin typeface="Arial" panose="020B0604020202020204" pitchFamily="34" charset="0"/>
+                <a:ea typeface="DengXian" panose="02010600030101010101" pitchFamily="2" charset="-122"/>
+                <a:cs typeface="Arial" panose="020B0604020202020204" pitchFamily="34" charset="0"/>
+              </a:rPr>
+              <a:t>memiliki</a:t>
+            </a:r>
+            <a:r>
+              <a:rPr lang="en-US" sz="1800" dirty="0">
+                <a:effectLst/>
+                <a:latin typeface="Arial" panose="020B0604020202020204" pitchFamily="34" charset="0"/>
+                <a:ea typeface="DengXian" panose="02010600030101010101" pitchFamily="2" charset="-122"/>
+                <a:cs typeface="Arial" panose="020B0604020202020204" pitchFamily="34" charset="0"/>
+              </a:rPr>
+              <a:t> </a:t>
+            </a:r>
+            <a:r>
+              <a:rPr lang="en-US" sz="1800" dirty="0" err="1">
+                <a:effectLst/>
+                <a:latin typeface="Arial" panose="020B0604020202020204" pitchFamily="34" charset="0"/>
+                <a:ea typeface="DengXian" panose="02010600030101010101" pitchFamily="2" charset="-122"/>
+                <a:cs typeface="Arial" panose="020B0604020202020204" pitchFamily="34" charset="0"/>
+              </a:rPr>
+              <a:t>kekurangan</a:t>
+            </a:r>
+            <a:r>
+              <a:rPr lang="en-US" sz="1800" dirty="0">
+                <a:effectLst/>
+                <a:latin typeface="Arial" panose="020B0604020202020204" pitchFamily="34" charset="0"/>
+                <a:ea typeface="DengXian" panose="02010600030101010101" pitchFamily="2" charset="-122"/>
+                <a:cs typeface="Arial" panose="020B0604020202020204" pitchFamily="34" charset="0"/>
+              </a:rPr>
+              <a:t>, </a:t>
+            </a:r>
+            <a:r>
+              <a:rPr lang="en-US" sz="1800" dirty="0" err="1">
+                <a:effectLst/>
+                <a:latin typeface="Arial" panose="020B0604020202020204" pitchFamily="34" charset="0"/>
+                <a:ea typeface="DengXian" panose="02010600030101010101" pitchFamily="2" charset="-122"/>
+                <a:cs typeface="Arial" panose="020B0604020202020204" pitchFamily="34" charset="0"/>
+              </a:rPr>
+              <a:t>yaitu</a:t>
+            </a:r>
+            <a:r>
+              <a:rPr lang="en-US" sz="1800" dirty="0">
+                <a:effectLst/>
+                <a:latin typeface="Arial" panose="020B0604020202020204" pitchFamily="34" charset="0"/>
+                <a:ea typeface="DengXian" panose="02010600030101010101" pitchFamily="2" charset="-122"/>
+                <a:cs typeface="Arial" panose="020B0604020202020204" pitchFamily="34" charset="0"/>
+              </a:rPr>
+              <a:t> </a:t>
+            </a:r>
+            <a:r>
+              <a:rPr lang="en-US" sz="1800" dirty="0" err="1">
+                <a:effectLst/>
+                <a:latin typeface="Arial" panose="020B0604020202020204" pitchFamily="34" charset="0"/>
+                <a:ea typeface="DengXian" panose="02010600030101010101" pitchFamily="2" charset="-122"/>
+                <a:cs typeface="Arial" panose="020B0604020202020204" pitchFamily="34" charset="0"/>
+              </a:rPr>
+              <a:t>tidak</a:t>
+            </a:r>
+            <a:r>
+              <a:rPr lang="en-US" sz="1800" dirty="0">
+                <a:effectLst/>
+                <a:latin typeface="Arial" panose="020B0604020202020204" pitchFamily="34" charset="0"/>
+                <a:ea typeface="DengXian" panose="02010600030101010101" pitchFamily="2" charset="-122"/>
+                <a:cs typeface="Arial" panose="020B0604020202020204" pitchFamily="34" charset="0"/>
+              </a:rPr>
+              <a:t> </a:t>
+            </a:r>
+            <a:r>
+              <a:rPr lang="en-US" sz="1800" dirty="0" err="1">
+                <a:effectLst/>
+                <a:latin typeface="Arial" panose="020B0604020202020204" pitchFamily="34" charset="0"/>
+                <a:ea typeface="DengXian" panose="02010600030101010101" pitchFamily="2" charset="-122"/>
+                <a:cs typeface="Arial" panose="020B0604020202020204" pitchFamily="34" charset="0"/>
+              </a:rPr>
+              <a:t>dapat</a:t>
+            </a:r>
+            <a:r>
+              <a:rPr lang="en-US" sz="1800" dirty="0">
+                <a:effectLst/>
+                <a:latin typeface="Arial" panose="020B0604020202020204" pitchFamily="34" charset="0"/>
+                <a:ea typeface="DengXian" panose="02010600030101010101" pitchFamily="2" charset="-122"/>
+                <a:cs typeface="Arial" panose="020B0604020202020204" pitchFamily="34" charset="0"/>
+              </a:rPr>
+              <a:t> </a:t>
+            </a:r>
+            <a:r>
+              <a:rPr lang="en-US" sz="1800" dirty="0" err="1">
+                <a:effectLst/>
+                <a:latin typeface="Arial" panose="020B0604020202020204" pitchFamily="34" charset="0"/>
+                <a:ea typeface="DengXian" panose="02010600030101010101" pitchFamily="2" charset="-122"/>
+                <a:cs typeface="Arial" panose="020B0604020202020204" pitchFamily="34" charset="0"/>
+              </a:rPr>
+              <a:t>melakukan</a:t>
+            </a:r>
+            <a:r>
+              <a:rPr lang="en-US" sz="1800" dirty="0">
+                <a:effectLst/>
+                <a:latin typeface="Arial" panose="020B0604020202020204" pitchFamily="34" charset="0"/>
+                <a:ea typeface="DengXian" panose="02010600030101010101" pitchFamily="2" charset="-122"/>
+                <a:cs typeface="Arial" panose="020B0604020202020204" pitchFamily="34" charset="0"/>
+              </a:rPr>
+              <a:t> </a:t>
+            </a:r>
+            <a:r>
+              <a:rPr lang="en-US" sz="1800" dirty="0" err="1">
+                <a:effectLst/>
+                <a:latin typeface="Arial" panose="020B0604020202020204" pitchFamily="34" charset="0"/>
+                <a:ea typeface="DengXian" panose="02010600030101010101" pitchFamily="2" charset="-122"/>
+                <a:cs typeface="Arial" panose="020B0604020202020204" pitchFamily="34" charset="0"/>
+              </a:rPr>
+              <a:t>komunikasi</a:t>
+            </a:r>
+            <a:r>
+              <a:rPr lang="en-US" sz="1800" dirty="0">
+                <a:effectLst/>
+                <a:latin typeface="Arial" panose="020B0604020202020204" pitchFamily="34" charset="0"/>
+                <a:ea typeface="DengXian" panose="02010600030101010101" pitchFamily="2" charset="-122"/>
+                <a:cs typeface="Arial" panose="020B0604020202020204" pitchFamily="34" charset="0"/>
+              </a:rPr>
+              <a:t> </a:t>
+            </a:r>
+            <a:r>
+              <a:rPr lang="en-US" sz="1800" dirty="0" err="1">
+                <a:effectLst/>
+                <a:latin typeface="Arial" panose="020B0604020202020204" pitchFamily="34" charset="0"/>
+                <a:ea typeface="DengXian" panose="02010600030101010101" pitchFamily="2" charset="-122"/>
+                <a:cs typeface="Arial" panose="020B0604020202020204" pitchFamily="34" charset="0"/>
+              </a:rPr>
+              <a:t>secara</a:t>
+            </a:r>
+            <a:r>
+              <a:rPr lang="en-US" sz="1800" dirty="0">
+                <a:effectLst/>
+                <a:latin typeface="Arial" panose="020B0604020202020204" pitchFamily="34" charset="0"/>
+                <a:ea typeface="DengXian" panose="02010600030101010101" pitchFamily="2" charset="-122"/>
+                <a:cs typeface="Arial" panose="020B0604020202020204" pitchFamily="34" charset="0"/>
+              </a:rPr>
+              <a:t> </a:t>
+            </a:r>
+            <a:r>
+              <a:rPr lang="en-US" sz="1800" dirty="0" err="1">
+                <a:effectLst/>
+                <a:latin typeface="Arial" panose="020B0604020202020204" pitchFamily="34" charset="0"/>
+                <a:ea typeface="DengXian" panose="02010600030101010101" pitchFamily="2" charset="-122"/>
+                <a:cs typeface="Arial" panose="020B0604020202020204" pitchFamily="34" charset="0"/>
+              </a:rPr>
+              <a:t>langsung</a:t>
+            </a:r>
+            <a:r>
+              <a:rPr lang="en-US" sz="1800" dirty="0">
+                <a:effectLst/>
+                <a:latin typeface="Arial" panose="020B0604020202020204" pitchFamily="34" charset="0"/>
+                <a:ea typeface="DengXian" panose="02010600030101010101" pitchFamily="2" charset="-122"/>
+                <a:cs typeface="Arial" panose="020B0604020202020204" pitchFamily="34" charset="0"/>
+              </a:rPr>
+              <a:t> pada </a:t>
+            </a:r>
+            <a:r>
+              <a:rPr lang="en-US" sz="1800" dirty="0" err="1">
+                <a:effectLst/>
+                <a:latin typeface="Arial" panose="020B0604020202020204" pitchFamily="34" charset="0"/>
+                <a:ea typeface="DengXian" panose="02010600030101010101" pitchFamily="2" charset="-122"/>
+                <a:cs typeface="Arial" panose="020B0604020202020204" pitchFamily="34" charset="0"/>
+              </a:rPr>
+              <a:t>aplikasinya</a:t>
+            </a:r>
+            <a:r>
+              <a:rPr lang="en-US" sz="1800" dirty="0">
+                <a:effectLst/>
+                <a:latin typeface="Arial" panose="020B0604020202020204" pitchFamily="34" charset="0"/>
+                <a:ea typeface="DengXian" panose="02010600030101010101" pitchFamily="2" charset="-122"/>
+                <a:cs typeface="Arial" panose="020B0604020202020204" pitchFamily="34" charset="0"/>
               </a:rPr>
               <a:t>.</a:t>
             </a:r>
             <a:endParaRPr lang="id-ID" sz="1800" dirty="0">
               <a:effectLst/>
-              <a:latin typeface="Times New Roman" panose="02020603050405020304" pitchFamily="18" charset="0"/>
+              <a:latin typeface="Arial" panose="020B0604020202020204" pitchFamily="34" charset="0"/>
               <a:ea typeface="DengXian" panose="02010600030101010101" pitchFamily="2" charset="-122"/>
               <a:cs typeface="Times New Roman" panose="02020603050405020304" pitchFamily="18" charset="0"/>
             </a:endParaRPr>
@@ -8475,34 +9551,6 @@
           </a:p>
         </p:txBody>
       </p:sp>
-      <p:pic>
-        <p:nvPicPr>
-          <p:cNvPr id="4" name="Picture 3"/>
-          <p:cNvPicPr/>
-          <p:nvPr/>
-        </p:nvPicPr>
-        <p:blipFill>
-          <a:blip r:embed="rId1" cstate="print">
-            <a:extLst>
-              <a:ext uri="{28A0092B-C50C-407E-A947-70E740481C1C}">
-                <a14:useLocalDpi xmlns:a14="http://schemas.microsoft.com/office/drawing/2010/main" val="0"/>
-              </a:ext>
-            </a:extLst>
-          </a:blip>
-          <a:stretch>
-            <a:fillRect/>
-          </a:stretch>
-        </p:blipFill>
-        <p:spPr>
-          <a:xfrm>
-            <a:off x="1212697" y="2285999"/>
-            <a:ext cx="9942983" cy="3928189"/>
-          </a:xfrm>
-          <a:prstGeom prst="rect">
-            <a:avLst/>
-          </a:prstGeom>
-        </p:spPr>
-      </p:pic>
     </p:spTree>
   </p:cSld>
   <p:clrMapOvr>
@@ -8530,7 +9578,13 @@
       </p:grpSpPr>
       <p:sp>
         <p:nvSpPr>
-          <p:cNvPr id="2" name="Title 1"/>
+          <p:cNvPr id="2" name="Title 1">
+            <a:extLst>
+              <a:ext uri="{FF2B5EF4-FFF2-40B4-BE49-F238E27FC236}">
+                <a16:creationId xmlns:a16="http://schemas.microsoft.com/office/drawing/2014/main" id="{AD7EE6D4-E276-4C4F-9A99-08080E05DD27}"/>
+              </a:ext>
+            </a:extLst>
+          </p:cNvPr>
           <p:cNvSpPr>
             <a:spLocks noGrp="1"/>
           </p:cNvSpPr>
@@ -8538,279 +9592,33 @@
             <p:ph type="title"/>
           </p:nvPr>
         </p:nvSpPr>
-        <p:spPr>
-          <a:xfrm>
-            <a:off x="1219200" y="886691"/>
-            <a:ext cx="9936479" cy="864227"/>
-          </a:xfrm>
-        </p:spPr>
+        <p:spPr/>
         <p:txBody>
-          <a:bodyPr>
-            <a:normAutofit/>
-          </a:bodyPr>
+          <a:bodyPr/>
           <a:lstStyle/>
           <a:p>
-            <a:r>
-              <a:rPr lang="en-US" dirty="0"/>
-              <a:t>D</a:t>
-            </a:r>
-            <a:r>
-              <a:rPr lang="id-ID" dirty="0"/>
-              <a:t>IAGRAM</a:t>
-            </a:r>
-            <a:r>
-              <a:rPr lang="en-US" dirty="0"/>
-              <a:t> : Draw.io</a:t>
-            </a:r>
-            <a:endParaRPr lang="id-ID" dirty="0"/>
-          </a:p>
-        </p:txBody>
-      </p:sp>
-      <p:sp>
-        <p:nvSpPr>
-          <p:cNvPr id="6" name="Content Placeholder 5"/>
-          <p:cNvSpPr>
-            <a:spLocks noGrp="1"/>
-          </p:cNvSpPr>
-          <p:nvPr>
-            <p:ph idx="1"/>
-          </p:nvPr>
-        </p:nvSpPr>
-        <p:spPr>
-          <a:xfrm>
-            <a:off x="1127760" y="1750918"/>
-            <a:ext cx="9936479" cy="354972"/>
-          </a:xfrm>
-        </p:spPr>
-        <p:txBody>
-          <a:bodyPr>
-            <a:normAutofit lnSpcReduction="10000"/>
-          </a:bodyPr>
-          <a:lstStyle/>
-          <a:p>
-            <a:r>
-              <a:rPr lang="en-US" sz="1800" dirty="0" err="1">
-                <a:effectLst/>
-                <a:latin typeface="Times New Roman" panose="02020603050405020304" pitchFamily="18" charset="0"/>
-                <a:ea typeface="DengXian" panose="02010600030101010101" pitchFamily="2" charset="-122"/>
-                <a:cs typeface="Times New Roman" panose="02020603050405020304" pitchFamily="18" charset="0"/>
-              </a:rPr>
-              <a:t>Aplikasi</a:t>
-            </a:r>
-            <a:r>
-              <a:rPr lang="en-US" sz="1800" dirty="0">
-                <a:effectLst/>
-                <a:latin typeface="Times New Roman" panose="02020603050405020304" pitchFamily="18" charset="0"/>
-                <a:ea typeface="DengXian" panose="02010600030101010101" pitchFamily="2" charset="-122"/>
-                <a:cs typeface="Times New Roman" panose="02020603050405020304" pitchFamily="18" charset="0"/>
-              </a:rPr>
-              <a:t> </a:t>
-            </a:r>
-            <a:r>
-              <a:rPr lang="en-US" sz="1800" dirty="0" err="1">
-                <a:effectLst/>
-                <a:latin typeface="Times New Roman" panose="02020603050405020304" pitchFamily="18" charset="0"/>
-                <a:ea typeface="DengXian" panose="02010600030101010101" pitchFamily="2" charset="-122"/>
-                <a:cs typeface="Times New Roman" panose="02020603050405020304" pitchFamily="18" charset="0"/>
-              </a:rPr>
-              <a:t>ini</a:t>
-            </a:r>
-            <a:r>
-              <a:rPr lang="en-US" sz="1800" dirty="0">
-                <a:effectLst/>
-                <a:latin typeface="Times New Roman" panose="02020603050405020304" pitchFamily="18" charset="0"/>
-                <a:ea typeface="DengXian" panose="02010600030101010101" pitchFamily="2" charset="-122"/>
-                <a:cs typeface="Times New Roman" panose="02020603050405020304" pitchFamily="18" charset="0"/>
-              </a:rPr>
-              <a:t> </a:t>
-            </a:r>
-            <a:r>
-              <a:rPr lang="en-US" sz="1800" dirty="0" err="1">
-                <a:effectLst/>
-                <a:latin typeface="Times New Roman" panose="02020603050405020304" pitchFamily="18" charset="0"/>
-                <a:ea typeface="DengXian" panose="02010600030101010101" pitchFamily="2" charset="-122"/>
-                <a:cs typeface="Times New Roman" panose="02020603050405020304" pitchFamily="18" charset="0"/>
-              </a:rPr>
-              <a:t>dipilih</a:t>
-            </a:r>
-            <a:r>
-              <a:rPr lang="en-US" sz="1800" dirty="0">
-                <a:effectLst/>
-                <a:latin typeface="Times New Roman" panose="02020603050405020304" pitchFamily="18" charset="0"/>
-                <a:ea typeface="DengXian" panose="02010600030101010101" pitchFamily="2" charset="-122"/>
-                <a:cs typeface="Times New Roman" panose="02020603050405020304" pitchFamily="18" charset="0"/>
-              </a:rPr>
-              <a:t> </a:t>
-            </a:r>
-            <a:r>
-              <a:rPr lang="en-US" sz="1800" dirty="0" err="1">
-                <a:effectLst/>
-                <a:latin typeface="Times New Roman" panose="02020603050405020304" pitchFamily="18" charset="0"/>
-                <a:ea typeface="DengXian" panose="02010600030101010101" pitchFamily="2" charset="-122"/>
-                <a:cs typeface="Times New Roman" panose="02020603050405020304" pitchFamily="18" charset="0"/>
-              </a:rPr>
-              <a:t>karena</a:t>
-            </a:r>
-            <a:r>
-              <a:rPr lang="en-US" sz="1800" dirty="0">
-                <a:effectLst/>
-                <a:latin typeface="Times New Roman" panose="02020603050405020304" pitchFamily="18" charset="0"/>
-                <a:ea typeface="DengXian" panose="02010600030101010101" pitchFamily="2" charset="-122"/>
-                <a:cs typeface="Times New Roman" panose="02020603050405020304" pitchFamily="18" charset="0"/>
-              </a:rPr>
-              <a:t> </a:t>
-            </a:r>
-            <a:r>
-              <a:rPr lang="en-US" sz="1800" dirty="0" err="1">
-                <a:effectLst/>
-                <a:latin typeface="Times New Roman" panose="02020603050405020304" pitchFamily="18" charset="0"/>
-                <a:ea typeface="DengXian" panose="02010600030101010101" pitchFamily="2" charset="-122"/>
-                <a:cs typeface="Times New Roman" panose="02020603050405020304" pitchFamily="18" charset="0"/>
-              </a:rPr>
-              <a:t>mudah</a:t>
-            </a:r>
-            <a:r>
-              <a:rPr lang="en-US" sz="1800" dirty="0">
-                <a:effectLst/>
-                <a:latin typeface="Times New Roman" panose="02020603050405020304" pitchFamily="18" charset="0"/>
-                <a:ea typeface="DengXian" panose="02010600030101010101" pitchFamily="2" charset="-122"/>
-                <a:cs typeface="Times New Roman" panose="02020603050405020304" pitchFamily="18" charset="0"/>
-              </a:rPr>
-              <a:t> </a:t>
-            </a:r>
-            <a:r>
-              <a:rPr lang="en-US" sz="1800" dirty="0" err="1">
-                <a:effectLst/>
-                <a:latin typeface="Times New Roman" panose="02020603050405020304" pitchFamily="18" charset="0"/>
-                <a:ea typeface="DengXian" panose="02010600030101010101" pitchFamily="2" charset="-122"/>
-                <a:cs typeface="Times New Roman" panose="02020603050405020304" pitchFamily="18" charset="0"/>
-              </a:rPr>
-              <a:t>diakses</a:t>
-            </a:r>
-            <a:r>
-              <a:rPr lang="en-US" sz="1800" dirty="0">
-                <a:effectLst/>
-                <a:latin typeface="Times New Roman" panose="02020603050405020304" pitchFamily="18" charset="0"/>
-                <a:ea typeface="DengXian" panose="02010600030101010101" pitchFamily="2" charset="-122"/>
-                <a:cs typeface="Times New Roman" panose="02020603050405020304" pitchFamily="18" charset="0"/>
-              </a:rPr>
-              <a:t> dan </a:t>
-            </a:r>
-            <a:r>
-              <a:rPr lang="en-US" sz="1800" dirty="0" err="1">
-                <a:effectLst/>
-                <a:latin typeface="Times New Roman" panose="02020603050405020304" pitchFamily="18" charset="0"/>
-                <a:ea typeface="DengXian" panose="02010600030101010101" pitchFamily="2" charset="-122"/>
-                <a:cs typeface="Times New Roman" panose="02020603050405020304" pitchFamily="18" charset="0"/>
-              </a:rPr>
-              <a:t>memiliki</a:t>
-            </a:r>
-            <a:r>
-              <a:rPr lang="en-US" sz="1800" dirty="0">
-                <a:effectLst/>
-                <a:latin typeface="Times New Roman" panose="02020603050405020304" pitchFamily="18" charset="0"/>
-                <a:ea typeface="DengXian" panose="02010600030101010101" pitchFamily="2" charset="-122"/>
-                <a:cs typeface="Times New Roman" panose="02020603050405020304" pitchFamily="18" charset="0"/>
-              </a:rPr>
-              <a:t> </a:t>
-            </a:r>
-            <a:r>
-              <a:rPr lang="en-US" sz="1800" dirty="0" err="1">
-                <a:effectLst/>
-                <a:latin typeface="Times New Roman" panose="02020603050405020304" pitchFamily="18" charset="0"/>
-                <a:ea typeface="DengXian" panose="02010600030101010101" pitchFamily="2" charset="-122"/>
-                <a:cs typeface="Times New Roman" panose="02020603050405020304" pitchFamily="18" charset="0"/>
-              </a:rPr>
-              <a:t>banyak</a:t>
-            </a:r>
-            <a:r>
-              <a:rPr lang="en-US" sz="1800" dirty="0">
-                <a:effectLst/>
-                <a:latin typeface="Times New Roman" panose="02020603050405020304" pitchFamily="18" charset="0"/>
-                <a:ea typeface="DengXian" panose="02010600030101010101" pitchFamily="2" charset="-122"/>
-                <a:cs typeface="Times New Roman" panose="02020603050405020304" pitchFamily="18" charset="0"/>
-              </a:rPr>
-              <a:t> </a:t>
-            </a:r>
-            <a:r>
-              <a:rPr lang="en-US" sz="1800" dirty="0" err="1">
-                <a:effectLst/>
-                <a:latin typeface="Times New Roman" panose="02020603050405020304" pitchFamily="18" charset="0"/>
-                <a:ea typeface="DengXian" panose="02010600030101010101" pitchFamily="2" charset="-122"/>
-                <a:cs typeface="Times New Roman" panose="02020603050405020304" pitchFamily="18" charset="0"/>
-              </a:rPr>
-              <a:t>jenis</a:t>
-            </a:r>
-            <a:r>
-              <a:rPr lang="en-US" sz="1800" dirty="0">
-                <a:effectLst/>
-                <a:latin typeface="Times New Roman" panose="02020603050405020304" pitchFamily="18" charset="0"/>
-                <a:ea typeface="DengXian" panose="02010600030101010101" pitchFamily="2" charset="-122"/>
-                <a:cs typeface="Times New Roman" panose="02020603050405020304" pitchFamily="18" charset="0"/>
-              </a:rPr>
-              <a:t> </a:t>
-            </a:r>
-            <a:r>
-              <a:rPr lang="en-US" sz="1800" dirty="0" err="1">
-                <a:effectLst/>
-                <a:latin typeface="Times New Roman" panose="02020603050405020304" pitchFamily="18" charset="0"/>
-                <a:ea typeface="DengXian" panose="02010600030101010101" pitchFamily="2" charset="-122"/>
-                <a:cs typeface="Times New Roman" panose="02020603050405020304" pitchFamily="18" charset="0"/>
-              </a:rPr>
-              <a:t>uml</a:t>
-            </a:r>
-            <a:r>
-              <a:rPr lang="en-US" sz="1800" dirty="0">
-                <a:effectLst/>
-                <a:latin typeface="Times New Roman" panose="02020603050405020304" pitchFamily="18" charset="0"/>
-                <a:ea typeface="DengXian" panose="02010600030101010101" pitchFamily="2" charset="-122"/>
-                <a:cs typeface="Times New Roman" panose="02020603050405020304" pitchFamily="18" charset="0"/>
-              </a:rPr>
-              <a:t> yang </a:t>
-            </a:r>
-            <a:r>
-              <a:rPr lang="en-US" sz="1800" dirty="0" err="1">
-                <a:effectLst/>
-                <a:latin typeface="Times New Roman" panose="02020603050405020304" pitchFamily="18" charset="0"/>
-                <a:ea typeface="DengXian" panose="02010600030101010101" pitchFamily="2" charset="-122"/>
-                <a:cs typeface="Times New Roman" panose="02020603050405020304" pitchFamily="18" charset="0"/>
-              </a:rPr>
-              <a:t>disediakan</a:t>
-            </a:r>
-            <a:r>
-              <a:rPr lang="en-US" sz="1800" dirty="0">
-                <a:effectLst/>
-                <a:latin typeface="Times New Roman" panose="02020603050405020304" pitchFamily="18" charset="0"/>
-                <a:ea typeface="DengXian" panose="02010600030101010101" pitchFamily="2" charset="-122"/>
-                <a:cs typeface="Times New Roman" panose="02020603050405020304" pitchFamily="18" charset="0"/>
-              </a:rPr>
-              <a:t>.</a:t>
-            </a:r>
-            <a:endParaRPr lang="id-ID" sz="1800" dirty="0">
-              <a:effectLst/>
-              <a:latin typeface="Times New Roman" panose="02020603050405020304" pitchFamily="18" charset="0"/>
-              <a:ea typeface="DengXian" panose="02010600030101010101" pitchFamily="2" charset="-122"/>
-              <a:cs typeface="Times New Roman" panose="02020603050405020304" pitchFamily="18" charset="0"/>
-            </a:endParaRPr>
-          </a:p>
-          <a:p>
-            <a:pPr marL="0" indent="0">
-              <a:buNone/>
-            </a:pPr>
-            <a:endParaRPr lang="id-ID" dirty="0"/>
+            <a:endParaRPr lang="id-ID"/>
           </a:p>
         </p:txBody>
       </p:sp>
       <p:pic>
         <p:nvPicPr>
-          <p:cNvPr id="9" name="Picture 8"/>
+          <p:cNvPr id="4" name="Content Placeholder 3">
+            <a:extLst>
+              <a:ext uri="{FF2B5EF4-FFF2-40B4-BE49-F238E27FC236}">
+                <a16:creationId xmlns:a16="http://schemas.microsoft.com/office/drawing/2014/main" id="{0D8C9D5B-DF93-4F00-84FC-4CB94136B617}"/>
+              </a:ext>
+            </a:extLst>
+          </p:cNvPr>
           <p:cNvPicPr>
-            <a:picLocks noChangeAspect="1"/>
+            <a:picLocks noGrp="1"/>
           </p:cNvPicPr>
-          <p:nvPr/>
+          <p:nvPr>
+            <p:ph idx="1"/>
+          </p:nvPr>
         </p:nvPicPr>
         <p:blipFill>
-          <a:blip r:embed="rId1">
+          <a:blip r:embed="rId2" cstate="print">
             <a:extLst>
               <a:ext uri="{28A0092B-C50C-407E-A947-70E740481C1C}">
                 <a14:useLocalDpi xmlns:a14="http://schemas.microsoft.com/office/drawing/2010/main" val="0"/>
@@ -8823,8 +9631,8 @@
         </p:blipFill>
         <p:spPr>
           <a:xfrm>
-            <a:off x="1219199" y="2105890"/>
-            <a:ext cx="9936479" cy="4197926"/>
+            <a:off x="1097280" y="1807844"/>
+            <a:ext cx="10058400" cy="4220093"/>
           </a:xfrm>
           <a:prstGeom prst="rect">
             <a:avLst/>
@@ -8832,6 +9640,11 @@
         </p:spPr>
       </p:pic>
     </p:spTree>
+    <p:extLst>
+      <p:ext uri="{BB962C8B-B14F-4D97-AF65-F5344CB8AC3E}">
+        <p14:creationId xmlns:p14="http://schemas.microsoft.com/office/powerpoint/2010/main" val="2632789434"/>
+      </p:ext>
+    </p:extLst>
   </p:cSld>
   <p:clrMapOvr>
     <a:masterClrMapping/>
@@ -9112,6 +9925,8 @@
       </a:bgFillStyleLst>
     </a:fmtScheme>
   </a:themeElements>
+  <a:objectDefaults/>
+  <a:extraClrSchemeLst/>
   <a:extLst>
     <a:ext uri="{05A4C25C-085E-4340-85A3-A5531E510DB2}">
       <thm15:themeFamily xmlns:thm15="http://schemas.microsoft.com/office/thememl/2012/main" name="Office Theme" id="{62F939B6-93AF-4DB8-9C6B-D6C7DFDC589F}" vid="{4A3C46E8-61CC-4603-A589-7422A47A8E4A}"/>
